--- a/Dancing Through The Decades - Final Draft.pptx
+++ b/Dancing Through The Decades - Final Draft.pptx
@@ -5,10 +5,10 @@
     <p:sldMasterId id="2147483648" r:id="rId4"/>
   </p:sldMasterIdLst>
   <p:notesMasterIdLst>
-    <p:notesMasterId r:id="rId17"/>
+    <p:notesMasterId r:id="rId22"/>
   </p:notesMasterIdLst>
   <p:handoutMasterIdLst>
-    <p:handoutMasterId r:id="rId18"/>
+    <p:handoutMasterId r:id="rId23"/>
   </p:handoutMasterIdLst>
   <p:sldIdLst>
     <p:sldId id="256" r:id="rId5"/>
@@ -16,13 +16,18 @@
     <p:sldId id="280" r:id="rId7"/>
     <p:sldId id="289" r:id="rId8"/>
     <p:sldId id="291" r:id="rId9"/>
-    <p:sldId id="282" r:id="rId10"/>
-    <p:sldId id="294" r:id="rId11"/>
-    <p:sldId id="293" r:id="rId12"/>
-    <p:sldId id="295" r:id="rId13"/>
-    <p:sldId id="277" r:id="rId14"/>
-    <p:sldId id="296" r:id="rId15"/>
-    <p:sldId id="285" r:id="rId16"/>
+    <p:sldId id="297" r:id="rId10"/>
+    <p:sldId id="299" r:id="rId11"/>
+    <p:sldId id="300" r:id="rId12"/>
+    <p:sldId id="298" r:id="rId13"/>
+    <p:sldId id="301" r:id="rId14"/>
+    <p:sldId id="282" r:id="rId15"/>
+    <p:sldId id="294" r:id="rId16"/>
+    <p:sldId id="293" r:id="rId17"/>
+    <p:sldId id="295" r:id="rId18"/>
+    <p:sldId id="277" r:id="rId19"/>
+    <p:sldId id="296" r:id="rId20"/>
+    <p:sldId id="285" r:id="rId21"/>
   </p:sldIdLst>
   <p:sldSz cx="12192000" cy="6858000"/>
   <p:notesSz cx="6858000" cy="9144000"/>
@@ -257,7 +262,7 @@
           <a:p>
             <a:fld id="{6E5C0719-993D-42E1-80ED-8F01056F36C2}" type="datetimeFigureOut">
               <a:rPr lang="en-US" smtClean="0"/>
-              <a:t>1/19/2021</a:t>
+              <a:t>1/20/2021</a:t>
             </a:fld>
             <a:endParaRPr lang="en-US" dirty="0"/>
           </a:p>
@@ -434,7 +439,7 @@
           <a:p>
             <a:fld id="{21D3BC9C-6C58-464F-B94E-FD73C5FB016E}" type="datetimeFigureOut">
               <a:rPr lang="en-US" smtClean="0"/>
-              <a:t>1/19/2021</a:t>
+              <a:t>1/20/2021</a:t>
             </a:fld>
             <a:endParaRPr lang="en-US" dirty="0"/>
           </a:p>
@@ -880,43 +885,9 @@
           <a:lstStyle/>
           <a:p>
             <a:r>
-              <a:rPr lang="en-US" b="0" dirty="0"/>
-              <a:t>30 seconds - </a:t>
-            </a:r>
-            <a:r>
-              <a:rPr lang="en-US" b="1" dirty="0"/>
-              <a:t>Will</a:t>
-            </a:r>
-            <a:endParaRPr lang="en-US" b="0" dirty="0"/>
-          </a:p>
-          <a:p>
-            <a:r>
-              <a:rPr lang="en-US" b="1" dirty="0"/>
-              <a:t>Post Mortem</a:t>
-            </a:r>
-          </a:p>
-          <a:p>
-            <a:pPr>
-              <a:buFont typeface="Arial" panose="020B0604020202020204" pitchFamily="34" charset="0"/>
-              <a:buChar char="•"/>
-            </a:pPr>
-            <a:r>
-              <a:rPr lang="en-US" b="1" dirty="0"/>
-              <a:t>Discuss any difficulties that arose, and how you dealt with them</a:t>
-            </a:r>
-          </a:p>
-          <a:p>
-            <a:pPr>
-              <a:buFont typeface="Arial" panose="020B0604020202020204" pitchFamily="34" charset="0"/>
-              <a:buChar char="•"/>
-            </a:pPr>
-            <a:r>
-              <a:rPr lang="en-US" b="1" dirty="0"/>
-              <a:t>Discuss any additional questions that came up, but which you didn't have time to answer: What would you research next, if you had two more weeks?</a:t>
-            </a:r>
-          </a:p>
-          <a:p>
-            <a:endParaRPr lang="en-US" dirty="0"/>
+              <a:rPr lang="en-AU" dirty="0"/>
+              <a:t>So we thought that’s good enough for us to finish our hypothesis test. Now I will pass it to Darren and Brett to introduce our hypothesis test.</a:t>
+            </a:r>
           </a:p>
         </p:txBody>
       </p:sp>
@@ -946,7 +917,7 @@
     </p:spTree>
     <p:extLst>
       <p:ext uri="{BB962C8B-B14F-4D97-AF65-F5344CB8AC3E}">
-        <p14:creationId xmlns:p14="http://schemas.microsoft.com/office/powerpoint/2010/main" val="2200471060"/>
+        <p14:creationId xmlns:p14="http://schemas.microsoft.com/office/powerpoint/2010/main" val="1360361912"/>
       </p:ext>
     </p:extLst>
   </p:cSld>
@@ -1000,6 +971,82 @@
           <a:bodyPr/>
           <a:lstStyle/>
           <a:p>
+            <a:r>
+              <a:rPr lang="en-US" dirty="0"/>
+              <a:t>1 minute - </a:t>
+            </a:r>
+            <a:r>
+              <a:rPr lang="en-US" b="1" dirty="0"/>
+              <a:t>Darren</a:t>
+            </a:r>
+            <a:r>
+              <a:rPr lang="en-US" dirty="0"/>
+              <a:t> </a:t>
+            </a:r>
+          </a:p>
+          <a:p>
+            <a:r>
+              <a:rPr lang="en-US" b="1" dirty="0"/>
+              <a:t>Data Analysis</a:t>
+            </a:r>
+          </a:p>
+          <a:p>
+            <a:pPr>
+              <a:buFont typeface="Arial" panose="020B0604020202020204" pitchFamily="34" charset="0"/>
+              <a:buChar char="•"/>
+            </a:pPr>
+            <a:r>
+              <a:rPr lang="en-US" b="1" dirty="0"/>
+              <a:t>Discuss the steps you took to analyze the data and answer each question you asked in your proposal</a:t>
+            </a:r>
+          </a:p>
+          <a:p>
+            <a:pPr>
+              <a:buFont typeface="Arial" panose="020B0604020202020204" pitchFamily="34" charset="0"/>
+              <a:buChar char="•"/>
+            </a:pPr>
+            <a:r>
+              <a:rPr lang="en-US" b="1" dirty="0"/>
+              <a:t>Present and discuss interesting figures developed during </a:t>
+            </a:r>
+            <a:r>
+              <a:rPr lang="en-US" sz="1200" b="1" kern="1200" dirty="0">
+                <a:solidFill>
+                  <a:schemeClr val="tx1"/>
+                </a:solidFill>
+                <a:latin typeface="+mn-lt"/>
+                <a:ea typeface="+mn-ea"/>
+                <a:cs typeface="+mn-cs"/>
+              </a:rPr>
+              <a:t>analysis (accompanied by your </a:t>
+            </a:r>
+            <a:r>
+              <a:rPr lang="en-US" sz="1200" b="1" kern="1200" dirty="0" err="1">
+                <a:solidFill>
+                  <a:schemeClr val="tx1"/>
+                </a:solidFill>
+                <a:latin typeface="+mn-lt"/>
+                <a:ea typeface="+mn-ea"/>
+                <a:cs typeface="+mn-cs"/>
+              </a:rPr>
+              <a:t>Jupyter</a:t>
+            </a:r>
+            <a:r>
+              <a:rPr lang="en-US" sz="1200" b="1" kern="1200" dirty="0">
+                <a:solidFill>
+                  <a:schemeClr val="tx1"/>
+                </a:solidFill>
+                <a:latin typeface="+mn-lt"/>
+                <a:ea typeface="+mn-ea"/>
+                <a:cs typeface="+mn-cs"/>
+              </a:rPr>
+              <a:t> Notebook)</a:t>
+            </a:r>
+          </a:p>
+          <a:p>
+            <a:endParaRPr lang="en-US" b="1" dirty="0"/>
+          </a:p>
+          <a:p>
             <a:endParaRPr lang="en-US" dirty="0"/>
           </a:p>
         </p:txBody>
@@ -1030,7 +1077,7 @@
     </p:spTree>
     <p:extLst>
       <p:ext uri="{BB962C8B-B14F-4D97-AF65-F5344CB8AC3E}">
-        <p14:creationId xmlns:p14="http://schemas.microsoft.com/office/powerpoint/2010/main" val="946538123"/>
+        <p14:creationId xmlns:p14="http://schemas.microsoft.com/office/powerpoint/2010/main" val="3688625406"/>
       </p:ext>
     </p:extLst>
   </p:cSld>
@@ -1085,8 +1132,19 @@
           <a:lstStyle/>
           <a:p>
             <a:r>
+              <a:rPr lang="en-US" dirty="0"/>
+              <a:t>1 minute - </a:t>
+            </a:r>
+            <a:r>
               <a:rPr lang="en-US" b="1" dirty="0"/>
-              <a:t>Questions</a:t>
+              <a:t>Brett</a:t>
+            </a:r>
+            <a:endParaRPr lang="en-US" dirty="0"/>
+          </a:p>
+          <a:p>
+            <a:r>
+              <a:rPr lang="en-US" b="1" dirty="0"/>
+              <a:t>Data Analysis</a:t>
             </a:r>
           </a:p>
           <a:p>
@@ -1096,7 +1154,50 @@
             </a:pPr>
             <a:r>
               <a:rPr lang="en-US" b="1" dirty="0"/>
-              <a:t>Open-floor Q&amp;A with the audience</a:t>
+              <a:t>Discuss the steps you took to analyze the data and answer each question you asked in your proposal</a:t>
+            </a:r>
+          </a:p>
+          <a:p>
+            <a:pPr>
+              <a:buFont typeface="Arial" panose="020B0604020202020204" pitchFamily="34" charset="0"/>
+              <a:buChar char="•"/>
+            </a:pPr>
+            <a:r>
+              <a:rPr lang="en-US" b="1" dirty="0"/>
+              <a:t>Present and discuss interesting figures developed during </a:t>
+            </a:r>
+            <a:r>
+              <a:rPr lang="en-US" sz="1200" b="1" kern="1200" dirty="0">
+                <a:solidFill>
+                  <a:schemeClr val="tx1"/>
+                </a:solidFill>
+                <a:latin typeface="+mn-lt"/>
+                <a:ea typeface="+mn-ea"/>
+                <a:cs typeface="+mn-cs"/>
+              </a:rPr>
+              <a:t>analysis (accompanied by your </a:t>
+            </a:r>
+            <a:r>
+              <a:rPr lang="en-US" sz="1200" b="1" kern="1200" dirty="0" err="1">
+                <a:solidFill>
+                  <a:schemeClr val="tx1"/>
+                </a:solidFill>
+                <a:latin typeface="+mn-lt"/>
+                <a:ea typeface="+mn-ea"/>
+                <a:cs typeface="+mn-cs"/>
+              </a:rPr>
+              <a:t>Jupyter</a:t>
+            </a:r>
+            <a:r>
+              <a:rPr lang="en-US" sz="1200" b="1" kern="1200" dirty="0">
+                <a:solidFill>
+                  <a:schemeClr val="tx1"/>
+                </a:solidFill>
+                <a:latin typeface="+mn-lt"/>
+                <a:ea typeface="+mn-ea"/>
+                <a:cs typeface="+mn-cs"/>
+              </a:rPr>
+              <a:t> Notebook)</a:t>
             </a:r>
           </a:p>
           <a:p>
@@ -1122,6 +1223,618 @@
             <a:fld id="{BE60DC36-8EFA-4378-9855-E019C55AC472}" type="slidenum">
               <a:rPr lang="en-US" smtClean="0"/>
               <a:t>12</a:t>
+            </a:fld>
+            <a:endParaRPr lang="en-US" dirty="0"/>
+          </a:p>
+        </p:txBody>
+      </p:sp>
+    </p:spTree>
+    <p:extLst>
+      <p:ext uri="{BB962C8B-B14F-4D97-AF65-F5344CB8AC3E}">
+        <p14:creationId xmlns:p14="http://schemas.microsoft.com/office/powerpoint/2010/main" val="3525409121"/>
+      </p:ext>
+    </p:extLst>
+  </p:cSld>
+  <p:clrMapOvr>
+    <a:masterClrMapping/>
+  </p:clrMapOvr>
+</p:notes>
+</file>
+
+<file path=ppt/notesSlides/notesSlide13.xml><?xml version="1.0" encoding="utf-8"?>
+<p:notes xmlns:a="http://schemas.openxmlformats.org/drawingml/2006/main" xmlns:r="http://schemas.openxmlformats.org/officeDocument/2006/relationships" xmlns:p="http://schemas.openxmlformats.org/presentationml/2006/main">
+  <p:cSld>
+    <p:spTree>
+      <p:nvGrpSpPr>
+        <p:cNvPr id="1" name=""/>
+        <p:cNvGrpSpPr/>
+        <p:nvPr/>
+      </p:nvGrpSpPr>
+      <p:grpSpPr>
+        <a:xfrm>
+          <a:off x="0" y="0"/>
+          <a:ext cx="0" cy="0"/>
+          <a:chOff x="0" y="0"/>
+          <a:chExt cx="0" cy="0"/>
+        </a:xfrm>
+      </p:grpSpPr>
+      <p:sp>
+        <p:nvSpPr>
+          <p:cNvPr id="2" name="Slide Image Placeholder 1"/>
+          <p:cNvSpPr>
+            <a:spLocks noGrp="1" noRot="1" noChangeAspect="1"/>
+          </p:cNvSpPr>
+          <p:nvPr>
+            <p:ph type="sldImg"/>
+          </p:nvPr>
+        </p:nvSpPr>
+        <p:spPr/>
+      </p:sp>
+      <p:sp>
+        <p:nvSpPr>
+          <p:cNvPr id="3" name="Notes Placeholder 2"/>
+          <p:cNvSpPr>
+            <a:spLocks noGrp="1"/>
+          </p:cNvSpPr>
+          <p:nvPr>
+            <p:ph type="body" idx="1"/>
+          </p:nvPr>
+        </p:nvSpPr>
+        <p:spPr/>
+        <p:txBody>
+          <a:bodyPr/>
+          <a:lstStyle/>
+          <a:p>
+            <a:r>
+              <a:rPr lang="en-US" dirty="0"/>
+              <a:t>1 minute - </a:t>
+            </a:r>
+            <a:r>
+              <a:rPr lang="en-US" b="1" dirty="0"/>
+              <a:t>Darren</a:t>
+            </a:r>
+            <a:endParaRPr lang="en-US" dirty="0"/>
+          </a:p>
+          <a:p>
+            <a:r>
+              <a:rPr lang="en-US" b="1" dirty="0"/>
+              <a:t>Data Analysis</a:t>
+            </a:r>
+          </a:p>
+          <a:p>
+            <a:pPr>
+              <a:buFont typeface="Arial" panose="020B0604020202020204" pitchFamily="34" charset="0"/>
+              <a:buChar char="•"/>
+            </a:pPr>
+            <a:r>
+              <a:rPr lang="en-US" b="1" dirty="0"/>
+              <a:t>Discuss the steps you took to analyze the data and answer each question you asked in your proposal</a:t>
+            </a:r>
+          </a:p>
+          <a:p>
+            <a:pPr>
+              <a:buFont typeface="Arial" panose="020B0604020202020204" pitchFamily="34" charset="0"/>
+              <a:buChar char="•"/>
+            </a:pPr>
+            <a:r>
+              <a:rPr lang="en-US" b="1" dirty="0"/>
+              <a:t>Present and discuss interesting figures developed during </a:t>
+            </a:r>
+            <a:r>
+              <a:rPr lang="en-US" sz="1200" b="1" kern="1200" dirty="0">
+                <a:solidFill>
+                  <a:schemeClr val="tx1"/>
+                </a:solidFill>
+                <a:latin typeface="+mn-lt"/>
+                <a:ea typeface="+mn-ea"/>
+                <a:cs typeface="+mn-cs"/>
+              </a:rPr>
+              <a:t>analysis (accompanied by your </a:t>
+            </a:r>
+            <a:r>
+              <a:rPr lang="en-US" sz="1200" b="1" kern="1200" dirty="0" err="1">
+                <a:solidFill>
+                  <a:schemeClr val="tx1"/>
+                </a:solidFill>
+                <a:latin typeface="+mn-lt"/>
+                <a:ea typeface="+mn-ea"/>
+                <a:cs typeface="+mn-cs"/>
+              </a:rPr>
+              <a:t>Jupyter</a:t>
+            </a:r>
+            <a:r>
+              <a:rPr lang="en-US" sz="1200" b="1" kern="1200" dirty="0">
+                <a:solidFill>
+                  <a:schemeClr val="tx1"/>
+                </a:solidFill>
+                <a:latin typeface="+mn-lt"/>
+                <a:ea typeface="+mn-ea"/>
+                <a:cs typeface="+mn-cs"/>
+              </a:rPr>
+              <a:t> Notebook)</a:t>
+            </a:r>
+          </a:p>
+          <a:p>
+            <a:endParaRPr lang="en-US" dirty="0"/>
+          </a:p>
+        </p:txBody>
+      </p:sp>
+      <p:sp>
+        <p:nvSpPr>
+          <p:cNvPr id="4" name="Slide Number Placeholder 3"/>
+          <p:cNvSpPr>
+            <a:spLocks noGrp="1"/>
+          </p:cNvSpPr>
+          <p:nvPr>
+            <p:ph type="sldNum" sz="quarter" idx="5"/>
+          </p:nvPr>
+        </p:nvSpPr>
+        <p:spPr/>
+        <p:txBody>
+          <a:bodyPr/>
+          <a:lstStyle/>
+          <a:p>
+            <a:fld id="{BE60DC36-8EFA-4378-9855-E019C55AC472}" type="slidenum">
+              <a:rPr lang="en-US" smtClean="0"/>
+              <a:t>13</a:t>
+            </a:fld>
+            <a:endParaRPr lang="en-US" dirty="0"/>
+          </a:p>
+        </p:txBody>
+      </p:sp>
+    </p:spTree>
+    <p:extLst>
+      <p:ext uri="{BB962C8B-B14F-4D97-AF65-F5344CB8AC3E}">
+        <p14:creationId xmlns:p14="http://schemas.microsoft.com/office/powerpoint/2010/main" val="1178366244"/>
+      </p:ext>
+    </p:extLst>
+  </p:cSld>
+  <p:clrMapOvr>
+    <a:masterClrMapping/>
+  </p:clrMapOvr>
+</p:notes>
+</file>
+
+<file path=ppt/notesSlides/notesSlide14.xml><?xml version="1.0" encoding="utf-8"?>
+<p:notes xmlns:a="http://schemas.openxmlformats.org/drawingml/2006/main" xmlns:r="http://schemas.openxmlformats.org/officeDocument/2006/relationships" xmlns:p="http://schemas.openxmlformats.org/presentationml/2006/main">
+  <p:cSld>
+    <p:spTree>
+      <p:nvGrpSpPr>
+        <p:cNvPr id="1" name=""/>
+        <p:cNvGrpSpPr/>
+        <p:nvPr/>
+      </p:nvGrpSpPr>
+      <p:grpSpPr>
+        <a:xfrm>
+          <a:off x="0" y="0"/>
+          <a:ext cx="0" cy="0"/>
+          <a:chOff x="0" y="0"/>
+          <a:chExt cx="0" cy="0"/>
+        </a:xfrm>
+      </p:grpSpPr>
+      <p:sp>
+        <p:nvSpPr>
+          <p:cNvPr id="2" name="Slide Image Placeholder 1"/>
+          <p:cNvSpPr>
+            <a:spLocks noGrp="1" noRot="1" noChangeAspect="1"/>
+          </p:cNvSpPr>
+          <p:nvPr>
+            <p:ph type="sldImg"/>
+          </p:nvPr>
+        </p:nvSpPr>
+        <p:spPr/>
+      </p:sp>
+      <p:sp>
+        <p:nvSpPr>
+          <p:cNvPr id="3" name="Notes Placeholder 2"/>
+          <p:cNvSpPr>
+            <a:spLocks noGrp="1"/>
+          </p:cNvSpPr>
+          <p:nvPr>
+            <p:ph type="body" idx="1"/>
+          </p:nvPr>
+        </p:nvSpPr>
+        <p:spPr/>
+        <p:txBody>
+          <a:bodyPr/>
+          <a:lstStyle/>
+          <a:p>
+            <a:r>
+              <a:rPr lang="en-US" dirty="0"/>
+              <a:t>1 minute - </a:t>
+            </a:r>
+            <a:r>
+              <a:rPr lang="en-US" b="1" dirty="0"/>
+              <a:t>Brett</a:t>
+            </a:r>
+          </a:p>
+          <a:p>
+            <a:r>
+              <a:rPr lang="en-US" b="1" dirty="0"/>
+              <a:t>Data Analysis</a:t>
+            </a:r>
+          </a:p>
+          <a:p>
+            <a:pPr>
+              <a:buFont typeface="Arial" panose="020B0604020202020204" pitchFamily="34" charset="0"/>
+              <a:buChar char="•"/>
+            </a:pPr>
+            <a:r>
+              <a:rPr lang="en-US" b="1" dirty="0"/>
+              <a:t>Discuss the steps you took to analyze the data and answer each question you asked in your proposal</a:t>
+            </a:r>
+          </a:p>
+          <a:p>
+            <a:pPr>
+              <a:buFont typeface="Arial" panose="020B0604020202020204" pitchFamily="34" charset="0"/>
+              <a:buChar char="•"/>
+            </a:pPr>
+            <a:r>
+              <a:rPr lang="en-US" b="1" dirty="0"/>
+              <a:t>Present and discuss interesting figures developed during </a:t>
+            </a:r>
+            <a:r>
+              <a:rPr lang="en-US" sz="1200" b="1" kern="1200" dirty="0">
+                <a:solidFill>
+                  <a:schemeClr val="tx1"/>
+                </a:solidFill>
+                <a:latin typeface="+mn-lt"/>
+                <a:ea typeface="+mn-ea"/>
+                <a:cs typeface="+mn-cs"/>
+              </a:rPr>
+              <a:t>analysis (accompanied by your </a:t>
+            </a:r>
+            <a:r>
+              <a:rPr lang="en-US" sz="1200" b="1" kern="1200" dirty="0" err="1">
+                <a:solidFill>
+                  <a:schemeClr val="tx1"/>
+                </a:solidFill>
+                <a:latin typeface="+mn-lt"/>
+                <a:ea typeface="+mn-ea"/>
+                <a:cs typeface="+mn-cs"/>
+              </a:rPr>
+              <a:t>Jupyter</a:t>
+            </a:r>
+            <a:r>
+              <a:rPr lang="en-US" sz="1200" b="1" kern="1200" dirty="0">
+                <a:solidFill>
+                  <a:schemeClr val="tx1"/>
+                </a:solidFill>
+                <a:latin typeface="+mn-lt"/>
+                <a:ea typeface="+mn-ea"/>
+                <a:cs typeface="+mn-cs"/>
+              </a:rPr>
+              <a:t> Notebook)</a:t>
+            </a:r>
+          </a:p>
+          <a:p>
+            <a:endParaRPr lang="en-US" dirty="0"/>
+          </a:p>
+        </p:txBody>
+      </p:sp>
+      <p:sp>
+        <p:nvSpPr>
+          <p:cNvPr id="4" name="Slide Number Placeholder 3"/>
+          <p:cNvSpPr>
+            <a:spLocks noGrp="1"/>
+          </p:cNvSpPr>
+          <p:nvPr>
+            <p:ph type="sldNum" sz="quarter" idx="5"/>
+          </p:nvPr>
+        </p:nvSpPr>
+        <p:spPr/>
+        <p:txBody>
+          <a:bodyPr/>
+          <a:lstStyle/>
+          <a:p>
+            <a:fld id="{BE60DC36-8EFA-4378-9855-E019C55AC472}" type="slidenum">
+              <a:rPr lang="en-US" smtClean="0"/>
+              <a:t>14</a:t>
+            </a:fld>
+            <a:endParaRPr lang="en-US" dirty="0"/>
+          </a:p>
+        </p:txBody>
+      </p:sp>
+    </p:spTree>
+    <p:extLst>
+      <p:ext uri="{BB962C8B-B14F-4D97-AF65-F5344CB8AC3E}">
+        <p14:creationId xmlns:p14="http://schemas.microsoft.com/office/powerpoint/2010/main" val="1417132906"/>
+      </p:ext>
+    </p:extLst>
+  </p:cSld>
+  <p:clrMapOvr>
+    <a:masterClrMapping/>
+  </p:clrMapOvr>
+</p:notes>
+</file>
+
+<file path=ppt/notesSlides/notesSlide15.xml><?xml version="1.0" encoding="utf-8"?>
+<p:notes xmlns:a="http://schemas.openxmlformats.org/drawingml/2006/main" xmlns:r="http://schemas.openxmlformats.org/officeDocument/2006/relationships" xmlns:p="http://schemas.openxmlformats.org/presentationml/2006/main">
+  <p:cSld>
+    <p:spTree>
+      <p:nvGrpSpPr>
+        <p:cNvPr id="1" name=""/>
+        <p:cNvGrpSpPr/>
+        <p:nvPr/>
+      </p:nvGrpSpPr>
+      <p:grpSpPr>
+        <a:xfrm>
+          <a:off x="0" y="0"/>
+          <a:ext cx="0" cy="0"/>
+          <a:chOff x="0" y="0"/>
+          <a:chExt cx="0" cy="0"/>
+        </a:xfrm>
+      </p:grpSpPr>
+      <p:sp>
+        <p:nvSpPr>
+          <p:cNvPr id="2" name="Slide Image Placeholder 1"/>
+          <p:cNvSpPr>
+            <a:spLocks noGrp="1" noRot="1" noChangeAspect="1"/>
+          </p:cNvSpPr>
+          <p:nvPr>
+            <p:ph type="sldImg"/>
+          </p:nvPr>
+        </p:nvSpPr>
+        <p:spPr/>
+      </p:sp>
+      <p:sp>
+        <p:nvSpPr>
+          <p:cNvPr id="3" name="Notes Placeholder 2"/>
+          <p:cNvSpPr>
+            <a:spLocks noGrp="1"/>
+          </p:cNvSpPr>
+          <p:nvPr>
+            <p:ph type="body" idx="1"/>
+          </p:nvPr>
+        </p:nvSpPr>
+        <p:spPr/>
+        <p:txBody>
+          <a:bodyPr/>
+          <a:lstStyle/>
+          <a:p>
+            <a:r>
+              <a:rPr lang="en-US" b="0" dirty="0"/>
+              <a:t>30 seconds - </a:t>
+            </a:r>
+            <a:r>
+              <a:rPr lang="en-US" b="1" dirty="0"/>
+              <a:t>Will</a:t>
+            </a:r>
+            <a:endParaRPr lang="en-US" b="0" dirty="0"/>
+          </a:p>
+          <a:p>
+            <a:r>
+              <a:rPr lang="en-US" b="1" dirty="0"/>
+              <a:t>Post Mortem</a:t>
+            </a:r>
+          </a:p>
+          <a:p>
+            <a:pPr>
+              <a:buFont typeface="Arial" panose="020B0604020202020204" pitchFamily="34" charset="0"/>
+              <a:buChar char="•"/>
+            </a:pPr>
+            <a:r>
+              <a:rPr lang="en-US" b="1" dirty="0"/>
+              <a:t>Discuss any difficulties that arose, and how you dealt with them</a:t>
+            </a:r>
+          </a:p>
+          <a:p>
+            <a:pPr>
+              <a:buFont typeface="Arial" panose="020B0604020202020204" pitchFamily="34" charset="0"/>
+              <a:buChar char="•"/>
+            </a:pPr>
+            <a:r>
+              <a:rPr lang="en-US" b="1" dirty="0"/>
+              <a:t>Discuss any additional questions that came up, but which you didn't have time to answer: What would you research next, if you had two more weeks?</a:t>
+            </a:r>
+          </a:p>
+          <a:p>
+            <a:endParaRPr lang="en-US" dirty="0"/>
+          </a:p>
+        </p:txBody>
+      </p:sp>
+      <p:sp>
+        <p:nvSpPr>
+          <p:cNvPr id="4" name="Slide Number Placeholder 3"/>
+          <p:cNvSpPr>
+            <a:spLocks noGrp="1"/>
+          </p:cNvSpPr>
+          <p:nvPr>
+            <p:ph type="sldNum" sz="quarter" idx="5"/>
+          </p:nvPr>
+        </p:nvSpPr>
+        <p:spPr/>
+        <p:txBody>
+          <a:bodyPr/>
+          <a:lstStyle/>
+          <a:p>
+            <a:fld id="{BE60DC36-8EFA-4378-9855-E019C55AC472}" type="slidenum">
+              <a:rPr lang="en-US" smtClean="0"/>
+              <a:t>15</a:t>
+            </a:fld>
+            <a:endParaRPr lang="en-US" dirty="0"/>
+          </a:p>
+        </p:txBody>
+      </p:sp>
+    </p:spTree>
+    <p:extLst>
+      <p:ext uri="{BB962C8B-B14F-4D97-AF65-F5344CB8AC3E}">
+        <p14:creationId xmlns:p14="http://schemas.microsoft.com/office/powerpoint/2010/main" val="2200471060"/>
+      </p:ext>
+    </p:extLst>
+  </p:cSld>
+  <p:clrMapOvr>
+    <a:masterClrMapping/>
+  </p:clrMapOvr>
+</p:notes>
+</file>
+
+<file path=ppt/notesSlides/notesSlide16.xml><?xml version="1.0" encoding="utf-8"?>
+<p:notes xmlns:a="http://schemas.openxmlformats.org/drawingml/2006/main" xmlns:r="http://schemas.openxmlformats.org/officeDocument/2006/relationships" xmlns:p="http://schemas.openxmlformats.org/presentationml/2006/main">
+  <p:cSld>
+    <p:spTree>
+      <p:nvGrpSpPr>
+        <p:cNvPr id="1" name=""/>
+        <p:cNvGrpSpPr/>
+        <p:nvPr/>
+      </p:nvGrpSpPr>
+      <p:grpSpPr>
+        <a:xfrm>
+          <a:off x="0" y="0"/>
+          <a:ext cx="0" cy="0"/>
+          <a:chOff x="0" y="0"/>
+          <a:chExt cx="0" cy="0"/>
+        </a:xfrm>
+      </p:grpSpPr>
+      <p:sp>
+        <p:nvSpPr>
+          <p:cNvPr id="2" name="Slide Image Placeholder 1"/>
+          <p:cNvSpPr>
+            <a:spLocks noGrp="1" noRot="1" noChangeAspect="1"/>
+          </p:cNvSpPr>
+          <p:nvPr>
+            <p:ph type="sldImg"/>
+          </p:nvPr>
+        </p:nvSpPr>
+        <p:spPr/>
+      </p:sp>
+      <p:sp>
+        <p:nvSpPr>
+          <p:cNvPr id="3" name="Notes Placeholder 2"/>
+          <p:cNvSpPr>
+            <a:spLocks noGrp="1"/>
+          </p:cNvSpPr>
+          <p:nvPr>
+            <p:ph type="body" idx="1"/>
+          </p:nvPr>
+        </p:nvSpPr>
+        <p:spPr/>
+        <p:txBody>
+          <a:bodyPr/>
+          <a:lstStyle/>
+          <a:p>
+            <a:endParaRPr lang="en-US" dirty="0"/>
+          </a:p>
+        </p:txBody>
+      </p:sp>
+      <p:sp>
+        <p:nvSpPr>
+          <p:cNvPr id="4" name="Slide Number Placeholder 3"/>
+          <p:cNvSpPr>
+            <a:spLocks noGrp="1"/>
+          </p:cNvSpPr>
+          <p:nvPr>
+            <p:ph type="sldNum" sz="quarter" idx="5"/>
+          </p:nvPr>
+        </p:nvSpPr>
+        <p:spPr/>
+        <p:txBody>
+          <a:bodyPr/>
+          <a:lstStyle/>
+          <a:p>
+            <a:fld id="{BE60DC36-8EFA-4378-9855-E019C55AC472}" type="slidenum">
+              <a:rPr lang="en-US" smtClean="0"/>
+              <a:t>16</a:t>
+            </a:fld>
+            <a:endParaRPr lang="en-US" dirty="0"/>
+          </a:p>
+        </p:txBody>
+      </p:sp>
+    </p:spTree>
+    <p:extLst>
+      <p:ext uri="{BB962C8B-B14F-4D97-AF65-F5344CB8AC3E}">
+        <p14:creationId xmlns:p14="http://schemas.microsoft.com/office/powerpoint/2010/main" val="946538123"/>
+      </p:ext>
+    </p:extLst>
+  </p:cSld>
+  <p:clrMapOvr>
+    <a:masterClrMapping/>
+  </p:clrMapOvr>
+</p:notes>
+</file>
+
+<file path=ppt/notesSlides/notesSlide17.xml><?xml version="1.0" encoding="utf-8"?>
+<p:notes xmlns:a="http://schemas.openxmlformats.org/drawingml/2006/main" xmlns:r="http://schemas.openxmlformats.org/officeDocument/2006/relationships" xmlns:p="http://schemas.openxmlformats.org/presentationml/2006/main">
+  <p:cSld>
+    <p:spTree>
+      <p:nvGrpSpPr>
+        <p:cNvPr id="1" name=""/>
+        <p:cNvGrpSpPr/>
+        <p:nvPr/>
+      </p:nvGrpSpPr>
+      <p:grpSpPr>
+        <a:xfrm>
+          <a:off x="0" y="0"/>
+          <a:ext cx="0" cy="0"/>
+          <a:chOff x="0" y="0"/>
+          <a:chExt cx="0" cy="0"/>
+        </a:xfrm>
+      </p:grpSpPr>
+      <p:sp>
+        <p:nvSpPr>
+          <p:cNvPr id="2" name="Slide Image Placeholder 1"/>
+          <p:cNvSpPr>
+            <a:spLocks noGrp="1" noRot="1" noChangeAspect="1"/>
+          </p:cNvSpPr>
+          <p:nvPr>
+            <p:ph type="sldImg"/>
+          </p:nvPr>
+        </p:nvSpPr>
+        <p:spPr/>
+      </p:sp>
+      <p:sp>
+        <p:nvSpPr>
+          <p:cNvPr id="3" name="Notes Placeholder 2"/>
+          <p:cNvSpPr>
+            <a:spLocks noGrp="1"/>
+          </p:cNvSpPr>
+          <p:nvPr>
+            <p:ph type="body" idx="1"/>
+          </p:nvPr>
+        </p:nvSpPr>
+        <p:spPr/>
+        <p:txBody>
+          <a:bodyPr/>
+          <a:lstStyle/>
+          <a:p>
+            <a:r>
+              <a:rPr lang="en-US" b="1" dirty="0"/>
+              <a:t>Questions</a:t>
+            </a:r>
+          </a:p>
+          <a:p>
+            <a:pPr>
+              <a:buFont typeface="Arial" panose="020B0604020202020204" pitchFamily="34" charset="0"/>
+              <a:buChar char="•"/>
+            </a:pPr>
+            <a:r>
+              <a:rPr lang="en-US" b="1" dirty="0"/>
+              <a:t>Open-floor Q&amp;A with the audience</a:t>
+            </a:r>
+          </a:p>
+          <a:p>
+            <a:endParaRPr lang="en-US" dirty="0"/>
+          </a:p>
+        </p:txBody>
+      </p:sp>
+      <p:sp>
+        <p:nvSpPr>
+          <p:cNvPr id="4" name="Slide Number Placeholder 3"/>
+          <p:cNvSpPr>
+            <a:spLocks noGrp="1"/>
+          </p:cNvSpPr>
+          <p:nvPr>
+            <p:ph type="sldNum" sz="quarter" idx="5"/>
+          </p:nvPr>
+        </p:nvSpPr>
+        <p:spPr/>
+        <p:txBody>
+          <a:bodyPr/>
+          <a:lstStyle/>
+          <a:p>
+            <a:fld id="{BE60DC36-8EFA-4378-9855-E019C55AC472}" type="slidenum">
+              <a:rPr lang="en-US" smtClean="0"/>
+              <a:t>17</a:t>
             </a:fld>
             <a:endParaRPr lang="en-US" dirty="0"/>
           </a:p>
@@ -1594,6 +2307,15 @@
           <a:p>
             <a:r>
               <a:rPr lang="en-US" dirty="0"/>
+              <a:t>Now I will introduce what and how we merged our data.</a:t>
+            </a:r>
+          </a:p>
+          <a:p>
+            <a:endParaRPr lang="en-US" dirty="0"/>
+          </a:p>
+          <a:p>
+            <a:r>
+              <a:rPr lang="en-US" dirty="0"/>
               <a:t>Slide 4B – Data Merging – 4 Hypothesis – 30 seconds to  1 minute - </a:t>
             </a:r>
             <a:r>
@@ -1638,9 +2360,6 @@
               </a:rPr>
               <a:t> (issues matching, missing songs)</a:t>
             </a:r>
-            <a:endParaRPr lang="en-US" dirty="0"/>
-          </a:p>
-          <a:p>
             <a:endParaRPr lang="en-US" dirty="0"/>
           </a:p>
           <a:p>
@@ -1830,16 +2549,29 @@
           <a:p>
             <a:r>
               <a:rPr lang="en-US" dirty="0"/>
-              <a:t>1 minute - </a:t>
-            </a:r>
-            <a:r>
-              <a:rPr lang="en-US" b="1" dirty="0"/>
-              <a:t>Darren</a:t>
-            </a:r>
+              <a:t>To merge the dataset, we need to match the song’s name and artist. But in these data sets, the name and artist are in a different format. And there are some special characters in those datasets.</a:t>
+            </a:r>
+          </a:p>
+          <a:p>
+            <a:endParaRPr lang="en-US" dirty="0"/>
+          </a:p>
+          <a:p>
+            <a:endParaRPr lang="en-US" dirty="0"/>
+          </a:p>
+          <a:p>
             <a:r>
               <a:rPr lang="en-US" dirty="0"/>
-              <a:t> </a:t>
-            </a:r>
+              <a:t>Slide 4B – Data Merging – 4 Hypothesis</a:t>
+            </a:r>
+          </a:p>
+          <a:p>
+            <a:r>
+              <a:rPr lang="en-US" dirty="0"/>
+              <a:t>-Data has been presented, so focus on execution (how did we achieve this?)</a:t>
+            </a:r>
+          </a:p>
+          <a:p>
+            <a:endParaRPr lang="en-US" dirty="0"/>
           </a:p>
           <a:p>
             <a:r>
@@ -1901,9 +2633,6 @@
             </a:r>
           </a:p>
           <a:p>
-            <a:endParaRPr lang="en-US" b="1" dirty="0"/>
-          </a:p>
-          <a:p>
             <a:endParaRPr lang="en-US" dirty="0"/>
           </a:p>
         </p:txBody>
@@ -1934,7 +2663,7 @@
     </p:spTree>
     <p:extLst>
       <p:ext uri="{BB962C8B-B14F-4D97-AF65-F5344CB8AC3E}">
-        <p14:creationId xmlns:p14="http://schemas.microsoft.com/office/powerpoint/2010/main" val="3688625406"/>
+        <p14:creationId xmlns:p14="http://schemas.microsoft.com/office/powerpoint/2010/main" val="2298645007"/>
       </p:ext>
     </p:extLst>
   </p:cSld>
@@ -1989,76 +2718,9 @@
           <a:lstStyle/>
           <a:p>
             <a:r>
-              <a:rPr lang="en-US" dirty="0"/>
-              <a:t>1 minute - </a:t>
-            </a:r>
-            <a:r>
-              <a:rPr lang="en-US" b="1" dirty="0"/>
-              <a:t>Brett</a:t>
-            </a:r>
-            <a:endParaRPr lang="en-US" dirty="0"/>
-          </a:p>
-          <a:p>
-            <a:r>
-              <a:rPr lang="en-US" b="1" dirty="0"/>
-              <a:t>Data Analysis</a:t>
-            </a:r>
-          </a:p>
-          <a:p>
-            <a:pPr>
-              <a:buFont typeface="Arial" panose="020B0604020202020204" pitchFamily="34" charset="0"/>
-              <a:buChar char="•"/>
-            </a:pPr>
-            <a:r>
-              <a:rPr lang="en-US" b="1" dirty="0"/>
-              <a:t>Discuss the steps you took to analyze the data and answer each question you asked in your proposal</a:t>
-            </a:r>
-          </a:p>
-          <a:p>
-            <a:pPr>
-              <a:buFont typeface="Arial" panose="020B0604020202020204" pitchFamily="34" charset="0"/>
-              <a:buChar char="•"/>
-            </a:pPr>
-            <a:r>
-              <a:rPr lang="en-US" b="1" dirty="0"/>
-              <a:t>Present and discuss interesting figures developed during </a:t>
-            </a:r>
-            <a:r>
-              <a:rPr lang="en-US" sz="1200" b="1" kern="1200" dirty="0">
-                <a:solidFill>
-                  <a:schemeClr val="tx1"/>
-                </a:solidFill>
-                <a:latin typeface="+mn-lt"/>
-                <a:ea typeface="+mn-ea"/>
-                <a:cs typeface="+mn-cs"/>
-              </a:rPr>
-              <a:t>analysis (accompanied by your </a:t>
-            </a:r>
-            <a:r>
-              <a:rPr lang="en-US" sz="1200" b="1" kern="1200" dirty="0" err="1">
-                <a:solidFill>
-                  <a:schemeClr val="tx1"/>
-                </a:solidFill>
-                <a:latin typeface="+mn-lt"/>
-                <a:ea typeface="+mn-ea"/>
-                <a:cs typeface="+mn-cs"/>
-              </a:rPr>
-              <a:t>Jupyter</a:t>
-            </a:r>
-            <a:r>
-              <a:rPr lang="en-US" sz="1200" b="1" kern="1200" dirty="0">
-                <a:solidFill>
-                  <a:schemeClr val="tx1"/>
-                </a:solidFill>
-                <a:latin typeface="+mn-lt"/>
-                <a:ea typeface="+mn-ea"/>
-                <a:cs typeface="+mn-cs"/>
-              </a:rPr>
-              <a:t> Notebook)</a:t>
-            </a:r>
-          </a:p>
-          <a:p>
-            <a:endParaRPr lang="en-US" dirty="0"/>
+              <a:rPr lang="en-AU" dirty="0"/>
+              <a:t>That gives us a challenge: How can we match those columns.</a:t>
+            </a:r>
           </a:p>
         </p:txBody>
       </p:sp>
@@ -2088,7 +2750,7 @@
     </p:spTree>
     <p:extLst>
       <p:ext uri="{BB962C8B-B14F-4D97-AF65-F5344CB8AC3E}">
-        <p14:creationId xmlns:p14="http://schemas.microsoft.com/office/powerpoint/2010/main" val="3525409121"/>
+        <p14:creationId xmlns:p14="http://schemas.microsoft.com/office/powerpoint/2010/main" val="527875945"/>
       </p:ext>
     </p:extLst>
   </p:cSld>
@@ -2144,12 +2806,47 @@
           <a:p>
             <a:r>
               <a:rPr lang="en-US" dirty="0"/>
-              <a:t>1 minute - </a:t>
-            </a:r>
-            <a:r>
-              <a:rPr lang="en-US" b="1" dirty="0"/>
-              <a:t>Darren</a:t>
-            </a:r>
+              <a:t>We search for some solutions such as </a:t>
+            </a:r>
+            <a:r>
+              <a:rPr lang="en-US" dirty="0" err="1"/>
+              <a:t>FuzzyWuzzy</a:t>
+            </a:r>
+            <a:r>
+              <a:rPr lang="en-US" dirty="0"/>
+              <a:t> and Jellyfish, but they have the same problem is speed. We ran the codes using </a:t>
+            </a:r>
+            <a:r>
+              <a:rPr lang="en-US" dirty="0" err="1"/>
+              <a:t>FuzzyWuzzy</a:t>
+            </a:r>
+            <a:r>
+              <a:rPr lang="en-US" dirty="0"/>
+              <a:t> for more than half an hour and there was still no result. So we later tried another way to it.</a:t>
+            </a:r>
+          </a:p>
+          <a:p>
+            <a:r>
+              <a:rPr lang="en-US" dirty="0"/>
+              <a:t>We first use regular expression to delete all special characters and symbols, just leave letters only. Next we turn the string to uppercase. And then we shorten the strings to 5 characters and do the merge,  join by the result string.</a:t>
+            </a:r>
+          </a:p>
+          <a:p>
+            <a:endParaRPr lang="en-US" dirty="0"/>
+          </a:p>
+          <a:p>
+            <a:r>
+              <a:rPr lang="en-US" dirty="0"/>
+              <a:t>Slide 4B – Data Merging – 4 Hypothesis</a:t>
+            </a:r>
+          </a:p>
+          <a:p>
+            <a:r>
+              <a:rPr lang="en-US" dirty="0"/>
+              <a:t>-Data has been presented, so focus on execution (how did we achieve this?)</a:t>
+            </a:r>
+          </a:p>
+          <a:p>
             <a:endParaRPr lang="en-US" dirty="0"/>
           </a:p>
           <a:p>
@@ -2242,7 +2939,7 @@
     </p:spTree>
     <p:extLst>
       <p:ext uri="{BB962C8B-B14F-4D97-AF65-F5344CB8AC3E}">
-        <p14:creationId xmlns:p14="http://schemas.microsoft.com/office/powerpoint/2010/main" val="1178366244"/>
+        <p14:creationId xmlns:p14="http://schemas.microsoft.com/office/powerpoint/2010/main" val="2732610317"/>
       </p:ext>
     </p:extLst>
   </p:cSld>
@@ -2298,12 +2995,34 @@
           <a:p>
             <a:r>
               <a:rPr lang="en-US" dirty="0"/>
-              <a:t>1 minute - </a:t>
-            </a:r>
-            <a:r>
-              <a:rPr lang="en-US" b="1" dirty="0"/>
-              <a:t>Brett</a:t>
-            </a:r>
+              <a:t>After we got the merge dataset, we have about half of the triple J songs left and the 1</a:t>
+            </a:r>
+            <a:r>
+              <a:rPr lang="en-US" baseline="30000" dirty="0"/>
+              <a:t>st</a:t>
+            </a:r>
+            <a:r>
+              <a:rPr lang="en-US" dirty="0"/>
+              <a:t> place song of each year is in the merge dataset.</a:t>
+            </a:r>
+          </a:p>
+          <a:p>
+            <a:endParaRPr lang="en-US" dirty="0"/>
+          </a:p>
+          <a:p>
+            <a:r>
+              <a:rPr lang="en-US" dirty="0"/>
+              <a:t>Slide 4B – Data Merging – 4 Hypothesis</a:t>
+            </a:r>
+          </a:p>
+          <a:p>
+            <a:r>
+              <a:rPr lang="en-US" dirty="0"/>
+              <a:t>-Data has been presented, so focus on execution (how did we achieve this?)</a:t>
+            </a:r>
+          </a:p>
+          <a:p>
+            <a:endParaRPr lang="en-US" dirty="0"/>
           </a:p>
           <a:p>
             <a:r>
@@ -2395,7 +3114,7 @@
     </p:spTree>
     <p:extLst>
       <p:ext uri="{BB962C8B-B14F-4D97-AF65-F5344CB8AC3E}">
-        <p14:creationId xmlns:p14="http://schemas.microsoft.com/office/powerpoint/2010/main" val="1417132906"/>
+        <p14:creationId xmlns:p14="http://schemas.microsoft.com/office/powerpoint/2010/main" val="3278992098"/>
       </p:ext>
     </p:extLst>
   </p:cSld>
@@ -2552,7 +3271,7 @@
           <a:p>
             <a:fld id="{40DA1498-92C7-4E4B-8045-C9195F453964}" type="datetimeFigureOut">
               <a:rPr lang="en-US" smtClean="0"/>
-              <a:t>1/19/2021</a:t>
+              <a:t>1/20/2021</a:t>
             </a:fld>
             <a:endParaRPr lang="en-US" dirty="0"/>
           </a:p>
@@ -2750,7 +3469,7 @@
           <a:p>
             <a:fld id="{40DA1498-92C7-4E4B-8045-C9195F453964}" type="datetimeFigureOut">
               <a:rPr lang="en-US" smtClean="0"/>
-              <a:t>1/19/2021</a:t>
+              <a:t>1/20/2021</a:t>
             </a:fld>
             <a:endParaRPr lang="en-US" dirty="0"/>
           </a:p>
@@ -2958,7 +3677,7 @@
           <a:p>
             <a:fld id="{40DA1498-92C7-4E4B-8045-C9195F453964}" type="datetimeFigureOut">
               <a:rPr lang="en-US" smtClean="0"/>
-              <a:t>1/19/2021</a:t>
+              <a:t>1/20/2021</a:t>
             </a:fld>
             <a:endParaRPr lang="en-US" dirty="0"/>
           </a:p>
@@ -3156,7 +3875,7 @@
           <a:p>
             <a:fld id="{40DA1498-92C7-4E4B-8045-C9195F453964}" type="datetimeFigureOut">
               <a:rPr lang="en-US" smtClean="0"/>
-              <a:t>1/19/2021</a:t>
+              <a:t>1/20/2021</a:t>
             </a:fld>
             <a:endParaRPr lang="en-US" dirty="0"/>
           </a:p>
@@ -3431,7 +4150,7 @@
           <a:p>
             <a:fld id="{40DA1498-92C7-4E4B-8045-C9195F453964}" type="datetimeFigureOut">
               <a:rPr lang="en-US" smtClean="0"/>
-              <a:t>1/19/2021</a:t>
+              <a:t>1/20/2021</a:t>
             </a:fld>
             <a:endParaRPr lang="en-US" dirty="0"/>
           </a:p>
@@ -3696,7 +4415,7 @@
           <a:p>
             <a:fld id="{40DA1498-92C7-4E4B-8045-C9195F453964}" type="datetimeFigureOut">
               <a:rPr lang="en-US" smtClean="0"/>
-              <a:t>1/19/2021</a:t>
+              <a:t>1/20/2021</a:t>
             </a:fld>
             <a:endParaRPr lang="en-US" dirty="0"/>
           </a:p>
@@ -4108,7 +4827,7 @@
           <a:p>
             <a:fld id="{40DA1498-92C7-4E4B-8045-C9195F453964}" type="datetimeFigureOut">
               <a:rPr lang="en-US" smtClean="0"/>
-              <a:t>1/19/2021</a:t>
+              <a:t>1/20/2021</a:t>
             </a:fld>
             <a:endParaRPr lang="en-US" dirty="0"/>
           </a:p>
@@ -4249,7 +4968,7 @@
           <a:p>
             <a:fld id="{40DA1498-92C7-4E4B-8045-C9195F453964}" type="datetimeFigureOut">
               <a:rPr lang="en-US" smtClean="0"/>
-              <a:t>1/19/2021</a:t>
+              <a:t>1/20/2021</a:t>
             </a:fld>
             <a:endParaRPr lang="en-US" dirty="0"/>
           </a:p>
@@ -4362,7 +5081,7 @@
           <a:p>
             <a:fld id="{40DA1498-92C7-4E4B-8045-C9195F453964}" type="datetimeFigureOut">
               <a:rPr lang="en-US" smtClean="0"/>
-              <a:t>1/19/2021</a:t>
+              <a:t>1/20/2021</a:t>
             </a:fld>
             <a:endParaRPr lang="en-US" dirty="0"/>
           </a:p>
@@ -4673,7 +5392,7 @@
           <a:p>
             <a:fld id="{40DA1498-92C7-4E4B-8045-C9195F453964}" type="datetimeFigureOut">
               <a:rPr lang="en-US" smtClean="0"/>
-              <a:t>1/19/2021</a:t>
+              <a:t>1/20/2021</a:t>
             </a:fld>
             <a:endParaRPr lang="en-US" dirty="0"/>
           </a:p>
@@ -4965,7 +5684,7 @@
           <a:p>
             <a:fld id="{40DA1498-92C7-4E4B-8045-C9195F453964}" type="datetimeFigureOut">
               <a:rPr lang="en-US" smtClean="0"/>
-              <a:t>1/19/2021</a:t>
+              <a:t>1/20/2021</a:t>
             </a:fld>
             <a:endParaRPr lang="en-US" dirty="0"/>
           </a:p>
@@ -5206,7 +5925,7 @@
           <a:p>
             <a:fld id="{40DA1498-92C7-4E4B-8045-C9195F453964}" type="datetimeFigureOut">
               <a:rPr lang="en-US" smtClean="0"/>
-              <a:t>1/19/2021</a:t>
+              <a:t>1/20/2021</a:t>
             </a:fld>
             <a:endParaRPr lang="en-US" dirty="0"/>
           </a:p>
@@ -5978,6 +6697,3318 @@
 </file>
 
 <file path=ppt/slides/slide10.xml><?xml version="1.0" encoding="utf-8"?>
+<p:sld xmlns:a="http://schemas.openxmlformats.org/drawingml/2006/main" xmlns:r="http://schemas.openxmlformats.org/officeDocument/2006/relationships" xmlns:p="http://schemas.openxmlformats.org/presentationml/2006/main">
+  <p:cSld>
+    <p:spTree>
+      <p:nvGrpSpPr>
+        <p:cNvPr id="1" name=""/>
+        <p:cNvGrpSpPr/>
+        <p:nvPr/>
+      </p:nvGrpSpPr>
+      <p:grpSpPr>
+        <a:xfrm>
+          <a:off x="0" y="0"/>
+          <a:ext cx="0" cy="0"/>
+          <a:chOff x="0" y="0"/>
+          <a:chExt cx="0" cy="0"/>
+        </a:xfrm>
+      </p:grpSpPr>
+      <p:pic>
+        <p:nvPicPr>
+          <p:cNvPr id="3" name="Picture 2">
+            <a:extLst>
+              <a:ext uri="{FF2B5EF4-FFF2-40B4-BE49-F238E27FC236}">
+                <a16:creationId xmlns:a16="http://schemas.microsoft.com/office/drawing/2014/main" id="{C5D88466-D485-411F-A7C7-7E8FF9748BB4}"/>
+              </a:ext>
+            </a:extLst>
+          </p:cNvPr>
+          <p:cNvPicPr>
+            <a:picLocks noChangeAspect="1"/>
+          </p:cNvPicPr>
+          <p:nvPr/>
+        </p:nvPicPr>
+        <p:blipFill>
+          <a:blip r:embed="rId3"/>
+          <a:stretch>
+            <a:fillRect/>
+          </a:stretch>
+        </p:blipFill>
+        <p:spPr>
+          <a:xfrm>
+            <a:off x="8643012" y="306576"/>
+            <a:ext cx="2979247" cy="6146373"/>
+          </a:xfrm>
+          <a:prstGeom prst="rect">
+            <a:avLst/>
+          </a:prstGeom>
+        </p:spPr>
+      </p:pic>
+      <p:sp>
+        <p:nvSpPr>
+          <p:cNvPr id="4" name="TextBox 3">
+            <a:extLst>
+              <a:ext uri="{FF2B5EF4-FFF2-40B4-BE49-F238E27FC236}">
+                <a16:creationId xmlns:a16="http://schemas.microsoft.com/office/drawing/2014/main" id="{6A2A4443-B5D2-4D89-9EBB-848EA7D7B9F2}"/>
+              </a:ext>
+            </a:extLst>
+          </p:cNvPr>
+          <p:cNvSpPr txBox="1"/>
+          <p:nvPr/>
+        </p:nvSpPr>
+        <p:spPr>
+          <a:xfrm>
+            <a:off x="569741" y="3559126"/>
+            <a:ext cx="7380610" cy="2246769"/>
+          </a:xfrm>
+          <a:prstGeom prst="rect">
+            <a:avLst/>
+          </a:prstGeom>
+          <a:noFill/>
+        </p:spPr>
+        <p:txBody>
+          <a:bodyPr wrap="none" rtlCol="0">
+            <a:spAutoFit/>
+          </a:bodyPr>
+          <a:lstStyle/>
+          <a:p>
+            <a:r>
+              <a:rPr lang="en-AU" sz="2000" b="1" dirty="0"/>
+              <a:t>The merged data</a:t>
+            </a:r>
+            <a:r>
+              <a:rPr lang="en-US" altLang="zh-CN" sz="2000" b="1" dirty="0"/>
+              <a:t>set</a:t>
+            </a:r>
+            <a:r>
+              <a:rPr lang="en-AU" sz="2000" b="1" dirty="0"/>
+              <a:t>:</a:t>
+            </a:r>
+          </a:p>
+          <a:p>
+            <a:endParaRPr lang="en-AU" sz="2000" b="1" dirty="0"/>
+          </a:p>
+          <a:p>
+            <a:r>
+              <a:rPr lang="en-AU" sz="2000" b="1" dirty="0"/>
+              <a:t>1. 1148 rows out of the 2501 rows, nearly half of the original dataset.</a:t>
+            </a:r>
+          </a:p>
+          <a:p>
+            <a:r>
+              <a:rPr lang="en-AU" sz="2000" b="1" dirty="0"/>
+              <a:t>2. Includes every years first place song.</a:t>
+            </a:r>
+          </a:p>
+          <a:p>
+            <a:r>
+              <a:rPr lang="en-AU" sz="2000" b="1" dirty="0"/>
+              <a:t>3. Got all the columns we need for our hypothesis</a:t>
+            </a:r>
+          </a:p>
+          <a:p>
+            <a:endParaRPr lang="en-AU" sz="2000" b="1" dirty="0"/>
+          </a:p>
+          <a:p>
+            <a:r>
+              <a:rPr lang="en-AU" sz="2000" b="1" dirty="0"/>
+              <a:t>Good enough for us to do the analyse</a:t>
+            </a:r>
+          </a:p>
+        </p:txBody>
+      </p:sp>
+      <p:pic>
+        <p:nvPicPr>
+          <p:cNvPr id="6" name="Picture 5">
+            <a:extLst>
+              <a:ext uri="{FF2B5EF4-FFF2-40B4-BE49-F238E27FC236}">
+                <a16:creationId xmlns:a16="http://schemas.microsoft.com/office/drawing/2014/main" id="{3FB494BD-64AC-4586-8389-459C5FC6F910}"/>
+              </a:ext>
+            </a:extLst>
+          </p:cNvPr>
+          <p:cNvPicPr>
+            <a:picLocks noChangeAspect="1"/>
+          </p:cNvPicPr>
+          <p:nvPr/>
+        </p:nvPicPr>
+        <p:blipFill>
+          <a:blip r:embed="rId4"/>
+          <a:stretch>
+            <a:fillRect/>
+          </a:stretch>
+        </p:blipFill>
+        <p:spPr>
+          <a:xfrm>
+            <a:off x="370450" y="853659"/>
+            <a:ext cx="8229600" cy="2105025"/>
+          </a:xfrm>
+          <a:prstGeom prst="rect">
+            <a:avLst/>
+          </a:prstGeom>
+        </p:spPr>
+      </p:pic>
+    </p:spTree>
+    <p:extLst>
+      <p:ext uri="{BB962C8B-B14F-4D97-AF65-F5344CB8AC3E}">
+        <p14:creationId xmlns:p14="http://schemas.microsoft.com/office/powerpoint/2010/main" val="2976079044"/>
+      </p:ext>
+    </p:extLst>
+  </p:cSld>
+  <p:clrMapOvr>
+    <a:masterClrMapping/>
+  </p:clrMapOvr>
+</p:sld>
+</file>
+
+<file path=ppt/slides/slide11.xml><?xml version="1.0" encoding="utf-8"?>
+<p:sld xmlns:a="http://schemas.openxmlformats.org/drawingml/2006/main" xmlns:r="http://schemas.openxmlformats.org/officeDocument/2006/relationships" xmlns:p="http://schemas.openxmlformats.org/presentationml/2006/main">
+  <p:cSld>
+    <p:spTree>
+      <p:nvGrpSpPr>
+        <p:cNvPr id="1" name=""/>
+        <p:cNvGrpSpPr/>
+        <p:nvPr/>
+      </p:nvGrpSpPr>
+      <p:grpSpPr>
+        <a:xfrm>
+          <a:off x="0" y="0"/>
+          <a:ext cx="0" cy="0"/>
+          <a:chOff x="0" y="0"/>
+          <a:chExt cx="0" cy="0"/>
+        </a:xfrm>
+      </p:grpSpPr>
+      <p:sp>
+        <p:nvSpPr>
+          <p:cNvPr id="7" name="Title 6" hidden="1">
+            <a:extLst>
+              <a:ext uri="{FF2B5EF4-FFF2-40B4-BE49-F238E27FC236}">
+                <a16:creationId xmlns:a16="http://schemas.microsoft.com/office/drawing/2014/main" id="{7C70995F-D8C5-410A-AA8B-1EE172A29454}"/>
+              </a:ext>
+            </a:extLst>
+          </p:cNvPr>
+          <p:cNvSpPr>
+            <a:spLocks noGrp="1"/>
+          </p:cNvSpPr>
+          <p:nvPr>
+            <p:ph type="title" idx="4294967295"/>
+          </p:nvPr>
+        </p:nvSpPr>
+        <p:spPr>
+          <a:xfrm>
+            <a:off x="0" y="365125"/>
+            <a:ext cx="10515600" cy="1325563"/>
+          </a:xfrm>
+        </p:spPr>
+        <p:txBody>
+          <a:bodyPr/>
+          <a:lstStyle/>
+          <a:p>
+            <a:r>
+              <a:rPr lang="en-US" dirty="0"/>
+              <a:t>Project analysis slide 10</a:t>
+            </a:r>
+          </a:p>
+        </p:txBody>
+      </p:sp>
+      <p:cxnSp>
+        <p:nvCxnSpPr>
+          <p:cNvPr id="8" name="Straight Connector 7">
+            <a:extLst>
+              <a:ext uri="{FF2B5EF4-FFF2-40B4-BE49-F238E27FC236}">
+                <a16:creationId xmlns:a16="http://schemas.microsoft.com/office/drawing/2014/main" id="{D0986099-F5F2-4E8B-BE17-81194861A00C}"/>
+              </a:ext>
+              <a:ext uri="{C183D7F6-B498-43B3-948B-1728B52AA6E4}">
+                <adec:decorative xmlns:adec="http://schemas.microsoft.com/office/drawing/2017/decorative" val="1"/>
+              </a:ext>
+            </a:extLst>
+          </p:cNvPr>
+          <p:cNvCxnSpPr>
+            <a:cxnSpLocks/>
+          </p:cNvCxnSpPr>
+          <p:nvPr/>
+        </p:nvCxnSpPr>
+        <p:spPr>
+          <a:xfrm>
+            <a:off x="8791575" y="522898"/>
+            <a:ext cx="3400425" cy="0"/>
+          </a:xfrm>
+          <a:prstGeom prst="line">
+            <a:avLst/>
+          </a:prstGeom>
+          <a:ln>
+            <a:solidFill>
+              <a:schemeClr val="accent3">
+                <a:lumMod val="50000"/>
+              </a:schemeClr>
+            </a:solidFill>
+            <a:headEnd type="oval"/>
+          </a:ln>
+        </p:spPr>
+        <p:style>
+          <a:lnRef idx="1">
+            <a:schemeClr val="accent1"/>
+          </a:lnRef>
+          <a:fillRef idx="0">
+            <a:schemeClr val="accent1"/>
+          </a:fillRef>
+          <a:effectRef idx="0">
+            <a:schemeClr val="accent1"/>
+          </a:effectRef>
+          <a:fontRef idx="minor">
+            <a:schemeClr val="tx1"/>
+          </a:fontRef>
+        </p:style>
+      </p:cxnSp>
+      <p:sp>
+        <p:nvSpPr>
+          <p:cNvPr id="11" name="Title 1">
+            <a:extLst>
+              <a:ext uri="{FF2B5EF4-FFF2-40B4-BE49-F238E27FC236}">
+                <a16:creationId xmlns:a16="http://schemas.microsoft.com/office/drawing/2014/main" id="{4E3F5479-058B-4FA8-92E9-18CAB8CDC5C5}"/>
+              </a:ext>
+            </a:extLst>
+          </p:cNvPr>
+          <p:cNvSpPr txBox="1">
+            <a:spLocks/>
+          </p:cNvSpPr>
+          <p:nvPr/>
+        </p:nvSpPr>
+        <p:spPr>
+          <a:xfrm>
+            <a:off x="228600" y="190500"/>
+            <a:ext cx="11734800" cy="664797"/>
+          </a:xfrm>
+          <a:prstGeom prst="rect">
+            <a:avLst/>
+          </a:prstGeom>
+        </p:spPr>
+        <p:txBody>
+          <a:bodyPr vert="horz" wrap="square" lIns="0" tIns="0" rIns="0" bIns="0" rtlCol="0" anchor="t">
+            <a:spAutoFit/>
+          </a:bodyPr>
+          <a:lstStyle>
+            <a:lvl1pPr algn="l" defTabSz="914400" rtl="0" eaLnBrk="1" latinLnBrk="0" hangingPunct="1">
+              <a:lnSpc>
+                <a:spcPct val="90000"/>
+              </a:lnSpc>
+              <a:spcBef>
+                <a:spcPct val="0"/>
+              </a:spcBef>
+              <a:buNone/>
+              <a:defRPr sz="4400" kern="1200">
+                <a:solidFill>
+                  <a:schemeClr val="tx1"/>
+                </a:solidFill>
+                <a:latin typeface="+mj-lt"/>
+                <a:ea typeface="+mj-ea"/>
+                <a:cs typeface="+mj-cs"/>
+              </a:defRPr>
+            </a:lvl1pPr>
+          </a:lstStyle>
+          <a:p>
+            <a:pPr algn="ctr"/>
+            <a:r>
+              <a:rPr lang="en-US" sz="2800" b="1" dirty="0">
+                <a:solidFill>
+                  <a:schemeClr val="tx1">
+                    <a:lumMod val="75000"/>
+                    <a:lumOff val="25000"/>
+                  </a:schemeClr>
+                </a:solidFill>
+              </a:rPr>
+              <a:t>What makes a Triple J Winner?</a:t>
+            </a:r>
+            <a:br>
+              <a:rPr lang="en-US" sz="2800" dirty="0">
+                <a:solidFill>
+                  <a:schemeClr val="tx1">
+                    <a:lumMod val="75000"/>
+                    <a:lumOff val="25000"/>
+                  </a:schemeClr>
+                </a:solidFill>
+              </a:rPr>
+            </a:br>
+            <a:r>
+              <a:rPr lang="en-US" sz="2000" dirty="0">
+                <a:solidFill>
+                  <a:schemeClr val="tx1">
+                    <a:lumMod val="75000"/>
+                    <a:lumOff val="25000"/>
+                  </a:schemeClr>
+                </a:solidFill>
+              </a:rPr>
+              <a:t> </a:t>
+            </a:r>
+            <a:endParaRPr lang="en-US" sz="2800" dirty="0">
+              <a:solidFill>
+                <a:schemeClr val="tx1">
+                  <a:lumMod val="75000"/>
+                  <a:lumOff val="25000"/>
+                </a:schemeClr>
+              </a:solidFill>
+            </a:endParaRPr>
+          </a:p>
+        </p:txBody>
+      </p:sp>
+      <p:cxnSp>
+        <p:nvCxnSpPr>
+          <p:cNvPr id="14" name="Straight Connector 13">
+            <a:extLst>
+              <a:ext uri="{FF2B5EF4-FFF2-40B4-BE49-F238E27FC236}">
+                <a16:creationId xmlns:a16="http://schemas.microsoft.com/office/drawing/2014/main" id="{83E690F4-843A-47A5-8620-4FB01C0D8E68}"/>
+              </a:ext>
+              <a:ext uri="{C183D7F6-B498-43B3-948B-1728B52AA6E4}">
+                <adec:decorative xmlns:adec="http://schemas.microsoft.com/office/drawing/2017/decorative" val="1"/>
+              </a:ext>
+            </a:extLst>
+          </p:cNvPr>
+          <p:cNvCxnSpPr>
+            <a:cxnSpLocks/>
+          </p:cNvCxnSpPr>
+          <p:nvPr/>
+        </p:nvCxnSpPr>
+        <p:spPr>
+          <a:xfrm>
+            <a:off x="0" y="522898"/>
+            <a:ext cx="3276600" cy="0"/>
+          </a:xfrm>
+          <a:prstGeom prst="line">
+            <a:avLst/>
+          </a:prstGeom>
+          <a:ln>
+            <a:solidFill>
+              <a:schemeClr val="accent3">
+                <a:lumMod val="50000"/>
+              </a:schemeClr>
+            </a:solidFill>
+            <a:tailEnd type="oval"/>
+          </a:ln>
+        </p:spPr>
+        <p:style>
+          <a:lnRef idx="1">
+            <a:schemeClr val="accent1"/>
+          </a:lnRef>
+          <a:fillRef idx="0">
+            <a:schemeClr val="accent1"/>
+          </a:fillRef>
+          <a:effectRef idx="0">
+            <a:schemeClr val="accent1"/>
+          </a:effectRef>
+          <a:fontRef idx="minor">
+            <a:schemeClr val="tx1"/>
+          </a:fontRef>
+        </p:style>
+      </p:cxnSp>
+      <p:sp>
+        <p:nvSpPr>
+          <p:cNvPr id="12" name="Rectangle 11">
+            <a:extLst>
+              <a:ext uri="{FF2B5EF4-FFF2-40B4-BE49-F238E27FC236}">
+                <a16:creationId xmlns:a16="http://schemas.microsoft.com/office/drawing/2014/main" id="{690C1A7A-78BB-48B4-B5CE-2B9C34E5E67B}"/>
+              </a:ext>
+            </a:extLst>
+          </p:cNvPr>
+          <p:cNvSpPr/>
+          <p:nvPr/>
+        </p:nvSpPr>
+        <p:spPr>
+          <a:xfrm>
+            <a:off x="4452257" y="1222065"/>
+            <a:ext cx="3853543" cy="954364"/>
+          </a:xfrm>
+          <a:prstGeom prst="rect">
+            <a:avLst/>
+          </a:prstGeom>
+        </p:spPr>
+        <p:txBody>
+          <a:bodyPr wrap="square" lIns="0" tIns="0" rIns="0" bIns="0" anchor="t">
+            <a:spAutoFit/>
+          </a:bodyPr>
+          <a:lstStyle/>
+          <a:p>
+            <a:pPr algn="ctr">
+              <a:lnSpc>
+                <a:spcPts val="1900"/>
+              </a:lnSpc>
+            </a:pPr>
+            <a:r>
+              <a:rPr lang="en-US" sz="1400" dirty="0">
+                <a:cs typeface="Segoe UI" panose="020B0502040204020203" pitchFamily="34" charset="0"/>
+              </a:rPr>
+              <a:t>Compared danceability and valence for each years winner against the runner ups. A single sample t-test will show whether danceability or valence is correlated with a song being a winner</a:t>
+            </a:r>
+            <a:r>
+              <a:rPr lang="en-US" sz="1400" dirty="0">
+                <a:solidFill>
+                  <a:srgbClr val="FF0000"/>
+                </a:solidFill>
+                <a:cs typeface="Segoe UI" panose="020B0502040204020203" pitchFamily="34" charset="0"/>
+              </a:rPr>
+              <a:t>.</a:t>
+            </a:r>
+          </a:p>
+        </p:txBody>
+      </p:sp>
+      <p:sp>
+        <p:nvSpPr>
+          <p:cNvPr id="13" name="Rectangle 12">
+            <a:extLst>
+              <a:ext uri="{FF2B5EF4-FFF2-40B4-BE49-F238E27FC236}">
+                <a16:creationId xmlns:a16="http://schemas.microsoft.com/office/drawing/2014/main" id="{53CF038C-66AF-4E81-9068-703EC0088620}"/>
+              </a:ext>
+            </a:extLst>
+          </p:cNvPr>
+          <p:cNvSpPr/>
+          <p:nvPr/>
+        </p:nvSpPr>
+        <p:spPr>
+          <a:xfrm>
+            <a:off x="8203039" y="1197674"/>
+            <a:ext cx="3528332" cy="710707"/>
+          </a:xfrm>
+          <a:prstGeom prst="rect">
+            <a:avLst/>
+          </a:prstGeom>
+        </p:spPr>
+        <p:txBody>
+          <a:bodyPr wrap="square" lIns="0" tIns="0" rIns="0" bIns="0" anchor="t">
+            <a:spAutoFit/>
+          </a:bodyPr>
+          <a:lstStyle/>
+          <a:p>
+            <a:pPr algn="ctr">
+              <a:lnSpc>
+                <a:spcPts val="1900"/>
+              </a:lnSpc>
+            </a:pPr>
+            <a:r>
+              <a:rPr lang="en-US" sz="1400" dirty="0">
+                <a:solidFill>
+                  <a:schemeClr val="tx1">
+                    <a:lumMod val="75000"/>
+                    <a:lumOff val="25000"/>
+                  </a:schemeClr>
+                </a:solidFill>
+                <a:cs typeface="Segoe UI" panose="020B0502040204020203" pitchFamily="34" charset="0"/>
+              </a:rPr>
+              <a:t>Neither valence or danceability have shown to be related to a song being a winner within the </a:t>
+            </a:r>
+            <a:r>
+              <a:rPr lang="en-US" sz="1400" dirty="0" err="1">
+                <a:solidFill>
+                  <a:schemeClr val="tx1">
+                    <a:lumMod val="75000"/>
+                    <a:lumOff val="25000"/>
+                  </a:schemeClr>
+                </a:solidFill>
+                <a:cs typeface="Segoe UI" panose="020B0502040204020203" pitchFamily="34" charset="0"/>
+              </a:rPr>
+              <a:t>analysed</a:t>
+            </a:r>
+            <a:r>
+              <a:rPr lang="en-US" sz="1400" dirty="0">
+                <a:solidFill>
+                  <a:schemeClr val="tx1">
+                    <a:lumMod val="75000"/>
+                    <a:lumOff val="25000"/>
+                  </a:schemeClr>
+                </a:solidFill>
+                <a:cs typeface="Segoe UI" panose="020B0502040204020203" pitchFamily="34" charset="0"/>
+              </a:rPr>
+              <a:t> timeframe.</a:t>
+            </a:r>
+          </a:p>
+        </p:txBody>
+      </p:sp>
+      <p:sp>
+        <p:nvSpPr>
+          <p:cNvPr id="27" name="Rectangle 26">
+            <a:extLst>
+              <a:ext uri="{FF2B5EF4-FFF2-40B4-BE49-F238E27FC236}">
+                <a16:creationId xmlns:a16="http://schemas.microsoft.com/office/drawing/2014/main" id="{8B9D6654-5A8B-4A3E-B65B-E6BEC7BC3E92}"/>
+              </a:ext>
+            </a:extLst>
+          </p:cNvPr>
+          <p:cNvSpPr/>
+          <p:nvPr/>
+        </p:nvSpPr>
+        <p:spPr>
+          <a:xfrm>
+            <a:off x="8311713" y="939924"/>
+            <a:ext cx="4162870" cy="246221"/>
+          </a:xfrm>
+          <a:prstGeom prst="rect">
+            <a:avLst/>
+          </a:prstGeom>
+        </p:spPr>
+        <p:txBody>
+          <a:bodyPr wrap="square" lIns="0" tIns="0" rIns="0" bIns="0" anchor="t">
+            <a:spAutoFit/>
+          </a:bodyPr>
+          <a:lstStyle/>
+          <a:p>
+            <a:r>
+              <a:rPr lang="en-US" sz="1600" b="1" dirty="0">
+                <a:solidFill>
+                  <a:schemeClr val="tx1">
+                    <a:lumMod val="75000"/>
+                    <a:lumOff val="25000"/>
+                  </a:schemeClr>
+                </a:solidFill>
+                <a:cs typeface="Segoe UI" panose="020B0502040204020203" pitchFamily="34" charset="0"/>
+              </a:rPr>
+              <a:t>Conclusion</a:t>
+            </a:r>
+          </a:p>
+        </p:txBody>
+      </p:sp>
+      <p:sp>
+        <p:nvSpPr>
+          <p:cNvPr id="28" name="Rectangle 27">
+            <a:extLst>
+              <a:ext uri="{FF2B5EF4-FFF2-40B4-BE49-F238E27FC236}">
+                <a16:creationId xmlns:a16="http://schemas.microsoft.com/office/drawing/2014/main" id="{A4EE4EF6-1BD1-4EE8-8C26-1356267F05F1}"/>
+              </a:ext>
+            </a:extLst>
+          </p:cNvPr>
+          <p:cNvSpPr/>
+          <p:nvPr/>
+        </p:nvSpPr>
+        <p:spPr>
+          <a:xfrm>
+            <a:off x="4628705" y="937718"/>
+            <a:ext cx="4162870" cy="246221"/>
+          </a:xfrm>
+          <a:prstGeom prst="rect">
+            <a:avLst/>
+          </a:prstGeom>
+        </p:spPr>
+        <p:txBody>
+          <a:bodyPr wrap="square" lIns="0" tIns="0" rIns="0" bIns="0" anchor="t">
+            <a:spAutoFit/>
+          </a:bodyPr>
+          <a:lstStyle/>
+          <a:p>
+            <a:r>
+              <a:rPr lang="en-US" sz="1600" b="1" dirty="0">
+                <a:solidFill>
+                  <a:schemeClr val="tx1">
+                    <a:lumMod val="75000"/>
+                    <a:lumOff val="25000"/>
+                  </a:schemeClr>
+                </a:solidFill>
+                <a:cs typeface="Segoe UI" panose="020B0502040204020203" pitchFamily="34" charset="0"/>
+              </a:rPr>
+              <a:t>Testing</a:t>
+            </a:r>
+          </a:p>
+        </p:txBody>
+      </p:sp>
+      <p:pic>
+        <p:nvPicPr>
+          <p:cNvPr id="3" name="Picture 2">
+            <a:extLst>
+              <a:ext uri="{FF2B5EF4-FFF2-40B4-BE49-F238E27FC236}">
+                <a16:creationId xmlns:a16="http://schemas.microsoft.com/office/drawing/2014/main" id="{A83ECEA6-83B7-4970-A3E9-E1E34950486E}"/>
+              </a:ext>
+            </a:extLst>
+          </p:cNvPr>
+          <p:cNvPicPr>
+            <a:picLocks noChangeAspect="1"/>
+          </p:cNvPicPr>
+          <p:nvPr/>
+        </p:nvPicPr>
+        <p:blipFill>
+          <a:blip r:embed="rId3"/>
+          <a:stretch>
+            <a:fillRect/>
+          </a:stretch>
+        </p:blipFill>
+        <p:spPr>
+          <a:xfrm>
+            <a:off x="1351634" y="2337950"/>
+            <a:ext cx="9136559" cy="1680287"/>
+          </a:xfrm>
+          <a:prstGeom prst="rect">
+            <a:avLst/>
+          </a:prstGeom>
+        </p:spPr>
+      </p:pic>
+      <p:sp>
+        <p:nvSpPr>
+          <p:cNvPr id="15" name="Rectangle 14">
+            <a:extLst>
+              <a:ext uri="{FF2B5EF4-FFF2-40B4-BE49-F238E27FC236}">
+                <a16:creationId xmlns:a16="http://schemas.microsoft.com/office/drawing/2014/main" id="{4BD1C603-69DF-4FBA-B00C-9D8CD5E7BE82}"/>
+              </a:ext>
+            </a:extLst>
+          </p:cNvPr>
+          <p:cNvSpPr/>
+          <p:nvPr/>
+        </p:nvSpPr>
+        <p:spPr>
+          <a:xfrm>
+            <a:off x="328640" y="1305880"/>
+            <a:ext cx="4014760" cy="954364"/>
+          </a:xfrm>
+          <a:prstGeom prst="rect">
+            <a:avLst/>
+          </a:prstGeom>
+        </p:spPr>
+        <p:txBody>
+          <a:bodyPr wrap="square" lIns="0" tIns="0" rIns="0" bIns="0" anchor="t">
+            <a:spAutoFit/>
+          </a:bodyPr>
+          <a:lstStyle/>
+          <a:p>
+            <a:pPr algn="ctr">
+              <a:lnSpc>
+                <a:spcPts val="1900"/>
+              </a:lnSpc>
+            </a:pPr>
+            <a:r>
+              <a:rPr lang="en-US" sz="1400" dirty="0">
+                <a:solidFill>
+                  <a:schemeClr val="tx1">
+                    <a:lumMod val="75000"/>
+                    <a:lumOff val="25000"/>
+                  </a:schemeClr>
+                </a:solidFill>
+                <a:cs typeface="Segoe UI" panose="020B0502040204020203" pitchFamily="34" charset="0"/>
+              </a:rPr>
+              <a:t>Triple J Hottest 100 winners are expected to show high positive energy (expressed as high valence) and low danceability (representing more elaborate songs) compared to other tracks.</a:t>
+            </a:r>
+          </a:p>
+        </p:txBody>
+      </p:sp>
+      <p:sp>
+        <p:nvSpPr>
+          <p:cNvPr id="16" name="Rectangle 15">
+            <a:extLst>
+              <a:ext uri="{FF2B5EF4-FFF2-40B4-BE49-F238E27FC236}">
+                <a16:creationId xmlns:a16="http://schemas.microsoft.com/office/drawing/2014/main" id="{29D1DD35-E802-4A6B-8EEB-50CAAB73D1CF}"/>
+              </a:ext>
+            </a:extLst>
+          </p:cNvPr>
+          <p:cNvSpPr/>
+          <p:nvPr/>
+        </p:nvSpPr>
+        <p:spPr>
+          <a:xfrm>
+            <a:off x="434068" y="941474"/>
+            <a:ext cx="4162870" cy="246221"/>
+          </a:xfrm>
+          <a:prstGeom prst="rect">
+            <a:avLst/>
+          </a:prstGeom>
+        </p:spPr>
+        <p:txBody>
+          <a:bodyPr wrap="square" lIns="0" tIns="0" rIns="0" bIns="0" anchor="t">
+            <a:spAutoFit/>
+          </a:bodyPr>
+          <a:lstStyle/>
+          <a:p>
+            <a:r>
+              <a:rPr lang="en-US" sz="1600" b="1" dirty="0">
+                <a:solidFill>
+                  <a:schemeClr val="tx1">
+                    <a:lumMod val="75000"/>
+                    <a:lumOff val="25000"/>
+                  </a:schemeClr>
+                </a:solidFill>
+                <a:cs typeface="Segoe UI" panose="020B0502040204020203" pitchFamily="34" charset="0"/>
+              </a:rPr>
+              <a:t>Hypothesis</a:t>
+            </a:r>
+          </a:p>
+        </p:txBody>
+      </p:sp>
+      <p:pic>
+        <p:nvPicPr>
+          <p:cNvPr id="6" name="Picture 5">
+            <a:extLst>
+              <a:ext uri="{FF2B5EF4-FFF2-40B4-BE49-F238E27FC236}">
+                <a16:creationId xmlns:a16="http://schemas.microsoft.com/office/drawing/2014/main" id="{83827C48-F09F-473D-8D1B-43CA9C32D88E}"/>
+              </a:ext>
+            </a:extLst>
+          </p:cNvPr>
+          <p:cNvPicPr>
+            <a:picLocks noChangeAspect="1"/>
+          </p:cNvPicPr>
+          <p:nvPr/>
+        </p:nvPicPr>
+        <p:blipFill>
+          <a:blip r:embed="rId4"/>
+          <a:stretch>
+            <a:fillRect/>
+          </a:stretch>
+        </p:blipFill>
+        <p:spPr>
+          <a:xfrm>
+            <a:off x="1351634" y="4382881"/>
+            <a:ext cx="9136558" cy="1683050"/>
+          </a:xfrm>
+          <a:prstGeom prst="rect">
+            <a:avLst/>
+          </a:prstGeom>
+        </p:spPr>
+      </p:pic>
+      <p:sp>
+        <p:nvSpPr>
+          <p:cNvPr id="18" name="Rectangle 3">
+            <a:extLst>
+              <a:ext uri="{FF2B5EF4-FFF2-40B4-BE49-F238E27FC236}">
+                <a16:creationId xmlns:a16="http://schemas.microsoft.com/office/drawing/2014/main" id="{A2014008-1443-4942-9CCB-B08C493450D0}"/>
+              </a:ext>
+            </a:extLst>
+          </p:cNvPr>
+          <p:cNvSpPr>
+            <a:spLocks noChangeArrowheads="1"/>
+          </p:cNvSpPr>
+          <p:nvPr/>
+        </p:nvSpPr>
+        <p:spPr bwMode="auto">
+          <a:xfrm>
+            <a:off x="172903" y="6163074"/>
+            <a:ext cx="11846193" cy="223394"/>
+          </a:xfrm>
+          <a:prstGeom prst="rect">
+            <a:avLst/>
+          </a:prstGeom>
+        </p:spPr>
+        <p:txBody>
+          <a:bodyPr wrap="square" lIns="0" tIns="0" rIns="0" bIns="0" anchor="t">
+            <a:spAutoFit/>
+          </a:bodyPr>
+          <a:lstStyle/>
+          <a:p>
+            <a:pPr algn="ctr">
+              <a:lnSpc>
+                <a:spcPts val="1900"/>
+              </a:lnSpc>
+            </a:pPr>
+            <a:r>
+              <a:rPr lang="en-US" altLang="en-US" sz="1400" dirty="0">
+                <a:solidFill>
+                  <a:schemeClr val="tx1">
+                    <a:lumMod val="75000"/>
+                    <a:lumOff val="25000"/>
+                  </a:schemeClr>
+                </a:solidFill>
+                <a:cs typeface="Segoe UI" panose="020B0502040204020203" pitchFamily="34" charset="0"/>
+              </a:rPr>
+              <a:t> Ttest_1sampResult(statistic=0.321418279106471, </a:t>
+            </a:r>
+            <a:r>
+              <a:rPr lang="en-US" altLang="en-US" sz="1400" dirty="0" err="1">
+                <a:solidFill>
+                  <a:schemeClr val="tx1">
+                    <a:lumMod val="75000"/>
+                    <a:lumOff val="25000"/>
+                  </a:schemeClr>
+                </a:solidFill>
+                <a:cs typeface="Segoe UI" panose="020B0502040204020203" pitchFamily="34" charset="0"/>
+              </a:rPr>
+              <a:t>pvalue</a:t>
+            </a:r>
+            <a:r>
+              <a:rPr lang="en-US" altLang="en-US" sz="1400" dirty="0">
+                <a:solidFill>
+                  <a:schemeClr val="tx1">
+                    <a:lumMod val="75000"/>
+                    <a:lumOff val="25000"/>
+                  </a:schemeClr>
+                </a:solidFill>
+                <a:cs typeface="Segoe UI" panose="020B0502040204020203" pitchFamily="34" charset="0"/>
+              </a:rPr>
+              <a:t>=0.7506759443702175) </a:t>
+            </a:r>
+          </a:p>
+        </p:txBody>
+      </p:sp>
+      <p:sp>
+        <p:nvSpPr>
+          <p:cNvPr id="23" name="Rectangle 3">
+            <a:extLst>
+              <a:ext uri="{FF2B5EF4-FFF2-40B4-BE49-F238E27FC236}">
+                <a16:creationId xmlns:a16="http://schemas.microsoft.com/office/drawing/2014/main" id="{679768E4-1F95-460B-8E45-9C6CFE2FA1C4}"/>
+              </a:ext>
+            </a:extLst>
+          </p:cNvPr>
+          <p:cNvSpPr>
+            <a:spLocks noChangeArrowheads="1"/>
+          </p:cNvSpPr>
+          <p:nvPr/>
+        </p:nvSpPr>
+        <p:spPr bwMode="auto">
+          <a:xfrm>
+            <a:off x="455931" y="3996406"/>
+            <a:ext cx="11846193" cy="223394"/>
+          </a:xfrm>
+          <a:prstGeom prst="rect">
+            <a:avLst/>
+          </a:prstGeom>
+        </p:spPr>
+        <p:txBody>
+          <a:bodyPr wrap="square" lIns="0" tIns="0" rIns="0" bIns="0" anchor="t">
+            <a:spAutoFit/>
+          </a:bodyPr>
+          <a:lstStyle/>
+          <a:p>
+            <a:pPr algn="ctr">
+              <a:lnSpc>
+                <a:spcPts val="1900"/>
+              </a:lnSpc>
+            </a:pPr>
+            <a:r>
+              <a:rPr lang="en-US" altLang="en-US" sz="1400" dirty="0">
+                <a:solidFill>
+                  <a:schemeClr val="tx1">
+                    <a:lumMod val="75000"/>
+                    <a:lumOff val="25000"/>
+                  </a:schemeClr>
+                </a:solidFill>
+                <a:cs typeface="Segoe UI" panose="020B0502040204020203" pitchFamily="34" charset="0"/>
+              </a:rPr>
+              <a:t>Ttest_1sampResult(statistic=-0.3738255644108187, </a:t>
+            </a:r>
+            <a:r>
+              <a:rPr lang="en-US" altLang="en-US" sz="1400" dirty="0" err="1">
+                <a:solidFill>
+                  <a:schemeClr val="tx1">
+                    <a:lumMod val="75000"/>
+                    <a:lumOff val="25000"/>
+                  </a:schemeClr>
+                </a:solidFill>
+                <a:cs typeface="Segoe UI" panose="020B0502040204020203" pitchFamily="34" charset="0"/>
+              </a:rPr>
+              <a:t>pvalue</a:t>
+            </a:r>
+            <a:r>
+              <a:rPr lang="en-US" altLang="en-US" sz="1400" dirty="0">
+                <a:solidFill>
+                  <a:schemeClr val="tx1">
+                    <a:lumMod val="75000"/>
+                    <a:lumOff val="25000"/>
+                  </a:schemeClr>
+                </a:solidFill>
+                <a:cs typeface="Segoe UI" panose="020B0502040204020203" pitchFamily="34" charset="0"/>
+              </a:rPr>
+              <a:t>=0.7118162360398623)</a:t>
+            </a:r>
+          </a:p>
+        </p:txBody>
+      </p:sp>
+    </p:spTree>
+    <p:extLst>
+      <p:ext uri="{BB962C8B-B14F-4D97-AF65-F5344CB8AC3E}">
+        <p14:creationId xmlns:p14="http://schemas.microsoft.com/office/powerpoint/2010/main" val="1061713674"/>
+      </p:ext>
+    </p:extLst>
+  </p:cSld>
+  <p:clrMapOvr>
+    <a:masterClrMapping/>
+  </p:clrMapOvr>
+</p:sld>
+</file>
+
+<file path=ppt/slides/slide12.xml><?xml version="1.0" encoding="utf-8"?>
+<p:sld xmlns:a="http://schemas.openxmlformats.org/drawingml/2006/main" xmlns:r="http://schemas.openxmlformats.org/officeDocument/2006/relationships" xmlns:p="http://schemas.openxmlformats.org/presentationml/2006/main">
+  <p:cSld>
+    <p:spTree>
+      <p:nvGrpSpPr>
+        <p:cNvPr id="1" name=""/>
+        <p:cNvGrpSpPr/>
+        <p:nvPr/>
+      </p:nvGrpSpPr>
+      <p:grpSpPr>
+        <a:xfrm>
+          <a:off x="0" y="0"/>
+          <a:ext cx="0" cy="0"/>
+          <a:chOff x="0" y="0"/>
+          <a:chExt cx="0" cy="0"/>
+        </a:xfrm>
+      </p:grpSpPr>
+      <p:sp>
+        <p:nvSpPr>
+          <p:cNvPr id="7" name="Title 6" hidden="1">
+            <a:extLst>
+              <a:ext uri="{FF2B5EF4-FFF2-40B4-BE49-F238E27FC236}">
+                <a16:creationId xmlns:a16="http://schemas.microsoft.com/office/drawing/2014/main" id="{7C70995F-D8C5-410A-AA8B-1EE172A29454}"/>
+              </a:ext>
+            </a:extLst>
+          </p:cNvPr>
+          <p:cNvSpPr>
+            <a:spLocks noGrp="1"/>
+          </p:cNvSpPr>
+          <p:nvPr>
+            <p:ph type="title" idx="4294967295"/>
+          </p:nvPr>
+        </p:nvSpPr>
+        <p:spPr>
+          <a:xfrm>
+            <a:off x="0" y="365125"/>
+            <a:ext cx="10515600" cy="1325563"/>
+          </a:xfrm>
+        </p:spPr>
+        <p:txBody>
+          <a:bodyPr/>
+          <a:lstStyle/>
+          <a:p>
+            <a:r>
+              <a:rPr lang="en-US" dirty="0"/>
+              <a:t>Project analysis slide 10</a:t>
+            </a:r>
+          </a:p>
+        </p:txBody>
+      </p:sp>
+      <p:cxnSp>
+        <p:nvCxnSpPr>
+          <p:cNvPr id="8" name="Straight Connector 7">
+            <a:extLst>
+              <a:ext uri="{FF2B5EF4-FFF2-40B4-BE49-F238E27FC236}">
+                <a16:creationId xmlns:a16="http://schemas.microsoft.com/office/drawing/2014/main" id="{D0986099-F5F2-4E8B-BE17-81194861A00C}"/>
+              </a:ext>
+              <a:ext uri="{C183D7F6-B498-43B3-948B-1728B52AA6E4}">
+                <adec:decorative xmlns:adec="http://schemas.microsoft.com/office/drawing/2017/decorative" val="1"/>
+              </a:ext>
+            </a:extLst>
+          </p:cNvPr>
+          <p:cNvCxnSpPr>
+            <a:cxnSpLocks/>
+          </p:cNvCxnSpPr>
+          <p:nvPr/>
+        </p:nvCxnSpPr>
+        <p:spPr>
+          <a:xfrm>
+            <a:off x="8791575" y="522898"/>
+            <a:ext cx="3400425" cy="0"/>
+          </a:xfrm>
+          <a:prstGeom prst="line">
+            <a:avLst/>
+          </a:prstGeom>
+          <a:ln>
+            <a:solidFill>
+              <a:schemeClr val="accent3">
+                <a:lumMod val="50000"/>
+              </a:schemeClr>
+            </a:solidFill>
+            <a:headEnd type="oval"/>
+          </a:ln>
+        </p:spPr>
+        <p:style>
+          <a:lnRef idx="1">
+            <a:schemeClr val="accent1"/>
+          </a:lnRef>
+          <a:fillRef idx="0">
+            <a:schemeClr val="accent1"/>
+          </a:fillRef>
+          <a:effectRef idx="0">
+            <a:schemeClr val="accent1"/>
+          </a:effectRef>
+          <a:fontRef idx="minor">
+            <a:schemeClr val="tx1"/>
+          </a:fontRef>
+        </p:style>
+      </p:cxnSp>
+      <p:sp>
+        <p:nvSpPr>
+          <p:cNvPr id="11" name="Title 1">
+            <a:extLst>
+              <a:ext uri="{FF2B5EF4-FFF2-40B4-BE49-F238E27FC236}">
+                <a16:creationId xmlns:a16="http://schemas.microsoft.com/office/drawing/2014/main" id="{4E3F5479-058B-4FA8-92E9-18CAB8CDC5C5}"/>
+              </a:ext>
+            </a:extLst>
+          </p:cNvPr>
+          <p:cNvSpPr txBox="1">
+            <a:spLocks/>
+          </p:cNvSpPr>
+          <p:nvPr/>
+        </p:nvSpPr>
+        <p:spPr>
+          <a:xfrm>
+            <a:off x="228600" y="190500"/>
+            <a:ext cx="11734800" cy="664797"/>
+          </a:xfrm>
+          <a:prstGeom prst="rect">
+            <a:avLst/>
+          </a:prstGeom>
+        </p:spPr>
+        <p:txBody>
+          <a:bodyPr vert="horz" wrap="square" lIns="0" tIns="0" rIns="0" bIns="0" rtlCol="0" anchor="t">
+            <a:spAutoFit/>
+          </a:bodyPr>
+          <a:lstStyle>
+            <a:lvl1pPr algn="l" defTabSz="914400" rtl="0" eaLnBrk="1" latinLnBrk="0" hangingPunct="1">
+              <a:lnSpc>
+                <a:spcPct val="90000"/>
+              </a:lnSpc>
+              <a:spcBef>
+                <a:spcPct val="0"/>
+              </a:spcBef>
+              <a:buNone/>
+              <a:defRPr sz="4400" kern="1200">
+                <a:solidFill>
+                  <a:schemeClr val="tx1"/>
+                </a:solidFill>
+                <a:latin typeface="+mj-lt"/>
+                <a:ea typeface="+mj-ea"/>
+                <a:cs typeface="+mj-cs"/>
+              </a:defRPr>
+            </a:lvl1pPr>
+          </a:lstStyle>
+          <a:p>
+            <a:pPr algn="ctr"/>
+            <a:r>
+              <a:rPr lang="en-US" sz="2800" b="1" dirty="0">
+                <a:solidFill>
+                  <a:schemeClr val="tx1">
+                    <a:lumMod val="75000"/>
+                    <a:lumOff val="25000"/>
+                  </a:schemeClr>
+                </a:solidFill>
+              </a:rPr>
+              <a:t>When are hits released?</a:t>
+            </a:r>
+            <a:br>
+              <a:rPr lang="en-US" sz="2800" dirty="0">
+                <a:solidFill>
+                  <a:schemeClr val="tx1">
+                    <a:lumMod val="75000"/>
+                    <a:lumOff val="25000"/>
+                  </a:schemeClr>
+                </a:solidFill>
+              </a:rPr>
+            </a:br>
+            <a:r>
+              <a:rPr lang="en-US" sz="2000" dirty="0">
+                <a:solidFill>
+                  <a:schemeClr val="tx1">
+                    <a:lumMod val="75000"/>
+                    <a:lumOff val="25000"/>
+                  </a:schemeClr>
+                </a:solidFill>
+              </a:rPr>
+              <a:t> </a:t>
+            </a:r>
+            <a:endParaRPr lang="en-US" sz="2800" dirty="0">
+              <a:solidFill>
+                <a:schemeClr val="tx1">
+                  <a:lumMod val="75000"/>
+                  <a:lumOff val="25000"/>
+                </a:schemeClr>
+              </a:solidFill>
+            </a:endParaRPr>
+          </a:p>
+        </p:txBody>
+      </p:sp>
+      <p:cxnSp>
+        <p:nvCxnSpPr>
+          <p:cNvPr id="14" name="Straight Connector 13">
+            <a:extLst>
+              <a:ext uri="{FF2B5EF4-FFF2-40B4-BE49-F238E27FC236}">
+                <a16:creationId xmlns:a16="http://schemas.microsoft.com/office/drawing/2014/main" id="{83E690F4-843A-47A5-8620-4FB01C0D8E68}"/>
+              </a:ext>
+              <a:ext uri="{C183D7F6-B498-43B3-948B-1728B52AA6E4}">
+                <adec:decorative xmlns:adec="http://schemas.microsoft.com/office/drawing/2017/decorative" val="1"/>
+              </a:ext>
+            </a:extLst>
+          </p:cNvPr>
+          <p:cNvCxnSpPr>
+            <a:cxnSpLocks/>
+          </p:cNvCxnSpPr>
+          <p:nvPr/>
+        </p:nvCxnSpPr>
+        <p:spPr>
+          <a:xfrm>
+            <a:off x="0" y="522898"/>
+            <a:ext cx="3276600" cy="0"/>
+          </a:xfrm>
+          <a:prstGeom prst="line">
+            <a:avLst/>
+          </a:prstGeom>
+          <a:ln>
+            <a:solidFill>
+              <a:schemeClr val="accent3">
+                <a:lumMod val="50000"/>
+              </a:schemeClr>
+            </a:solidFill>
+            <a:tailEnd type="oval"/>
+          </a:ln>
+        </p:spPr>
+        <p:style>
+          <a:lnRef idx="1">
+            <a:schemeClr val="accent1"/>
+          </a:lnRef>
+          <a:fillRef idx="0">
+            <a:schemeClr val="accent1"/>
+          </a:fillRef>
+          <a:effectRef idx="0">
+            <a:schemeClr val="accent1"/>
+          </a:effectRef>
+          <a:fontRef idx="minor">
+            <a:schemeClr val="tx1"/>
+          </a:fontRef>
+        </p:style>
+      </p:cxnSp>
+      <p:sp>
+        <p:nvSpPr>
+          <p:cNvPr id="10" name="Rectangle 9">
+            <a:extLst>
+              <a:ext uri="{FF2B5EF4-FFF2-40B4-BE49-F238E27FC236}">
+                <a16:creationId xmlns:a16="http://schemas.microsoft.com/office/drawing/2014/main" id="{1A997C66-4ED4-4017-9439-1D07ED31D783}"/>
+              </a:ext>
+            </a:extLst>
+          </p:cNvPr>
+          <p:cNvSpPr/>
+          <p:nvPr/>
+        </p:nvSpPr>
+        <p:spPr>
+          <a:xfrm>
+            <a:off x="7400925" y="2026444"/>
+            <a:ext cx="4268298" cy="710707"/>
+          </a:xfrm>
+          <a:prstGeom prst="rect">
+            <a:avLst/>
+          </a:prstGeom>
+        </p:spPr>
+        <p:txBody>
+          <a:bodyPr wrap="square" lIns="0" tIns="0" rIns="0" bIns="0" anchor="t">
+            <a:spAutoFit/>
+          </a:bodyPr>
+          <a:lstStyle/>
+          <a:p>
+            <a:pPr algn="ctr">
+              <a:lnSpc>
+                <a:spcPts val="1900"/>
+              </a:lnSpc>
+            </a:pPr>
+            <a:r>
+              <a:rPr lang="en-US" sz="1400" dirty="0">
+                <a:solidFill>
+                  <a:schemeClr val="tx1">
+                    <a:lumMod val="75000"/>
+                    <a:lumOff val="25000"/>
+                  </a:schemeClr>
+                </a:solidFill>
+                <a:cs typeface="Segoe UI" panose="020B0502040204020203" pitchFamily="34" charset="0"/>
+              </a:rPr>
+              <a:t>We believe ideal time to release a Hottest 100 winner is between Quarter 2 of a given year. Earlier and track is not “fresh”, later it’s still not as well known</a:t>
+            </a:r>
+          </a:p>
+        </p:txBody>
+      </p:sp>
+      <p:sp>
+        <p:nvSpPr>
+          <p:cNvPr id="12" name="Rectangle 11">
+            <a:extLst>
+              <a:ext uri="{FF2B5EF4-FFF2-40B4-BE49-F238E27FC236}">
+                <a16:creationId xmlns:a16="http://schemas.microsoft.com/office/drawing/2014/main" id="{690C1A7A-78BB-48B4-B5CE-2B9C34E5E67B}"/>
+              </a:ext>
+            </a:extLst>
+          </p:cNvPr>
+          <p:cNvSpPr/>
+          <p:nvPr/>
+        </p:nvSpPr>
+        <p:spPr>
+          <a:xfrm>
+            <a:off x="7400925" y="3546456"/>
+            <a:ext cx="4268298" cy="710707"/>
+          </a:xfrm>
+          <a:prstGeom prst="rect">
+            <a:avLst/>
+          </a:prstGeom>
+        </p:spPr>
+        <p:txBody>
+          <a:bodyPr wrap="square" lIns="0" tIns="0" rIns="0" bIns="0" anchor="t">
+            <a:spAutoFit/>
+          </a:bodyPr>
+          <a:lstStyle/>
+          <a:p>
+            <a:pPr algn="ctr">
+              <a:lnSpc>
+                <a:spcPts val="1900"/>
+              </a:lnSpc>
+            </a:pPr>
+            <a:r>
+              <a:rPr lang="en-US" sz="1400" dirty="0">
+                <a:solidFill>
+                  <a:srgbClr val="FF0000"/>
+                </a:solidFill>
+                <a:cs typeface="Segoe UI" panose="020B0502040204020203" pitchFamily="34" charset="0"/>
+              </a:rPr>
+              <a:t>Binning release dates by month, and using a chi analysis to determine if winners are released following normal distribution.</a:t>
+            </a:r>
+          </a:p>
+        </p:txBody>
+      </p:sp>
+      <p:sp>
+        <p:nvSpPr>
+          <p:cNvPr id="13" name="Rectangle 12">
+            <a:extLst>
+              <a:ext uri="{FF2B5EF4-FFF2-40B4-BE49-F238E27FC236}">
+                <a16:creationId xmlns:a16="http://schemas.microsoft.com/office/drawing/2014/main" id="{53CF038C-66AF-4E81-9068-703EC0088620}"/>
+              </a:ext>
+            </a:extLst>
+          </p:cNvPr>
+          <p:cNvSpPr/>
+          <p:nvPr/>
+        </p:nvSpPr>
+        <p:spPr>
+          <a:xfrm>
+            <a:off x="7400925" y="5066469"/>
+            <a:ext cx="4268298" cy="1198020"/>
+          </a:xfrm>
+          <a:prstGeom prst="rect">
+            <a:avLst/>
+          </a:prstGeom>
+        </p:spPr>
+        <p:txBody>
+          <a:bodyPr wrap="square" lIns="0" tIns="0" rIns="0" bIns="0" anchor="t">
+            <a:spAutoFit/>
+          </a:bodyPr>
+          <a:lstStyle/>
+          <a:p>
+            <a:pPr algn="ctr">
+              <a:lnSpc>
+                <a:spcPts val="1900"/>
+              </a:lnSpc>
+            </a:pPr>
+            <a:r>
+              <a:rPr lang="en-US" sz="1400" dirty="0">
+                <a:solidFill>
+                  <a:schemeClr val="tx1">
+                    <a:lumMod val="75000"/>
+                    <a:lumOff val="25000"/>
+                  </a:schemeClr>
+                </a:solidFill>
+                <a:cs typeface="Segoe UI" panose="020B0502040204020203" pitchFamily="34" charset="0"/>
+              </a:rPr>
+              <a:t>Chi test shows that a disproportionate number of winners  for the </a:t>
+            </a:r>
+            <a:r>
+              <a:rPr lang="en-US" sz="1400" dirty="0" err="1">
+                <a:solidFill>
+                  <a:schemeClr val="tx1">
+                    <a:lumMod val="75000"/>
+                    <a:lumOff val="25000"/>
+                  </a:schemeClr>
+                </a:solidFill>
+                <a:cs typeface="Segoe UI" panose="020B0502040204020203" pitchFamily="34" charset="0"/>
+              </a:rPr>
+              <a:t>analysed</a:t>
+            </a:r>
+            <a:r>
+              <a:rPr lang="en-US" sz="1400" dirty="0">
+                <a:solidFill>
+                  <a:schemeClr val="tx1">
+                    <a:lumMod val="75000"/>
+                    <a:lumOff val="25000"/>
+                  </a:schemeClr>
+                </a:solidFill>
+                <a:cs typeface="Segoe UI" panose="020B0502040204020203" pitchFamily="34" charset="0"/>
+              </a:rPr>
+              <a:t> period were released in Q3 and Q4. This is particularly noteworthy, as Q1 shows the highest amount of released tracks. It is worth mentioning that the sample is </a:t>
+            </a:r>
+            <a:r>
+              <a:rPr lang="en-US" sz="1400" b="1" dirty="0">
+                <a:solidFill>
+                  <a:srgbClr val="FF0000"/>
+                </a:solidFill>
+                <a:cs typeface="Segoe UI" panose="020B0502040204020203" pitchFamily="34" charset="0"/>
+              </a:rPr>
+              <a:t>23</a:t>
+            </a:r>
+            <a:r>
+              <a:rPr lang="en-US" sz="1400" dirty="0">
+                <a:solidFill>
+                  <a:schemeClr val="tx1">
+                    <a:lumMod val="75000"/>
+                    <a:lumOff val="25000"/>
+                  </a:schemeClr>
+                </a:solidFill>
+                <a:cs typeface="Segoe UI" panose="020B0502040204020203" pitchFamily="34" charset="0"/>
+              </a:rPr>
+              <a:t> winning songs, so it’s relatively small.</a:t>
+            </a:r>
+          </a:p>
+        </p:txBody>
+      </p:sp>
+      <p:sp>
+        <p:nvSpPr>
+          <p:cNvPr id="26" name="Rectangle 25">
+            <a:extLst>
+              <a:ext uri="{FF2B5EF4-FFF2-40B4-BE49-F238E27FC236}">
+                <a16:creationId xmlns:a16="http://schemas.microsoft.com/office/drawing/2014/main" id="{2D1EC9D4-76A8-4A26-A2A6-D7B18B7CF659}"/>
+              </a:ext>
+            </a:extLst>
+          </p:cNvPr>
+          <p:cNvSpPr/>
+          <p:nvPr/>
+        </p:nvSpPr>
+        <p:spPr>
+          <a:xfrm>
+            <a:off x="7506353" y="1662038"/>
+            <a:ext cx="4162870" cy="246221"/>
+          </a:xfrm>
+          <a:prstGeom prst="rect">
+            <a:avLst/>
+          </a:prstGeom>
+        </p:spPr>
+        <p:txBody>
+          <a:bodyPr wrap="square" lIns="0" tIns="0" rIns="0" bIns="0" anchor="t">
+            <a:spAutoFit/>
+          </a:bodyPr>
+          <a:lstStyle/>
+          <a:p>
+            <a:r>
+              <a:rPr lang="en-US" sz="1600" b="1" dirty="0">
+                <a:solidFill>
+                  <a:schemeClr val="tx1">
+                    <a:lumMod val="75000"/>
+                    <a:lumOff val="25000"/>
+                  </a:schemeClr>
+                </a:solidFill>
+                <a:cs typeface="Segoe UI" panose="020B0502040204020203" pitchFamily="34" charset="0"/>
+              </a:rPr>
+              <a:t>Hypothesis</a:t>
+            </a:r>
+          </a:p>
+        </p:txBody>
+      </p:sp>
+      <p:sp>
+        <p:nvSpPr>
+          <p:cNvPr id="27" name="Rectangle 26">
+            <a:extLst>
+              <a:ext uri="{FF2B5EF4-FFF2-40B4-BE49-F238E27FC236}">
+                <a16:creationId xmlns:a16="http://schemas.microsoft.com/office/drawing/2014/main" id="{8B9D6654-5A8B-4A3E-B65B-E6BEC7BC3E92}"/>
+              </a:ext>
+            </a:extLst>
+          </p:cNvPr>
+          <p:cNvSpPr/>
+          <p:nvPr/>
+        </p:nvSpPr>
+        <p:spPr>
+          <a:xfrm>
+            <a:off x="7506353" y="4699701"/>
+            <a:ext cx="4162870" cy="246221"/>
+          </a:xfrm>
+          <a:prstGeom prst="rect">
+            <a:avLst/>
+          </a:prstGeom>
+        </p:spPr>
+        <p:txBody>
+          <a:bodyPr wrap="square" lIns="0" tIns="0" rIns="0" bIns="0" anchor="t">
+            <a:spAutoFit/>
+          </a:bodyPr>
+          <a:lstStyle/>
+          <a:p>
+            <a:r>
+              <a:rPr lang="en-US" sz="1600" b="1" dirty="0">
+                <a:solidFill>
+                  <a:schemeClr val="tx1">
+                    <a:lumMod val="75000"/>
+                    <a:lumOff val="25000"/>
+                  </a:schemeClr>
+                </a:solidFill>
+                <a:cs typeface="Segoe UI" panose="020B0502040204020203" pitchFamily="34" charset="0"/>
+              </a:rPr>
+              <a:t>Conclusion</a:t>
+            </a:r>
+          </a:p>
+        </p:txBody>
+      </p:sp>
+      <p:sp>
+        <p:nvSpPr>
+          <p:cNvPr id="28" name="Rectangle 27">
+            <a:extLst>
+              <a:ext uri="{FF2B5EF4-FFF2-40B4-BE49-F238E27FC236}">
+                <a16:creationId xmlns:a16="http://schemas.microsoft.com/office/drawing/2014/main" id="{A4EE4EF6-1BD1-4EE8-8C26-1356267F05F1}"/>
+              </a:ext>
+            </a:extLst>
+          </p:cNvPr>
+          <p:cNvSpPr/>
+          <p:nvPr/>
+        </p:nvSpPr>
+        <p:spPr>
+          <a:xfrm>
+            <a:off x="7469171" y="3300235"/>
+            <a:ext cx="4162870" cy="246221"/>
+          </a:xfrm>
+          <a:prstGeom prst="rect">
+            <a:avLst/>
+          </a:prstGeom>
+        </p:spPr>
+        <p:txBody>
+          <a:bodyPr wrap="square" lIns="0" tIns="0" rIns="0" bIns="0" anchor="t">
+            <a:spAutoFit/>
+          </a:bodyPr>
+          <a:lstStyle/>
+          <a:p>
+            <a:r>
+              <a:rPr lang="en-US" sz="1600" b="1" dirty="0">
+                <a:solidFill>
+                  <a:schemeClr val="tx1">
+                    <a:lumMod val="75000"/>
+                    <a:lumOff val="25000"/>
+                  </a:schemeClr>
+                </a:solidFill>
+                <a:cs typeface="Segoe UI" panose="020B0502040204020203" pitchFamily="34" charset="0"/>
+              </a:rPr>
+              <a:t>Testing</a:t>
+            </a:r>
+          </a:p>
+        </p:txBody>
+      </p:sp>
+      <p:pic>
+        <p:nvPicPr>
+          <p:cNvPr id="5" name="Picture 4">
+            <a:extLst>
+              <a:ext uri="{FF2B5EF4-FFF2-40B4-BE49-F238E27FC236}">
+                <a16:creationId xmlns:a16="http://schemas.microsoft.com/office/drawing/2014/main" id="{112DAFE8-BCEC-4414-B5E7-EC009CEC544A}"/>
+              </a:ext>
+            </a:extLst>
+          </p:cNvPr>
+          <p:cNvPicPr>
+            <a:picLocks noChangeAspect="1"/>
+          </p:cNvPicPr>
+          <p:nvPr/>
+        </p:nvPicPr>
+        <p:blipFill>
+          <a:blip r:embed="rId3"/>
+          <a:stretch>
+            <a:fillRect/>
+          </a:stretch>
+        </p:blipFill>
+        <p:spPr>
+          <a:xfrm>
+            <a:off x="1288582" y="1077676"/>
+            <a:ext cx="4162870" cy="2973479"/>
+          </a:xfrm>
+          <a:prstGeom prst="rect">
+            <a:avLst/>
+          </a:prstGeom>
+        </p:spPr>
+      </p:pic>
+      <p:pic>
+        <p:nvPicPr>
+          <p:cNvPr id="17" name="Picture 16">
+            <a:extLst>
+              <a:ext uri="{FF2B5EF4-FFF2-40B4-BE49-F238E27FC236}">
+                <a16:creationId xmlns:a16="http://schemas.microsoft.com/office/drawing/2014/main" id="{CCC93AF1-CB37-4250-82DB-9A2B081C717B}"/>
+              </a:ext>
+            </a:extLst>
+          </p:cNvPr>
+          <p:cNvPicPr>
+            <a:picLocks noChangeAspect="1"/>
+          </p:cNvPicPr>
+          <p:nvPr/>
+        </p:nvPicPr>
+        <p:blipFill>
+          <a:blip r:embed="rId4"/>
+          <a:stretch>
+            <a:fillRect/>
+          </a:stretch>
+        </p:blipFill>
+        <p:spPr>
+          <a:xfrm>
+            <a:off x="4025980" y="4350486"/>
+            <a:ext cx="2962275" cy="2381250"/>
+          </a:xfrm>
+          <a:prstGeom prst="rect">
+            <a:avLst/>
+          </a:prstGeom>
+        </p:spPr>
+      </p:pic>
+      <p:sp>
+        <p:nvSpPr>
+          <p:cNvPr id="21" name="Rectangle 20">
+            <a:extLst>
+              <a:ext uri="{FF2B5EF4-FFF2-40B4-BE49-F238E27FC236}">
+                <a16:creationId xmlns:a16="http://schemas.microsoft.com/office/drawing/2014/main" id="{653708A9-D72C-40C3-8466-555B0E3E7297}"/>
+              </a:ext>
+            </a:extLst>
+          </p:cNvPr>
+          <p:cNvSpPr/>
+          <p:nvPr/>
+        </p:nvSpPr>
+        <p:spPr>
+          <a:xfrm>
+            <a:off x="603476" y="874062"/>
+            <a:ext cx="5903919" cy="246221"/>
+          </a:xfrm>
+          <a:prstGeom prst="rect">
+            <a:avLst/>
+          </a:prstGeom>
+        </p:spPr>
+        <p:txBody>
+          <a:bodyPr wrap="square" lIns="0" tIns="0" rIns="0" bIns="0" anchor="t">
+            <a:spAutoFit/>
+          </a:bodyPr>
+          <a:lstStyle/>
+          <a:p>
+            <a:r>
+              <a:rPr lang="en-US" sz="1600" b="1" dirty="0">
+                <a:solidFill>
+                  <a:schemeClr val="tx1">
+                    <a:lumMod val="75000"/>
+                    <a:lumOff val="25000"/>
+                  </a:schemeClr>
+                </a:solidFill>
+                <a:cs typeface="Segoe UI" panose="020B0502040204020203" pitchFamily="34" charset="0"/>
+              </a:rPr>
+              <a:t>% of Population vs Triple J List vs Triple J Winners by Release Quarter</a:t>
+            </a:r>
+          </a:p>
+        </p:txBody>
+      </p:sp>
+      <p:pic>
+        <p:nvPicPr>
+          <p:cNvPr id="19" name="Picture 18">
+            <a:extLst>
+              <a:ext uri="{FF2B5EF4-FFF2-40B4-BE49-F238E27FC236}">
+                <a16:creationId xmlns:a16="http://schemas.microsoft.com/office/drawing/2014/main" id="{01F2AE7A-9B11-4EFA-A1D2-F2DABC628DD0}"/>
+              </a:ext>
+            </a:extLst>
+          </p:cNvPr>
+          <p:cNvPicPr>
+            <a:picLocks noChangeAspect="1"/>
+          </p:cNvPicPr>
+          <p:nvPr/>
+        </p:nvPicPr>
+        <p:blipFill>
+          <a:blip r:embed="rId5"/>
+          <a:stretch>
+            <a:fillRect/>
+          </a:stretch>
+        </p:blipFill>
+        <p:spPr>
+          <a:xfrm>
+            <a:off x="683072" y="4496246"/>
+            <a:ext cx="1945142" cy="1461667"/>
+          </a:xfrm>
+          <a:prstGeom prst="rect">
+            <a:avLst/>
+          </a:prstGeom>
+        </p:spPr>
+      </p:pic>
+      <p:sp>
+        <p:nvSpPr>
+          <p:cNvPr id="24" name="Rectangle 23">
+            <a:extLst>
+              <a:ext uri="{FF2B5EF4-FFF2-40B4-BE49-F238E27FC236}">
+                <a16:creationId xmlns:a16="http://schemas.microsoft.com/office/drawing/2014/main" id="{93822AE8-E934-4C11-9EBC-17117210315E}"/>
+              </a:ext>
+            </a:extLst>
+          </p:cNvPr>
+          <p:cNvSpPr/>
+          <p:nvPr/>
+        </p:nvSpPr>
+        <p:spPr>
+          <a:xfrm>
+            <a:off x="139801" y="4027313"/>
+            <a:ext cx="3646381" cy="246221"/>
+          </a:xfrm>
+          <a:prstGeom prst="rect">
+            <a:avLst/>
+          </a:prstGeom>
+        </p:spPr>
+        <p:txBody>
+          <a:bodyPr wrap="square" lIns="0" tIns="0" rIns="0" bIns="0" anchor="t">
+            <a:spAutoFit/>
+          </a:bodyPr>
+          <a:lstStyle/>
+          <a:p>
+            <a:r>
+              <a:rPr lang="en-US" sz="1600" b="1" dirty="0">
+                <a:solidFill>
+                  <a:schemeClr val="tx1">
+                    <a:lumMod val="75000"/>
+                    <a:lumOff val="25000"/>
+                  </a:schemeClr>
+                </a:solidFill>
+                <a:cs typeface="Segoe UI" panose="020B0502040204020203" pitchFamily="34" charset="0"/>
+              </a:rPr>
+              <a:t>Chi test – Winners by Release Quarter</a:t>
+            </a:r>
+          </a:p>
+        </p:txBody>
+      </p:sp>
+      <p:sp>
+        <p:nvSpPr>
+          <p:cNvPr id="25" name="Rectangle 24">
+            <a:extLst>
+              <a:ext uri="{FF2B5EF4-FFF2-40B4-BE49-F238E27FC236}">
+                <a16:creationId xmlns:a16="http://schemas.microsoft.com/office/drawing/2014/main" id="{1C6B558E-2ED4-4510-BA6A-8D62E7097309}"/>
+              </a:ext>
+            </a:extLst>
+          </p:cNvPr>
+          <p:cNvSpPr/>
+          <p:nvPr/>
+        </p:nvSpPr>
+        <p:spPr>
+          <a:xfrm>
+            <a:off x="3555436" y="4008548"/>
+            <a:ext cx="3646381" cy="246221"/>
+          </a:xfrm>
+          <a:prstGeom prst="rect">
+            <a:avLst/>
+          </a:prstGeom>
+        </p:spPr>
+        <p:txBody>
+          <a:bodyPr wrap="square" lIns="0" tIns="0" rIns="0" bIns="0" anchor="t">
+            <a:spAutoFit/>
+          </a:bodyPr>
+          <a:lstStyle/>
+          <a:p>
+            <a:r>
+              <a:rPr lang="en-US" sz="1600" b="1" dirty="0">
+                <a:solidFill>
+                  <a:schemeClr val="tx1">
+                    <a:lumMod val="75000"/>
+                    <a:lumOff val="25000"/>
+                  </a:schemeClr>
+                </a:solidFill>
+                <a:cs typeface="Segoe UI" panose="020B0502040204020203" pitchFamily="34" charset="0"/>
+              </a:rPr>
+              <a:t>Distribution of Winners by Release Quarter</a:t>
+            </a:r>
+          </a:p>
+        </p:txBody>
+      </p:sp>
+      <p:sp>
+        <p:nvSpPr>
+          <p:cNvPr id="20" name="Rectangle 1">
+            <a:extLst>
+              <a:ext uri="{FF2B5EF4-FFF2-40B4-BE49-F238E27FC236}">
+                <a16:creationId xmlns:a16="http://schemas.microsoft.com/office/drawing/2014/main" id="{04EF9004-DD60-4BB2-B75F-0633E01EDD79}"/>
+              </a:ext>
+            </a:extLst>
+          </p:cNvPr>
+          <p:cNvSpPr>
+            <a:spLocks noChangeArrowheads="1"/>
+          </p:cNvSpPr>
+          <p:nvPr/>
+        </p:nvSpPr>
+        <p:spPr bwMode="auto">
+          <a:xfrm>
+            <a:off x="2610871" y="1456141"/>
+            <a:ext cx="65" cy="276999"/>
+          </a:xfrm>
+          <a:prstGeom prst="rect">
+            <a:avLst/>
+          </a:prstGeom>
+          <a:solidFill>
+            <a:srgbClr val="FFFFFF"/>
+          </a:solidFill>
+          <a:ln>
+            <a:noFill/>
+          </a:ln>
+          <a:effectLst/>
+          <a:extLst>
+            <a:ext uri="{91240B29-F687-4F45-9708-019B960494DF}">
+              <a14:hiddenLine xmlns:a14="http://schemas.microsoft.com/office/drawing/2010/main" w="9525">
+                <a:solidFill>
+                  <a:schemeClr val="tx1"/>
+                </a:solidFill>
+                <a:miter lim="800000"/>
+                <a:headEnd/>
+                <a:tailEnd/>
+              </a14:hiddenLine>
+            </a:ext>
+            <a:ext uri="{AF507438-7753-43E0-B8FC-AC1667EBCBE1}">
+              <a14:hiddenEffects xmlns:a14="http://schemas.microsoft.com/office/drawing/2010/main">
+                <a:effectLst>
+                  <a:outerShdw dist="35921" dir="2700000" algn="ctr" rotWithShape="0">
+                    <a:schemeClr val="bg2"/>
+                  </a:outerShdw>
+                </a:effectLst>
+              </a14:hiddenEffects>
+            </a:ext>
+          </a:extLst>
+        </p:spPr>
+        <p:txBody>
+          <a:bodyPr vert="horz" wrap="none" lIns="0" tIns="0" rIns="0" bIns="0" numCol="1" anchor="ctr" anchorCtr="0" compatLnSpc="1">
+            <a:prstTxWarp prst="textNoShape">
+              <a:avLst/>
+            </a:prstTxWarp>
+            <a:spAutoFit/>
+          </a:bodyPr>
+          <a:lstStyle/>
+          <a:p>
+            <a:pPr marL="0" marR="0" lvl="0" indent="0" algn="l" defTabSz="914400" rtl="0" eaLnBrk="0" fontAlgn="base" latinLnBrk="0" hangingPunct="0">
+              <a:lnSpc>
+                <a:spcPct val="100000"/>
+              </a:lnSpc>
+              <a:spcBef>
+                <a:spcPct val="0"/>
+              </a:spcBef>
+              <a:spcAft>
+                <a:spcPct val="0"/>
+              </a:spcAft>
+              <a:buClrTx/>
+              <a:buSzTx/>
+              <a:buFontTx/>
+              <a:buNone/>
+              <a:tabLst/>
+            </a:pPr>
+            <a:endParaRPr kumimoji="0" lang="en-US" altLang="en-US" sz="1800" b="0" i="0" u="none" strike="noStrike" cap="none" normalizeH="0" baseline="0" dirty="0">
+              <a:ln>
+                <a:noFill/>
+              </a:ln>
+              <a:solidFill>
+                <a:schemeClr val="tx1"/>
+              </a:solidFill>
+              <a:effectLst/>
+              <a:latin typeface="Arial" panose="020B0604020202020204" pitchFamily="34" charset="0"/>
+            </a:endParaRPr>
+          </a:p>
+        </p:txBody>
+      </p:sp>
+      <p:sp>
+        <p:nvSpPr>
+          <p:cNvPr id="29" name="Rectangle 28">
+            <a:extLst>
+              <a:ext uri="{FF2B5EF4-FFF2-40B4-BE49-F238E27FC236}">
+                <a16:creationId xmlns:a16="http://schemas.microsoft.com/office/drawing/2014/main" id="{EE237C4C-6870-4096-9B81-7EE4EA12594C}"/>
+              </a:ext>
+            </a:extLst>
+          </p:cNvPr>
+          <p:cNvSpPr/>
+          <p:nvPr/>
+        </p:nvSpPr>
+        <p:spPr>
+          <a:xfrm>
+            <a:off x="-128908" y="6021029"/>
+            <a:ext cx="4482414" cy="710707"/>
+          </a:xfrm>
+          <a:prstGeom prst="rect">
+            <a:avLst/>
+          </a:prstGeom>
+        </p:spPr>
+        <p:txBody>
+          <a:bodyPr wrap="square" lIns="0" tIns="0" rIns="0" bIns="0" anchor="t">
+            <a:spAutoFit/>
+          </a:bodyPr>
+          <a:lstStyle/>
+          <a:p>
+            <a:pPr algn="ctr">
+              <a:lnSpc>
+                <a:spcPts val="1900"/>
+              </a:lnSpc>
+            </a:pPr>
+            <a:r>
+              <a:rPr lang="en-US" sz="1400" dirty="0" err="1">
+                <a:solidFill>
+                  <a:schemeClr val="tx1">
+                    <a:lumMod val="75000"/>
+                    <a:lumOff val="25000"/>
+                  </a:schemeClr>
+                </a:solidFill>
+                <a:cs typeface="Segoe UI" panose="020B0502040204020203" pitchFamily="34" charset="0"/>
+              </a:rPr>
+              <a:t>W</a:t>
+            </a:r>
+            <a:r>
+              <a:rPr lang="en-US" altLang="en-US" sz="1400" dirty="0" err="1">
+                <a:solidFill>
+                  <a:schemeClr val="tx1">
+                    <a:lumMod val="75000"/>
+                    <a:lumOff val="25000"/>
+                  </a:schemeClr>
+                </a:solidFill>
+                <a:cs typeface="Segoe UI" panose="020B0502040204020203" pitchFamily="34" charset="0"/>
+              </a:rPr>
+              <a:t>Power_divergenceResult</a:t>
+            </a:r>
+            <a:r>
+              <a:rPr lang="en-US" altLang="en-US" sz="1400" dirty="0">
+                <a:solidFill>
+                  <a:schemeClr val="tx1">
+                    <a:lumMod val="75000"/>
+                    <a:lumOff val="25000"/>
+                  </a:schemeClr>
+                </a:solidFill>
+                <a:cs typeface="Segoe UI" panose="020B0502040204020203" pitchFamily="34" charset="0"/>
+              </a:rPr>
+              <a:t>(statistic=1.2400000000000002, </a:t>
+            </a:r>
+            <a:r>
+              <a:rPr lang="en-US" altLang="en-US" sz="1400" dirty="0" err="1">
+                <a:solidFill>
+                  <a:schemeClr val="tx1">
+                    <a:lumMod val="75000"/>
+                    <a:lumOff val="25000"/>
+                  </a:schemeClr>
+                </a:solidFill>
+                <a:cs typeface="Segoe UI" panose="020B0502040204020203" pitchFamily="34" charset="0"/>
+              </a:rPr>
+              <a:t>pvalue</a:t>
+            </a:r>
+            <a:r>
+              <a:rPr lang="en-US" altLang="en-US" sz="1400" dirty="0">
+                <a:solidFill>
+                  <a:schemeClr val="tx1">
+                    <a:lumMod val="75000"/>
+                    <a:lumOff val="25000"/>
+                  </a:schemeClr>
+                </a:solidFill>
+                <a:cs typeface="Segoe UI" panose="020B0502040204020203" pitchFamily="34" charset="0"/>
+              </a:rPr>
+              <a:t>=0.7434275021945493) </a:t>
+            </a:r>
+          </a:p>
+          <a:p>
+            <a:pPr algn="ctr">
+              <a:lnSpc>
+                <a:spcPts val="1900"/>
+              </a:lnSpc>
+            </a:pPr>
+            <a:r>
+              <a:rPr lang="en-US" sz="1400" dirty="0">
+                <a:solidFill>
+                  <a:schemeClr val="tx1">
+                    <a:lumMod val="75000"/>
+                    <a:lumOff val="25000"/>
+                  </a:schemeClr>
+                </a:solidFill>
+                <a:cs typeface="Segoe UI" panose="020B0502040204020203" pitchFamily="34" charset="0"/>
+              </a:rPr>
+              <a:t>e</a:t>
+            </a:r>
+          </a:p>
+        </p:txBody>
+      </p:sp>
+    </p:spTree>
+    <p:extLst>
+      <p:ext uri="{BB962C8B-B14F-4D97-AF65-F5344CB8AC3E}">
+        <p14:creationId xmlns:p14="http://schemas.microsoft.com/office/powerpoint/2010/main" val="1334382941"/>
+      </p:ext>
+    </p:extLst>
+  </p:cSld>
+  <p:clrMapOvr>
+    <a:masterClrMapping/>
+  </p:clrMapOvr>
+</p:sld>
+</file>
+
+<file path=ppt/slides/slide13.xml><?xml version="1.0" encoding="utf-8"?>
+<p:sld xmlns:a="http://schemas.openxmlformats.org/drawingml/2006/main" xmlns:r="http://schemas.openxmlformats.org/officeDocument/2006/relationships" xmlns:p="http://schemas.openxmlformats.org/presentationml/2006/main">
+  <p:cSld>
+    <p:spTree>
+      <p:nvGrpSpPr>
+        <p:cNvPr id="1" name=""/>
+        <p:cNvGrpSpPr/>
+        <p:nvPr/>
+      </p:nvGrpSpPr>
+      <p:grpSpPr>
+        <a:xfrm>
+          <a:off x="0" y="0"/>
+          <a:ext cx="0" cy="0"/>
+          <a:chOff x="0" y="0"/>
+          <a:chExt cx="0" cy="0"/>
+        </a:xfrm>
+      </p:grpSpPr>
+      <p:sp>
+        <p:nvSpPr>
+          <p:cNvPr id="7" name="Title 6" hidden="1">
+            <a:extLst>
+              <a:ext uri="{FF2B5EF4-FFF2-40B4-BE49-F238E27FC236}">
+                <a16:creationId xmlns:a16="http://schemas.microsoft.com/office/drawing/2014/main" id="{7C70995F-D8C5-410A-AA8B-1EE172A29454}"/>
+              </a:ext>
+            </a:extLst>
+          </p:cNvPr>
+          <p:cNvSpPr>
+            <a:spLocks noGrp="1"/>
+          </p:cNvSpPr>
+          <p:nvPr>
+            <p:ph type="title" idx="4294967295"/>
+          </p:nvPr>
+        </p:nvSpPr>
+        <p:spPr>
+          <a:xfrm>
+            <a:off x="0" y="365125"/>
+            <a:ext cx="10515600" cy="1325563"/>
+          </a:xfrm>
+        </p:spPr>
+        <p:txBody>
+          <a:bodyPr/>
+          <a:lstStyle/>
+          <a:p>
+            <a:r>
+              <a:rPr lang="en-US" dirty="0"/>
+              <a:t>Project analysis slide 10</a:t>
+            </a:r>
+          </a:p>
+        </p:txBody>
+      </p:sp>
+      <p:cxnSp>
+        <p:nvCxnSpPr>
+          <p:cNvPr id="8" name="Straight Connector 7">
+            <a:extLst>
+              <a:ext uri="{FF2B5EF4-FFF2-40B4-BE49-F238E27FC236}">
+                <a16:creationId xmlns:a16="http://schemas.microsoft.com/office/drawing/2014/main" id="{D0986099-F5F2-4E8B-BE17-81194861A00C}"/>
+              </a:ext>
+              <a:ext uri="{C183D7F6-B498-43B3-948B-1728B52AA6E4}">
+                <adec:decorative xmlns:adec="http://schemas.microsoft.com/office/drawing/2017/decorative" val="1"/>
+              </a:ext>
+            </a:extLst>
+          </p:cNvPr>
+          <p:cNvCxnSpPr>
+            <a:cxnSpLocks/>
+          </p:cNvCxnSpPr>
+          <p:nvPr/>
+        </p:nvCxnSpPr>
+        <p:spPr>
+          <a:xfrm>
+            <a:off x="9563100" y="522898"/>
+            <a:ext cx="2628900" cy="0"/>
+          </a:xfrm>
+          <a:prstGeom prst="line">
+            <a:avLst/>
+          </a:prstGeom>
+          <a:ln>
+            <a:solidFill>
+              <a:schemeClr val="accent3">
+                <a:lumMod val="50000"/>
+              </a:schemeClr>
+            </a:solidFill>
+            <a:headEnd type="oval"/>
+          </a:ln>
+        </p:spPr>
+        <p:style>
+          <a:lnRef idx="1">
+            <a:schemeClr val="accent1"/>
+          </a:lnRef>
+          <a:fillRef idx="0">
+            <a:schemeClr val="accent1"/>
+          </a:fillRef>
+          <a:effectRef idx="0">
+            <a:schemeClr val="accent1"/>
+          </a:effectRef>
+          <a:fontRef idx="minor">
+            <a:schemeClr val="tx1"/>
+          </a:fontRef>
+        </p:style>
+      </p:cxnSp>
+      <p:sp>
+        <p:nvSpPr>
+          <p:cNvPr id="11" name="Title 1">
+            <a:extLst>
+              <a:ext uri="{FF2B5EF4-FFF2-40B4-BE49-F238E27FC236}">
+                <a16:creationId xmlns:a16="http://schemas.microsoft.com/office/drawing/2014/main" id="{4E3F5479-058B-4FA8-92E9-18CAB8CDC5C5}"/>
+              </a:ext>
+            </a:extLst>
+          </p:cNvPr>
+          <p:cNvSpPr txBox="1">
+            <a:spLocks/>
+          </p:cNvSpPr>
+          <p:nvPr/>
+        </p:nvSpPr>
+        <p:spPr>
+          <a:xfrm>
+            <a:off x="228600" y="190500"/>
+            <a:ext cx="11734800" cy="664797"/>
+          </a:xfrm>
+          <a:prstGeom prst="rect">
+            <a:avLst/>
+          </a:prstGeom>
+        </p:spPr>
+        <p:txBody>
+          <a:bodyPr vert="horz" wrap="square" lIns="0" tIns="0" rIns="0" bIns="0" rtlCol="0" anchor="t">
+            <a:spAutoFit/>
+          </a:bodyPr>
+          <a:lstStyle>
+            <a:lvl1pPr algn="l" defTabSz="914400" rtl="0" eaLnBrk="1" latinLnBrk="0" hangingPunct="1">
+              <a:lnSpc>
+                <a:spcPct val="90000"/>
+              </a:lnSpc>
+              <a:spcBef>
+                <a:spcPct val="0"/>
+              </a:spcBef>
+              <a:buNone/>
+              <a:defRPr sz="4400" kern="1200">
+                <a:solidFill>
+                  <a:schemeClr val="tx1"/>
+                </a:solidFill>
+                <a:latin typeface="+mj-lt"/>
+                <a:ea typeface="+mj-ea"/>
+                <a:cs typeface="+mj-cs"/>
+              </a:defRPr>
+            </a:lvl1pPr>
+          </a:lstStyle>
+          <a:p>
+            <a:pPr algn="ctr"/>
+            <a:r>
+              <a:rPr lang="en-US" sz="2800" b="1" dirty="0">
+                <a:solidFill>
+                  <a:schemeClr val="tx1">
+                    <a:lumMod val="75000"/>
+                    <a:lumOff val="25000"/>
+                  </a:schemeClr>
+                </a:solidFill>
+              </a:rPr>
+              <a:t>What Australian songs do Aussies vote?</a:t>
+            </a:r>
+            <a:br>
+              <a:rPr lang="en-US" sz="2800" dirty="0">
+                <a:solidFill>
+                  <a:schemeClr val="tx1">
+                    <a:lumMod val="75000"/>
+                    <a:lumOff val="25000"/>
+                  </a:schemeClr>
+                </a:solidFill>
+              </a:rPr>
+            </a:br>
+            <a:r>
+              <a:rPr lang="en-US" sz="2000" dirty="0">
+                <a:solidFill>
+                  <a:schemeClr val="tx1">
+                    <a:lumMod val="75000"/>
+                    <a:lumOff val="25000"/>
+                  </a:schemeClr>
+                </a:solidFill>
+              </a:rPr>
+              <a:t> </a:t>
+            </a:r>
+            <a:endParaRPr lang="en-US" sz="2800" dirty="0">
+              <a:solidFill>
+                <a:schemeClr val="tx1">
+                  <a:lumMod val="75000"/>
+                  <a:lumOff val="25000"/>
+                </a:schemeClr>
+              </a:solidFill>
+            </a:endParaRPr>
+          </a:p>
+        </p:txBody>
+      </p:sp>
+      <p:cxnSp>
+        <p:nvCxnSpPr>
+          <p:cNvPr id="14" name="Straight Connector 13">
+            <a:extLst>
+              <a:ext uri="{FF2B5EF4-FFF2-40B4-BE49-F238E27FC236}">
+                <a16:creationId xmlns:a16="http://schemas.microsoft.com/office/drawing/2014/main" id="{83E690F4-843A-47A5-8620-4FB01C0D8E68}"/>
+              </a:ext>
+              <a:ext uri="{C183D7F6-B498-43B3-948B-1728B52AA6E4}">
+                <adec:decorative xmlns:adec="http://schemas.microsoft.com/office/drawing/2017/decorative" val="1"/>
+              </a:ext>
+            </a:extLst>
+          </p:cNvPr>
+          <p:cNvCxnSpPr>
+            <a:cxnSpLocks/>
+          </p:cNvCxnSpPr>
+          <p:nvPr/>
+        </p:nvCxnSpPr>
+        <p:spPr>
+          <a:xfrm>
+            <a:off x="0" y="522898"/>
+            <a:ext cx="2600325" cy="0"/>
+          </a:xfrm>
+          <a:prstGeom prst="line">
+            <a:avLst/>
+          </a:prstGeom>
+          <a:ln>
+            <a:solidFill>
+              <a:schemeClr val="accent3">
+                <a:lumMod val="50000"/>
+              </a:schemeClr>
+            </a:solidFill>
+            <a:tailEnd type="oval"/>
+          </a:ln>
+        </p:spPr>
+        <p:style>
+          <a:lnRef idx="1">
+            <a:schemeClr val="accent1"/>
+          </a:lnRef>
+          <a:fillRef idx="0">
+            <a:schemeClr val="accent1"/>
+          </a:fillRef>
+          <a:effectRef idx="0">
+            <a:schemeClr val="accent1"/>
+          </a:effectRef>
+          <a:fontRef idx="minor">
+            <a:schemeClr val="tx1"/>
+          </a:fontRef>
+        </p:style>
+      </p:cxnSp>
+      <p:sp>
+        <p:nvSpPr>
+          <p:cNvPr id="10" name="Rectangle 9">
+            <a:extLst>
+              <a:ext uri="{FF2B5EF4-FFF2-40B4-BE49-F238E27FC236}">
+                <a16:creationId xmlns:a16="http://schemas.microsoft.com/office/drawing/2014/main" id="{1A997C66-4ED4-4017-9439-1D07ED31D783}"/>
+              </a:ext>
+            </a:extLst>
+          </p:cNvPr>
+          <p:cNvSpPr/>
+          <p:nvPr/>
+        </p:nvSpPr>
+        <p:spPr>
+          <a:xfrm>
+            <a:off x="228600" y="1428990"/>
+            <a:ext cx="3863898" cy="467051"/>
+          </a:xfrm>
+          <a:prstGeom prst="rect">
+            <a:avLst/>
+          </a:prstGeom>
+        </p:spPr>
+        <p:txBody>
+          <a:bodyPr wrap="square" lIns="0" tIns="0" rIns="0" bIns="0" anchor="t">
+            <a:spAutoFit/>
+          </a:bodyPr>
+          <a:lstStyle/>
+          <a:p>
+            <a:pPr algn="ctr">
+              <a:lnSpc>
+                <a:spcPts val="1900"/>
+              </a:lnSpc>
+            </a:pPr>
+            <a:r>
+              <a:rPr lang="en-US" sz="1400" dirty="0">
+                <a:solidFill>
+                  <a:schemeClr val="tx1">
+                    <a:lumMod val="75000"/>
+                    <a:lumOff val="25000"/>
+                  </a:schemeClr>
+                </a:solidFill>
+                <a:cs typeface="Segoe UI" panose="020B0502040204020203" pitchFamily="34" charset="0"/>
+              </a:rPr>
+              <a:t>Australians prefer songs with higher </a:t>
+            </a:r>
+            <a:r>
+              <a:rPr lang="en-US" sz="1400" dirty="0" err="1">
+                <a:solidFill>
+                  <a:schemeClr val="tx1">
+                    <a:lumMod val="75000"/>
+                    <a:lumOff val="25000"/>
+                  </a:schemeClr>
+                </a:solidFill>
+                <a:cs typeface="Segoe UI" panose="020B0502040204020203" pitchFamily="34" charset="0"/>
+              </a:rPr>
+              <a:t>speechiness</a:t>
+            </a:r>
+            <a:r>
+              <a:rPr lang="en-US" sz="1400" dirty="0">
+                <a:solidFill>
+                  <a:schemeClr val="tx1">
+                    <a:lumMod val="75000"/>
+                    <a:lumOff val="25000"/>
+                  </a:schemeClr>
+                </a:solidFill>
+                <a:cs typeface="Segoe UI" panose="020B0502040204020203" pitchFamily="34" charset="0"/>
+              </a:rPr>
+              <a:t>, as they gravitate towards familiar accents.</a:t>
+            </a:r>
+          </a:p>
+        </p:txBody>
+      </p:sp>
+      <p:sp>
+        <p:nvSpPr>
+          <p:cNvPr id="12" name="Rectangle 11">
+            <a:extLst>
+              <a:ext uri="{FF2B5EF4-FFF2-40B4-BE49-F238E27FC236}">
+                <a16:creationId xmlns:a16="http://schemas.microsoft.com/office/drawing/2014/main" id="{690C1A7A-78BB-48B4-B5CE-2B9C34E5E67B}"/>
+              </a:ext>
+            </a:extLst>
+          </p:cNvPr>
+          <p:cNvSpPr/>
+          <p:nvPr/>
+        </p:nvSpPr>
+        <p:spPr>
+          <a:xfrm>
+            <a:off x="4292758" y="1324481"/>
+            <a:ext cx="3669213" cy="710707"/>
+          </a:xfrm>
+          <a:prstGeom prst="rect">
+            <a:avLst/>
+          </a:prstGeom>
+        </p:spPr>
+        <p:txBody>
+          <a:bodyPr wrap="square" lIns="0" tIns="0" rIns="0" bIns="0" anchor="t">
+            <a:spAutoFit/>
+          </a:bodyPr>
+          <a:lstStyle/>
+          <a:p>
+            <a:pPr algn="ctr">
+              <a:lnSpc>
+                <a:spcPts val="1900"/>
+              </a:lnSpc>
+            </a:pPr>
+            <a:r>
+              <a:rPr lang="en-US" sz="1400" dirty="0">
+                <a:solidFill>
+                  <a:srgbClr val="FF0000"/>
+                </a:solidFill>
+                <a:cs typeface="Segoe UI" panose="020B0502040204020203" pitchFamily="34" charset="0"/>
+              </a:rPr>
+              <a:t>Compare, for each year, </a:t>
+            </a:r>
+            <a:r>
+              <a:rPr lang="en-US" sz="1400" dirty="0" err="1">
+                <a:solidFill>
+                  <a:srgbClr val="FF0000"/>
+                </a:solidFill>
+                <a:cs typeface="Segoe UI" panose="020B0502040204020203" pitchFamily="34" charset="0"/>
+              </a:rPr>
+              <a:t>speechiness</a:t>
+            </a:r>
+            <a:r>
+              <a:rPr lang="en-US" sz="1400" dirty="0">
+                <a:solidFill>
+                  <a:srgbClr val="FF0000"/>
+                </a:solidFill>
+                <a:cs typeface="Segoe UI" panose="020B0502040204020203" pitchFamily="34" charset="0"/>
+              </a:rPr>
+              <a:t> for Australian artists (as defined by Triple J) vs the all other artists.</a:t>
+            </a:r>
+          </a:p>
+        </p:txBody>
+      </p:sp>
+      <p:sp>
+        <p:nvSpPr>
+          <p:cNvPr id="13" name="Rectangle 12">
+            <a:extLst>
+              <a:ext uri="{FF2B5EF4-FFF2-40B4-BE49-F238E27FC236}">
+                <a16:creationId xmlns:a16="http://schemas.microsoft.com/office/drawing/2014/main" id="{53CF038C-66AF-4E81-9068-703EC0088620}"/>
+              </a:ext>
+            </a:extLst>
+          </p:cNvPr>
+          <p:cNvSpPr/>
+          <p:nvPr/>
+        </p:nvSpPr>
+        <p:spPr>
+          <a:xfrm>
+            <a:off x="7961971" y="1374331"/>
+            <a:ext cx="4268298" cy="710707"/>
+          </a:xfrm>
+          <a:prstGeom prst="rect">
+            <a:avLst/>
+          </a:prstGeom>
+        </p:spPr>
+        <p:txBody>
+          <a:bodyPr wrap="square" lIns="0" tIns="0" rIns="0" bIns="0" anchor="t">
+            <a:spAutoFit/>
+          </a:bodyPr>
+          <a:lstStyle/>
+          <a:p>
+            <a:pPr algn="ctr">
+              <a:lnSpc>
+                <a:spcPts val="1900"/>
+              </a:lnSpc>
+            </a:pPr>
+            <a:r>
+              <a:rPr lang="en-US" sz="1400" dirty="0">
+                <a:solidFill>
+                  <a:schemeClr val="tx1">
+                    <a:lumMod val="75000"/>
+                    <a:lumOff val="25000"/>
+                  </a:schemeClr>
+                </a:solidFill>
+                <a:cs typeface="Segoe UI" panose="020B0502040204020203" pitchFamily="34" charset="0"/>
+              </a:rPr>
+              <a:t>Data demonstrates that Australian Triple J voters prefer less </a:t>
+            </a:r>
+            <a:r>
+              <a:rPr lang="en-US" sz="1400" dirty="0" err="1">
+                <a:solidFill>
+                  <a:schemeClr val="tx1">
+                    <a:lumMod val="75000"/>
+                    <a:lumOff val="25000"/>
+                  </a:schemeClr>
+                </a:solidFill>
+                <a:cs typeface="Segoe UI" panose="020B0502040204020203" pitchFamily="34" charset="0"/>
+              </a:rPr>
+              <a:t>speechiness</a:t>
+            </a:r>
+            <a:r>
+              <a:rPr lang="en-US" sz="1400" dirty="0">
+                <a:solidFill>
+                  <a:schemeClr val="tx1">
+                    <a:lumMod val="75000"/>
+                    <a:lumOff val="25000"/>
+                  </a:schemeClr>
+                </a:solidFill>
+                <a:cs typeface="Segoe UI" panose="020B0502040204020203" pitchFamily="34" charset="0"/>
+              </a:rPr>
+              <a:t> in their Australian songs. The results are significant, but some exceptions were observed.</a:t>
+            </a:r>
+          </a:p>
+        </p:txBody>
+      </p:sp>
+      <p:sp>
+        <p:nvSpPr>
+          <p:cNvPr id="26" name="Rectangle 25">
+            <a:extLst>
+              <a:ext uri="{FF2B5EF4-FFF2-40B4-BE49-F238E27FC236}">
+                <a16:creationId xmlns:a16="http://schemas.microsoft.com/office/drawing/2014/main" id="{2D1EC9D4-76A8-4A26-A2A6-D7B18B7CF659}"/>
+              </a:ext>
+            </a:extLst>
+          </p:cNvPr>
+          <p:cNvSpPr/>
+          <p:nvPr/>
+        </p:nvSpPr>
+        <p:spPr>
+          <a:xfrm>
+            <a:off x="334028" y="1064584"/>
+            <a:ext cx="4162870" cy="246221"/>
+          </a:xfrm>
+          <a:prstGeom prst="rect">
+            <a:avLst/>
+          </a:prstGeom>
+        </p:spPr>
+        <p:txBody>
+          <a:bodyPr wrap="square" lIns="0" tIns="0" rIns="0" bIns="0" anchor="t">
+            <a:spAutoFit/>
+          </a:bodyPr>
+          <a:lstStyle/>
+          <a:p>
+            <a:r>
+              <a:rPr lang="en-US" sz="1600" b="1" dirty="0">
+                <a:solidFill>
+                  <a:schemeClr val="tx1">
+                    <a:lumMod val="75000"/>
+                    <a:lumOff val="25000"/>
+                  </a:schemeClr>
+                </a:solidFill>
+                <a:cs typeface="Segoe UI" panose="020B0502040204020203" pitchFamily="34" charset="0"/>
+              </a:rPr>
+              <a:t>Hypothesis</a:t>
+            </a:r>
+          </a:p>
+        </p:txBody>
+      </p:sp>
+      <p:sp>
+        <p:nvSpPr>
+          <p:cNvPr id="27" name="Rectangle 26">
+            <a:extLst>
+              <a:ext uri="{FF2B5EF4-FFF2-40B4-BE49-F238E27FC236}">
+                <a16:creationId xmlns:a16="http://schemas.microsoft.com/office/drawing/2014/main" id="{8B9D6654-5A8B-4A3E-B65B-E6BEC7BC3E92}"/>
+              </a:ext>
+            </a:extLst>
+          </p:cNvPr>
+          <p:cNvSpPr/>
+          <p:nvPr/>
+        </p:nvSpPr>
+        <p:spPr>
+          <a:xfrm>
+            <a:off x="8067399" y="1124343"/>
+            <a:ext cx="4162870" cy="246221"/>
+          </a:xfrm>
+          <a:prstGeom prst="rect">
+            <a:avLst/>
+          </a:prstGeom>
+        </p:spPr>
+        <p:txBody>
+          <a:bodyPr wrap="square" lIns="0" tIns="0" rIns="0" bIns="0" anchor="t">
+            <a:spAutoFit/>
+          </a:bodyPr>
+          <a:lstStyle/>
+          <a:p>
+            <a:r>
+              <a:rPr lang="en-US" sz="1600" b="1" dirty="0">
+                <a:solidFill>
+                  <a:schemeClr val="tx1">
+                    <a:lumMod val="75000"/>
+                    <a:lumOff val="25000"/>
+                  </a:schemeClr>
+                </a:solidFill>
+                <a:cs typeface="Segoe UI" panose="020B0502040204020203" pitchFamily="34" charset="0"/>
+              </a:rPr>
+              <a:t>Conclusion</a:t>
+            </a:r>
+          </a:p>
+        </p:txBody>
+      </p:sp>
+      <p:sp>
+        <p:nvSpPr>
+          <p:cNvPr id="28" name="Rectangle 27">
+            <a:extLst>
+              <a:ext uri="{FF2B5EF4-FFF2-40B4-BE49-F238E27FC236}">
+                <a16:creationId xmlns:a16="http://schemas.microsoft.com/office/drawing/2014/main" id="{A4EE4EF6-1BD1-4EE8-8C26-1356267F05F1}"/>
+              </a:ext>
+            </a:extLst>
+          </p:cNvPr>
+          <p:cNvSpPr/>
+          <p:nvPr/>
+        </p:nvSpPr>
+        <p:spPr>
+          <a:xfrm>
+            <a:off x="4398186" y="1078259"/>
+            <a:ext cx="4162870" cy="246221"/>
+          </a:xfrm>
+          <a:prstGeom prst="rect">
+            <a:avLst/>
+          </a:prstGeom>
+        </p:spPr>
+        <p:txBody>
+          <a:bodyPr wrap="square" lIns="0" tIns="0" rIns="0" bIns="0" anchor="t">
+            <a:spAutoFit/>
+          </a:bodyPr>
+          <a:lstStyle/>
+          <a:p>
+            <a:r>
+              <a:rPr lang="en-US" sz="1600" b="1" dirty="0">
+                <a:solidFill>
+                  <a:schemeClr val="tx1">
+                    <a:lumMod val="75000"/>
+                    <a:lumOff val="25000"/>
+                  </a:schemeClr>
+                </a:solidFill>
+                <a:cs typeface="Segoe UI" panose="020B0502040204020203" pitchFamily="34" charset="0"/>
+              </a:rPr>
+              <a:t>Testing</a:t>
+            </a:r>
+          </a:p>
+        </p:txBody>
+      </p:sp>
+      <p:pic>
+        <p:nvPicPr>
+          <p:cNvPr id="3" name="Picture 2">
+            <a:extLst>
+              <a:ext uri="{FF2B5EF4-FFF2-40B4-BE49-F238E27FC236}">
+                <a16:creationId xmlns:a16="http://schemas.microsoft.com/office/drawing/2014/main" id="{AE9D1F1C-5818-405E-88B1-174ECE9B1185}"/>
+              </a:ext>
+            </a:extLst>
+          </p:cNvPr>
+          <p:cNvPicPr>
+            <a:picLocks noChangeAspect="1"/>
+          </p:cNvPicPr>
+          <p:nvPr/>
+        </p:nvPicPr>
+        <p:blipFill>
+          <a:blip r:embed="rId3"/>
+          <a:stretch>
+            <a:fillRect/>
+          </a:stretch>
+        </p:blipFill>
+        <p:spPr>
+          <a:xfrm>
+            <a:off x="228600" y="2548683"/>
+            <a:ext cx="2430058" cy="3595638"/>
+          </a:xfrm>
+          <a:prstGeom prst="rect">
+            <a:avLst/>
+          </a:prstGeom>
+        </p:spPr>
+      </p:pic>
+      <p:pic>
+        <p:nvPicPr>
+          <p:cNvPr id="6" name="Picture 5">
+            <a:extLst>
+              <a:ext uri="{FF2B5EF4-FFF2-40B4-BE49-F238E27FC236}">
+                <a16:creationId xmlns:a16="http://schemas.microsoft.com/office/drawing/2014/main" id="{D23B7375-B8E2-447B-A4BF-E80648120CE8}"/>
+              </a:ext>
+            </a:extLst>
+          </p:cNvPr>
+          <p:cNvPicPr>
+            <a:picLocks noChangeAspect="1"/>
+          </p:cNvPicPr>
+          <p:nvPr/>
+        </p:nvPicPr>
+        <p:blipFill>
+          <a:blip r:embed="rId4"/>
+          <a:stretch>
+            <a:fillRect/>
+          </a:stretch>
+        </p:blipFill>
+        <p:spPr>
+          <a:xfrm>
+            <a:off x="2505936" y="2608881"/>
+            <a:ext cx="9003105" cy="3461824"/>
+          </a:xfrm>
+          <a:prstGeom prst="rect">
+            <a:avLst/>
+          </a:prstGeom>
+        </p:spPr>
+      </p:pic>
+      <p:sp>
+        <p:nvSpPr>
+          <p:cNvPr id="9" name="Rectangle 1">
+            <a:extLst>
+              <a:ext uri="{FF2B5EF4-FFF2-40B4-BE49-F238E27FC236}">
+                <a16:creationId xmlns:a16="http://schemas.microsoft.com/office/drawing/2014/main" id="{2B893715-7FF7-4B86-8E78-DAC1DC4DCF39}"/>
+              </a:ext>
+            </a:extLst>
+          </p:cNvPr>
+          <p:cNvSpPr>
+            <a:spLocks noChangeArrowheads="1"/>
+          </p:cNvSpPr>
+          <p:nvPr/>
+        </p:nvSpPr>
+        <p:spPr bwMode="auto">
+          <a:xfrm>
+            <a:off x="-379142" y="6564458"/>
+            <a:ext cx="65" cy="276999"/>
+          </a:xfrm>
+          <a:prstGeom prst="rect">
+            <a:avLst/>
+          </a:prstGeom>
+          <a:solidFill>
+            <a:srgbClr val="FFFFFF"/>
+          </a:solidFill>
+          <a:ln>
+            <a:noFill/>
+          </a:ln>
+          <a:effectLst/>
+          <a:extLst>
+            <a:ext uri="{91240B29-F687-4F45-9708-019B960494DF}">
+              <a14:hiddenLine xmlns:a14="http://schemas.microsoft.com/office/drawing/2010/main" w="9525">
+                <a:solidFill>
+                  <a:schemeClr val="tx1"/>
+                </a:solidFill>
+                <a:miter lim="800000"/>
+                <a:headEnd/>
+                <a:tailEnd/>
+              </a14:hiddenLine>
+            </a:ext>
+            <a:ext uri="{AF507438-7753-43E0-B8FC-AC1667EBCBE1}">
+              <a14:hiddenEffects xmlns:a14="http://schemas.microsoft.com/office/drawing/2010/main">
+                <a:effectLst>
+                  <a:outerShdw dist="35921" dir="2700000" algn="ctr" rotWithShape="0">
+                    <a:schemeClr val="bg2"/>
+                  </a:outerShdw>
+                </a:effectLst>
+              </a14:hiddenEffects>
+            </a:ext>
+          </a:extLst>
+        </p:spPr>
+        <p:txBody>
+          <a:bodyPr vert="horz" wrap="none" lIns="0" tIns="0" rIns="0" bIns="0" numCol="1" anchor="ctr" anchorCtr="0" compatLnSpc="1">
+            <a:prstTxWarp prst="textNoShape">
+              <a:avLst/>
+            </a:prstTxWarp>
+            <a:spAutoFit/>
+          </a:bodyPr>
+          <a:lstStyle/>
+          <a:p>
+            <a:pPr marL="0" marR="0" lvl="0" indent="0" algn="l" defTabSz="914400" rtl="0" eaLnBrk="0" fontAlgn="base" latinLnBrk="0" hangingPunct="0">
+              <a:lnSpc>
+                <a:spcPct val="100000"/>
+              </a:lnSpc>
+              <a:spcBef>
+                <a:spcPct val="0"/>
+              </a:spcBef>
+              <a:spcAft>
+                <a:spcPct val="0"/>
+              </a:spcAft>
+              <a:buClrTx/>
+              <a:buSzTx/>
+              <a:buFontTx/>
+              <a:buNone/>
+              <a:tabLst/>
+            </a:pPr>
+            <a:endParaRPr kumimoji="0" lang="en-US" altLang="en-US" sz="1800" b="0" i="0" u="none" strike="noStrike" cap="none" normalizeH="0" baseline="0" dirty="0">
+              <a:ln>
+                <a:noFill/>
+              </a:ln>
+              <a:solidFill>
+                <a:schemeClr val="tx1"/>
+              </a:solidFill>
+              <a:effectLst/>
+              <a:latin typeface="Arial" panose="020B0604020202020204" pitchFamily="34" charset="0"/>
+            </a:endParaRPr>
+          </a:p>
+        </p:txBody>
+      </p:sp>
+      <p:sp>
+        <p:nvSpPr>
+          <p:cNvPr id="18" name="Rectangle 17">
+            <a:extLst>
+              <a:ext uri="{FF2B5EF4-FFF2-40B4-BE49-F238E27FC236}">
+                <a16:creationId xmlns:a16="http://schemas.microsoft.com/office/drawing/2014/main" id="{0AE286E7-C681-4F3C-96A5-79E08FA351B8}"/>
+              </a:ext>
+            </a:extLst>
+          </p:cNvPr>
+          <p:cNvSpPr/>
+          <p:nvPr/>
+        </p:nvSpPr>
+        <p:spPr>
+          <a:xfrm>
+            <a:off x="2968081" y="6130903"/>
+            <a:ext cx="8462769" cy="223394"/>
+          </a:xfrm>
+          <a:prstGeom prst="rect">
+            <a:avLst/>
+          </a:prstGeom>
+        </p:spPr>
+        <p:txBody>
+          <a:bodyPr wrap="square" lIns="0" tIns="0" rIns="0" bIns="0" anchor="t">
+            <a:spAutoFit/>
+          </a:bodyPr>
+          <a:lstStyle/>
+          <a:p>
+            <a:pPr algn="ctr">
+              <a:lnSpc>
+                <a:spcPts val="1900"/>
+              </a:lnSpc>
+            </a:pPr>
+            <a:r>
+              <a:rPr lang="en-US" altLang="en-US" sz="1400" dirty="0">
+                <a:solidFill>
+                  <a:schemeClr val="tx1">
+                    <a:lumMod val="75000"/>
+                    <a:lumOff val="25000"/>
+                  </a:schemeClr>
+                </a:solidFill>
+                <a:cs typeface="Segoe UI" panose="020B0502040204020203" pitchFamily="34" charset="0"/>
+              </a:rPr>
+              <a:t>Ttest_1sampResult(statistic=5.287851252325091, </a:t>
+            </a:r>
+            <a:r>
+              <a:rPr lang="en-US" altLang="en-US" sz="1400" dirty="0" err="1">
+                <a:solidFill>
+                  <a:schemeClr val="tx1">
+                    <a:lumMod val="75000"/>
+                    <a:lumOff val="25000"/>
+                  </a:schemeClr>
+                </a:solidFill>
+                <a:cs typeface="Segoe UI" panose="020B0502040204020203" pitchFamily="34" charset="0"/>
+              </a:rPr>
+              <a:t>pvalue</a:t>
+            </a:r>
+            <a:r>
+              <a:rPr lang="en-US" altLang="en-US" sz="1400" dirty="0">
+                <a:solidFill>
+                  <a:schemeClr val="tx1">
+                    <a:lumMod val="75000"/>
+                    <a:lumOff val="25000"/>
+                  </a:schemeClr>
+                </a:solidFill>
+                <a:cs typeface="Segoe UI" panose="020B0502040204020203" pitchFamily="34" charset="0"/>
+              </a:rPr>
+              <a:t>=1.4810478542864767e-07) </a:t>
+            </a:r>
+          </a:p>
+        </p:txBody>
+      </p:sp>
+    </p:spTree>
+    <p:extLst>
+      <p:ext uri="{BB962C8B-B14F-4D97-AF65-F5344CB8AC3E}">
+        <p14:creationId xmlns:p14="http://schemas.microsoft.com/office/powerpoint/2010/main" val="4163170397"/>
+      </p:ext>
+    </p:extLst>
+  </p:cSld>
+  <p:clrMapOvr>
+    <a:masterClrMapping/>
+  </p:clrMapOvr>
+</p:sld>
+</file>
+
+<file path=ppt/slides/slide14.xml><?xml version="1.0" encoding="utf-8"?>
+<p:sld xmlns:a="http://schemas.openxmlformats.org/drawingml/2006/main" xmlns:r="http://schemas.openxmlformats.org/officeDocument/2006/relationships" xmlns:p="http://schemas.openxmlformats.org/presentationml/2006/main">
+  <p:cSld>
+    <p:spTree>
+      <p:nvGrpSpPr>
+        <p:cNvPr id="1" name=""/>
+        <p:cNvGrpSpPr/>
+        <p:nvPr/>
+      </p:nvGrpSpPr>
+      <p:grpSpPr>
+        <a:xfrm>
+          <a:off x="0" y="0"/>
+          <a:ext cx="0" cy="0"/>
+          <a:chOff x="0" y="0"/>
+          <a:chExt cx="0" cy="0"/>
+        </a:xfrm>
+      </p:grpSpPr>
+      <p:sp>
+        <p:nvSpPr>
+          <p:cNvPr id="7" name="Title 6" hidden="1">
+            <a:extLst>
+              <a:ext uri="{FF2B5EF4-FFF2-40B4-BE49-F238E27FC236}">
+                <a16:creationId xmlns:a16="http://schemas.microsoft.com/office/drawing/2014/main" id="{7C70995F-D8C5-410A-AA8B-1EE172A29454}"/>
+              </a:ext>
+            </a:extLst>
+          </p:cNvPr>
+          <p:cNvSpPr>
+            <a:spLocks noGrp="1"/>
+          </p:cNvSpPr>
+          <p:nvPr>
+            <p:ph type="title" idx="4294967295"/>
+          </p:nvPr>
+        </p:nvSpPr>
+        <p:spPr>
+          <a:xfrm>
+            <a:off x="0" y="365125"/>
+            <a:ext cx="10515600" cy="1325563"/>
+          </a:xfrm>
+        </p:spPr>
+        <p:txBody>
+          <a:bodyPr/>
+          <a:lstStyle/>
+          <a:p>
+            <a:r>
+              <a:rPr lang="en-US" dirty="0"/>
+              <a:t>Project analysis slide 10</a:t>
+            </a:r>
+          </a:p>
+        </p:txBody>
+      </p:sp>
+      <p:cxnSp>
+        <p:nvCxnSpPr>
+          <p:cNvPr id="8" name="Straight Connector 7">
+            <a:extLst>
+              <a:ext uri="{FF2B5EF4-FFF2-40B4-BE49-F238E27FC236}">
+                <a16:creationId xmlns:a16="http://schemas.microsoft.com/office/drawing/2014/main" id="{D0986099-F5F2-4E8B-BE17-81194861A00C}"/>
+              </a:ext>
+              <a:ext uri="{C183D7F6-B498-43B3-948B-1728B52AA6E4}">
+                <adec:decorative xmlns:adec="http://schemas.microsoft.com/office/drawing/2017/decorative" val="1"/>
+              </a:ext>
+            </a:extLst>
+          </p:cNvPr>
+          <p:cNvCxnSpPr>
+            <a:cxnSpLocks/>
+          </p:cNvCxnSpPr>
+          <p:nvPr/>
+        </p:nvCxnSpPr>
+        <p:spPr>
+          <a:xfrm>
+            <a:off x="8976732" y="522898"/>
+            <a:ext cx="3215268" cy="0"/>
+          </a:xfrm>
+          <a:prstGeom prst="line">
+            <a:avLst/>
+          </a:prstGeom>
+          <a:ln>
+            <a:solidFill>
+              <a:schemeClr val="accent3">
+                <a:lumMod val="50000"/>
+              </a:schemeClr>
+            </a:solidFill>
+            <a:headEnd type="oval"/>
+          </a:ln>
+        </p:spPr>
+        <p:style>
+          <a:lnRef idx="1">
+            <a:schemeClr val="accent1"/>
+          </a:lnRef>
+          <a:fillRef idx="0">
+            <a:schemeClr val="accent1"/>
+          </a:fillRef>
+          <a:effectRef idx="0">
+            <a:schemeClr val="accent1"/>
+          </a:effectRef>
+          <a:fontRef idx="minor">
+            <a:schemeClr val="tx1"/>
+          </a:fontRef>
+        </p:style>
+      </p:cxnSp>
+      <p:sp>
+        <p:nvSpPr>
+          <p:cNvPr id="11" name="Title 1">
+            <a:extLst>
+              <a:ext uri="{FF2B5EF4-FFF2-40B4-BE49-F238E27FC236}">
+                <a16:creationId xmlns:a16="http://schemas.microsoft.com/office/drawing/2014/main" id="{4E3F5479-058B-4FA8-92E9-18CAB8CDC5C5}"/>
+              </a:ext>
+            </a:extLst>
+          </p:cNvPr>
+          <p:cNvSpPr txBox="1">
+            <a:spLocks/>
+          </p:cNvSpPr>
+          <p:nvPr/>
+        </p:nvSpPr>
+        <p:spPr>
+          <a:xfrm>
+            <a:off x="228600" y="190500"/>
+            <a:ext cx="11734800" cy="664797"/>
+          </a:xfrm>
+          <a:prstGeom prst="rect">
+            <a:avLst/>
+          </a:prstGeom>
+        </p:spPr>
+        <p:txBody>
+          <a:bodyPr vert="horz" wrap="square" lIns="0" tIns="0" rIns="0" bIns="0" rtlCol="0" anchor="t">
+            <a:spAutoFit/>
+          </a:bodyPr>
+          <a:lstStyle>
+            <a:lvl1pPr algn="l" defTabSz="914400" rtl="0" eaLnBrk="1" latinLnBrk="0" hangingPunct="1">
+              <a:lnSpc>
+                <a:spcPct val="90000"/>
+              </a:lnSpc>
+              <a:spcBef>
+                <a:spcPct val="0"/>
+              </a:spcBef>
+              <a:buNone/>
+              <a:defRPr sz="4400" kern="1200">
+                <a:solidFill>
+                  <a:schemeClr val="tx1"/>
+                </a:solidFill>
+                <a:latin typeface="+mj-lt"/>
+                <a:ea typeface="+mj-ea"/>
+                <a:cs typeface="+mj-cs"/>
+              </a:defRPr>
+            </a:lvl1pPr>
+          </a:lstStyle>
+          <a:p>
+            <a:pPr algn="ctr"/>
+            <a:r>
+              <a:rPr lang="en-US" sz="2800" b="1" dirty="0">
+                <a:solidFill>
+                  <a:schemeClr val="tx1">
+                    <a:lumMod val="75000"/>
+                    <a:lumOff val="25000"/>
+                  </a:schemeClr>
+                </a:solidFill>
+              </a:rPr>
+              <a:t>Do Australians prefer long songs?</a:t>
+            </a:r>
+            <a:br>
+              <a:rPr lang="en-US" sz="2800" dirty="0">
+                <a:solidFill>
+                  <a:schemeClr val="tx1">
+                    <a:lumMod val="75000"/>
+                    <a:lumOff val="25000"/>
+                  </a:schemeClr>
+                </a:solidFill>
+              </a:rPr>
+            </a:br>
+            <a:r>
+              <a:rPr lang="en-US" sz="2000" dirty="0">
+                <a:solidFill>
+                  <a:schemeClr val="tx1">
+                    <a:lumMod val="75000"/>
+                    <a:lumOff val="25000"/>
+                  </a:schemeClr>
+                </a:solidFill>
+              </a:rPr>
+              <a:t> </a:t>
+            </a:r>
+            <a:endParaRPr lang="en-US" sz="2800" dirty="0">
+              <a:solidFill>
+                <a:schemeClr val="tx1">
+                  <a:lumMod val="75000"/>
+                  <a:lumOff val="25000"/>
+                </a:schemeClr>
+              </a:solidFill>
+            </a:endParaRPr>
+          </a:p>
+        </p:txBody>
+      </p:sp>
+      <p:cxnSp>
+        <p:nvCxnSpPr>
+          <p:cNvPr id="14" name="Straight Connector 13">
+            <a:extLst>
+              <a:ext uri="{FF2B5EF4-FFF2-40B4-BE49-F238E27FC236}">
+                <a16:creationId xmlns:a16="http://schemas.microsoft.com/office/drawing/2014/main" id="{83E690F4-843A-47A5-8620-4FB01C0D8E68}"/>
+              </a:ext>
+              <a:ext uri="{C183D7F6-B498-43B3-948B-1728B52AA6E4}">
+                <adec:decorative xmlns:adec="http://schemas.microsoft.com/office/drawing/2017/decorative" val="1"/>
+              </a:ext>
+            </a:extLst>
+          </p:cNvPr>
+          <p:cNvCxnSpPr>
+            <a:cxnSpLocks/>
+          </p:cNvCxnSpPr>
+          <p:nvPr/>
+        </p:nvCxnSpPr>
+        <p:spPr>
+          <a:xfrm>
+            <a:off x="0" y="522898"/>
+            <a:ext cx="3155795" cy="0"/>
+          </a:xfrm>
+          <a:prstGeom prst="line">
+            <a:avLst/>
+          </a:prstGeom>
+          <a:ln>
+            <a:solidFill>
+              <a:schemeClr val="accent3">
+                <a:lumMod val="50000"/>
+              </a:schemeClr>
+            </a:solidFill>
+            <a:tailEnd type="oval"/>
+          </a:ln>
+        </p:spPr>
+        <p:style>
+          <a:lnRef idx="1">
+            <a:schemeClr val="accent1"/>
+          </a:lnRef>
+          <a:fillRef idx="0">
+            <a:schemeClr val="accent1"/>
+          </a:fillRef>
+          <a:effectRef idx="0">
+            <a:schemeClr val="accent1"/>
+          </a:effectRef>
+          <a:fontRef idx="minor">
+            <a:schemeClr val="tx1"/>
+          </a:fontRef>
+        </p:style>
+      </p:cxnSp>
+      <p:sp>
+        <p:nvSpPr>
+          <p:cNvPr id="10" name="Rectangle 9">
+            <a:extLst>
+              <a:ext uri="{FF2B5EF4-FFF2-40B4-BE49-F238E27FC236}">
+                <a16:creationId xmlns:a16="http://schemas.microsoft.com/office/drawing/2014/main" id="{1A997C66-4ED4-4017-9439-1D07ED31D783}"/>
+              </a:ext>
+            </a:extLst>
+          </p:cNvPr>
+          <p:cNvSpPr/>
+          <p:nvPr/>
+        </p:nvSpPr>
+        <p:spPr>
+          <a:xfrm>
+            <a:off x="0" y="1318097"/>
+            <a:ext cx="3635298" cy="710707"/>
+          </a:xfrm>
+          <a:prstGeom prst="rect">
+            <a:avLst/>
+          </a:prstGeom>
+        </p:spPr>
+        <p:txBody>
+          <a:bodyPr wrap="square" lIns="0" tIns="0" rIns="0" bIns="0" anchor="t">
+            <a:spAutoFit/>
+          </a:bodyPr>
+          <a:lstStyle/>
+          <a:p>
+            <a:pPr algn="ctr">
+              <a:lnSpc>
+                <a:spcPts val="1900"/>
+              </a:lnSpc>
+            </a:pPr>
+            <a:r>
+              <a:rPr lang="en-US" sz="1400" dirty="0">
+                <a:solidFill>
+                  <a:schemeClr val="tx1">
+                    <a:lumMod val="75000"/>
+                    <a:lumOff val="25000"/>
+                  </a:schemeClr>
+                </a:solidFill>
+                <a:cs typeface="Segoe UI" panose="020B0502040204020203" pitchFamily="34" charset="0"/>
+              </a:rPr>
+              <a:t>We expect shorter songs, friendlier to heavy airplay, to perform better than relatively longer songs.</a:t>
+            </a:r>
+          </a:p>
+        </p:txBody>
+      </p:sp>
+      <p:sp>
+        <p:nvSpPr>
+          <p:cNvPr id="12" name="Rectangle 11">
+            <a:extLst>
+              <a:ext uri="{FF2B5EF4-FFF2-40B4-BE49-F238E27FC236}">
+                <a16:creationId xmlns:a16="http://schemas.microsoft.com/office/drawing/2014/main" id="{690C1A7A-78BB-48B4-B5CE-2B9C34E5E67B}"/>
+              </a:ext>
+            </a:extLst>
+          </p:cNvPr>
+          <p:cNvSpPr/>
+          <p:nvPr/>
+        </p:nvSpPr>
+        <p:spPr>
+          <a:xfrm>
+            <a:off x="4034122" y="1286089"/>
+            <a:ext cx="3058054" cy="710707"/>
+          </a:xfrm>
+          <a:prstGeom prst="rect">
+            <a:avLst/>
+          </a:prstGeom>
+        </p:spPr>
+        <p:txBody>
+          <a:bodyPr wrap="square" lIns="0" tIns="0" rIns="0" bIns="0" anchor="t">
+            <a:spAutoFit/>
+          </a:bodyPr>
+          <a:lstStyle/>
+          <a:p>
+            <a:pPr algn="ctr">
+              <a:lnSpc>
+                <a:spcPts val="1900"/>
+              </a:lnSpc>
+            </a:pPr>
+            <a:r>
+              <a:rPr lang="en-US" sz="1400" dirty="0">
+                <a:cs typeface="Segoe UI" panose="020B0502040204020203" pitchFamily="34" charset="0"/>
+              </a:rPr>
+              <a:t>Compared each years top 100 duration mean vs  all songs released duration mean.</a:t>
+            </a:r>
+          </a:p>
+        </p:txBody>
+      </p:sp>
+      <p:sp>
+        <p:nvSpPr>
+          <p:cNvPr id="13" name="Rectangle 12">
+            <a:extLst>
+              <a:ext uri="{FF2B5EF4-FFF2-40B4-BE49-F238E27FC236}">
+                <a16:creationId xmlns:a16="http://schemas.microsoft.com/office/drawing/2014/main" id="{53CF038C-66AF-4E81-9068-703EC0088620}"/>
+              </a:ext>
+            </a:extLst>
+          </p:cNvPr>
+          <p:cNvSpPr/>
+          <p:nvPr/>
+        </p:nvSpPr>
+        <p:spPr>
+          <a:xfrm>
+            <a:off x="7385572" y="1364070"/>
+            <a:ext cx="4268298" cy="1198020"/>
+          </a:xfrm>
+          <a:prstGeom prst="rect">
+            <a:avLst/>
+          </a:prstGeom>
+        </p:spPr>
+        <p:txBody>
+          <a:bodyPr wrap="square" lIns="0" tIns="0" rIns="0" bIns="0" anchor="t">
+            <a:spAutoFit/>
+          </a:bodyPr>
+          <a:lstStyle/>
+          <a:p>
+            <a:pPr algn="ctr">
+              <a:lnSpc>
+                <a:spcPts val="1900"/>
+              </a:lnSpc>
+            </a:pPr>
+            <a:r>
+              <a:rPr lang="en-US" sz="1400" dirty="0">
+                <a:solidFill>
+                  <a:schemeClr val="tx1">
+                    <a:lumMod val="75000"/>
+                    <a:lumOff val="25000"/>
+                  </a:schemeClr>
+                </a:solidFill>
+                <a:cs typeface="Segoe UI" panose="020B0502040204020203" pitchFamily="34" charset="0"/>
+              </a:rPr>
+              <a:t>The analysis shows there is no significant difference in length (in </a:t>
+            </a:r>
+            <a:r>
+              <a:rPr lang="en-US" sz="1400" dirty="0" err="1">
+                <a:solidFill>
+                  <a:schemeClr val="tx1">
+                    <a:lumMod val="75000"/>
+                    <a:lumOff val="25000"/>
+                  </a:schemeClr>
+                </a:solidFill>
+                <a:cs typeface="Segoe UI" panose="020B0502040204020203" pitchFamily="34" charset="0"/>
+              </a:rPr>
+              <a:t>ms</a:t>
+            </a:r>
+            <a:r>
+              <a:rPr lang="en-US" sz="1400" dirty="0">
+                <a:solidFill>
+                  <a:schemeClr val="tx1">
+                    <a:lumMod val="75000"/>
+                    <a:lumOff val="25000"/>
+                  </a:schemeClr>
+                </a:solidFill>
+                <a:cs typeface="Segoe UI" panose="020B0502040204020203" pitchFamily="34" charset="0"/>
+              </a:rPr>
+              <a:t>) between winning songs and the mean of the population. Only 2016 showed a significant result. Given the number of years </a:t>
+            </a:r>
+            <a:r>
+              <a:rPr lang="en-US" sz="1400" dirty="0" err="1">
+                <a:solidFill>
+                  <a:schemeClr val="tx1">
+                    <a:lumMod val="75000"/>
+                    <a:lumOff val="25000"/>
+                  </a:schemeClr>
+                </a:solidFill>
+                <a:cs typeface="Segoe UI" panose="020B0502040204020203" pitchFamily="34" charset="0"/>
+              </a:rPr>
+              <a:t>analysed</a:t>
+            </a:r>
+            <a:r>
+              <a:rPr lang="en-US" sz="1400" dirty="0">
+                <a:solidFill>
+                  <a:schemeClr val="tx1">
+                    <a:lumMod val="75000"/>
+                    <a:lumOff val="25000"/>
+                  </a:schemeClr>
+                </a:solidFill>
+                <a:cs typeface="Segoe UI" panose="020B0502040204020203" pitchFamily="34" charset="0"/>
+              </a:rPr>
+              <a:t> and the </a:t>
+            </a:r>
+            <a:r>
+              <a:rPr lang="en-US" sz="1400" dirty="0" err="1">
+                <a:solidFill>
+                  <a:schemeClr val="tx1">
+                    <a:lumMod val="75000"/>
+                    <a:lumOff val="25000"/>
+                  </a:schemeClr>
+                </a:solidFill>
+                <a:cs typeface="Segoe UI" panose="020B0502040204020203" pitchFamily="34" charset="0"/>
+              </a:rPr>
+              <a:t>pvalue</a:t>
+            </a:r>
+            <a:r>
+              <a:rPr lang="en-US" sz="1400" dirty="0">
+                <a:solidFill>
+                  <a:schemeClr val="tx1">
+                    <a:lumMod val="75000"/>
+                    <a:lumOff val="25000"/>
+                  </a:schemeClr>
+                </a:solidFill>
+                <a:cs typeface="Segoe UI" panose="020B0502040204020203" pitchFamily="34" charset="0"/>
+              </a:rPr>
+              <a:t> of 0.0879 it is reasonable to assume it was by chance.</a:t>
+            </a:r>
+          </a:p>
+        </p:txBody>
+      </p:sp>
+      <p:sp>
+        <p:nvSpPr>
+          <p:cNvPr id="26" name="Rectangle 25">
+            <a:extLst>
+              <a:ext uri="{FF2B5EF4-FFF2-40B4-BE49-F238E27FC236}">
+                <a16:creationId xmlns:a16="http://schemas.microsoft.com/office/drawing/2014/main" id="{2D1EC9D4-76A8-4A26-A2A6-D7B18B7CF659}"/>
+              </a:ext>
+            </a:extLst>
+          </p:cNvPr>
+          <p:cNvSpPr/>
+          <p:nvPr/>
+        </p:nvSpPr>
+        <p:spPr>
+          <a:xfrm>
+            <a:off x="105428" y="953691"/>
+            <a:ext cx="4162870" cy="246221"/>
+          </a:xfrm>
+          <a:prstGeom prst="rect">
+            <a:avLst/>
+          </a:prstGeom>
+        </p:spPr>
+        <p:txBody>
+          <a:bodyPr wrap="square" lIns="0" tIns="0" rIns="0" bIns="0" anchor="t">
+            <a:spAutoFit/>
+          </a:bodyPr>
+          <a:lstStyle/>
+          <a:p>
+            <a:r>
+              <a:rPr lang="en-US" sz="1600" b="1" dirty="0">
+                <a:solidFill>
+                  <a:schemeClr val="tx1">
+                    <a:lumMod val="75000"/>
+                    <a:lumOff val="25000"/>
+                  </a:schemeClr>
+                </a:solidFill>
+                <a:cs typeface="Segoe UI" panose="020B0502040204020203" pitchFamily="34" charset="0"/>
+              </a:rPr>
+              <a:t>Hypothesis</a:t>
+            </a:r>
+          </a:p>
+        </p:txBody>
+      </p:sp>
+      <p:sp>
+        <p:nvSpPr>
+          <p:cNvPr id="27" name="Rectangle 26">
+            <a:extLst>
+              <a:ext uri="{FF2B5EF4-FFF2-40B4-BE49-F238E27FC236}">
+                <a16:creationId xmlns:a16="http://schemas.microsoft.com/office/drawing/2014/main" id="{8B9D6654-5A8B-4A3E-B65B-E6BEC7BC3E92}"/>
+              </a:ext>
+            </a:extLst>
+          </p:cNvPr>
+          <p:cNvSpPr/>
+          <p:nvPr/>
+        </p:nvSpPr>
+        <p:spPr>
+          <a:xfrm>
+            <a:off x="7491000" y="997302"/>
+            <a:ext cx="4162870" cy="246221"/>
+          </a:xfrm>
+          <a:prstGeom prst="rect">
+            <a:avLst/>
+          </a:prstGeom>
+        </p:spPr>
+        <p:txBody>
+          <a:bodyPr wrap="square" lIns="0" tIns="0" rIns="0" bIns="0" anchor="t">
+            <a:spAutoFit/>
+          </a:bodyPr>
+          <a:lstStyle/>
+          <a:p>
+            <a:r>
+              <a:rPr lang="en-US" sz="1600" b="1" dirty="0">
+                <a:solidFill>
+                  <a:schemeClr val="tx1">
+                    <a:lumMod val="75000"/>
+                    <a:lumOff val="25000"/>
+                  </a:schemeClr>
+                </a:solidFill>
+                <a:cs typeface="Segoe UI" panose="020B0502040204020203" pitchFamily="34" charset="0"/>
+              </a:rPr>
+              <a:t>Conclusion</a:t>
+            </a:r>
+          </a:p>
+        </p:txBody>
+      </p:sp>
+      <p:sp>
+        <p:nvSpPr>
+          <p:cNvPr id="28" name="Rectangle 27">
+            <a:extLst>
+              <a:ext uri="{FF2B5EF4-FFF2-40B4-BE49-F238E27FC236}">
+                <a16:creationId xmlns:a16="http://schemas.microsoft.com/office/drawing/2014/main" id="{A4EE4EF6-1BD1-4EE8-8C26-1356267F05F1}"/>
+              </a:ext>
+            </a:extLst>
+          </p:cNvPr>
+          <p:cNvSpPr/>
+          <p:nvPr/>
+        </p:nvSpPr>
+        <p:spPr>
+          <a:xfrm>
+            <a:off x="4034122" y="986573"/>
+            <a:ext cx="4162870" cy="246221"/>
+          </a:xfrm>
+          <a:prstGeom prst="rect">
+            <a:avLst/>
+          </a:prstGeom>
+        </p:spPr>
+        <p:txBody>
+          <a:bodyPr wrap="square" lIns="0" tIns="0" rIns="0" bIns="0" anchor="t">
+            <a:spAutoFit/>
+          </a:bodyPr>
+          <a:lstStyle/>
+          <a:p>
+            <a:r>
+              <a:rPr lang="en-US" sz="1600" b="1" dirty="0">
+                <a:solidFill>
+                  <a:schemeClr val="tx1">
+                    <a:lumMod val="75000"/>
+                    <a:lumOff val="25000"/>
+                  </a:schemeClr>
+                </a:solidFill>
+                <a:cs typeface="Segoe UI" panose="020B0502040204020203" pitchFamily="34" charset="0"/>
+              </a:rPr>
+              <a:t>Testing</a:t>
+            </a:r>
+          </a:p>
+        </p:txBody>
+      </p:sp>
+      <p:pic>
+        <p:nvPicPr>
+          <p:cNvPr id="3" name="Picture 2">
+            <a:extLst>
+              <a:ext uri="{FF2B5EF4-FFF2-40B4-BE49-F238E27FC236}">
+                <a16:creationId xmlns:a16="http://schemas.microsoft.com/office/drawing/2014/main" id="{DC613B6D-B2E7-4648-B621-D68023E4B4C4}"/>
+              </a:ext>
+            </a:extLst>
+          </p:cNvPr>
+          <p:cNvPicPr>
+            <a:picLocks noChangeAspect="1"/>
+          </p:cNvPicPr>
+          <p:nvPr/>
+        </p:nvPicPr>
+        <p:blipFill>
+          <a:blip r:embed="rId3"/>
+          <a:stretch>
+            <a:fillRect/>
+          </a:stretch>
+        </p:blipFill>
+        <p:spPr>
+          <a:xfrm>
+            <a:off x="2044962" y="2824002"/>
+            <a:ext cx="8141190" cy="3085191"/>
+          </a:xfrm>
+          <a:prstGeom prst="rect">
+            <a:avLst/>
+          </a:prstGeom>
+        </p:spPr>
+      </p:pic>
+    </p:spTree>
+    <p:extLst>
+      <p:ext uri="{BB962C8B-B14F-4D97-AF65-F5344CB8AC3E}">
+        <p14:creationId xmlns:p14="http://schemas.microsoft.com/office/powerpoint/2010/main" val="2238262228"/>
+      </p:ext>
+    </p:extLst>
+  </p:cSld>
+  <p:clrMapOvr>
+    <a:masterClrMapping/>
+  </p:clrMapOvr>
+</p:sld>
+</file>
+
+<file path=ppt/slides/slide15.xml><?xml version="1.0" encoding="utf-8"?>
 <p:sld xmlns:a="http://schemas.openxmlformats.org/drawingml/2006/main" xmlns:r="http://schemas.openxmlformats.org/officeDocument/2006/relationships" xmlns:p="http://schemas.openxmlformats.org/presentationml/2006/main">
   <p:cSld>
     <p:spTree>
@@ -10088,7 +14119,7 @@
 </p:sld>
 </file>
 
-<file path=ppt/slides/slide11.xml><?xml version="1.0" encoding="utf-8"?>
+<file path=ppt/slides/slide16.xml><?xml version="1.0" encoding="utf-8"?>
 <p:sld xmlns:a="http://schemas.openxmlformats.org/drawingml/2006/main" xmlns:r="http://schemas.openxmlformats.org/officeDocument/2006/relationships" xmlns:p="http://schemas.openxmlformats.org/presentationml/2006/main" show="0">
   <p:cSld>
     <p:spTree>
@@ -11174,7 +15205,7 @@
 </p:sld>
 </file>
 
-<file path=ppt/slides/slide12.xml><?xml version="1.0" encoding="utf-8"?>
+<file path=ppt/slides/slide17.xml><?xml version="1.0" encoding="utf-8"?>
 <p:sld xmlns:a="http://schemas.openxmlformats.org/drawingml/2006/main" xmlns:r="http://schemas.openxmlformats.org/officeDocument/2006/relationships" xmlns:p="http://schemas.openxmlformats.org/presentationml/2006/main">
   <p:cSld>
     <p:bg>
@@ -17332,6 +21363,50 @@
       </p:grpSpPr>
       <p:sp>
         <p:nvSpPr>
+          <p:cNvPr id="2" name="Rectangle: Rounded Corners 1">
+            <a:extLst>
+              <a:ext uri="{FF2B5EF4-FFF2-40B4-BE49-F238E27FC236}">
+                <a16:creationId xmlns:a16="http://schemas.microsoft.com/office/drawing/2014/main" id="{3799444C-F719-4019-9ABE-994948658E74}"/>
+              </a:ext>
+            </a:extLst>
+          </p:cNvPr>
+          <p:cNvSpPr/>
+          <p:nvPr/>
+        </p:nvSpPr>
+        <p:spPr>
+          <a:xfrm>
+            <a:off x="159026" y="1278949"/>
+            <a:ext cx="5860774" cy="5108566"/>
+          </a:xfrm>
+          <a:prstGeom prst="roundRect">
+            <a:avLst/>
+          </a:prstGeom>
+        </p:spPr>
+        <p:style>
+          <a:lnRef idx="2">
+            <a:schemeClr val="accent6"/>
+          </a:lnRef>
+          <a:fillRef idx="1">
+            <a:schemeClr val="lt1"/>
+          </a:fillRef>
+          <a:effectRef idx="0">
+            <a:schemeClr val="accent6"/>
+          </a:effectRef>
+          <a:fontRef idx="minor">
+            <a:schemeClr val="dk1"/>
+          </a:fontRef>
+        </p:style>
+        <p:txBody>
+          <a:bodyPr rtlCol="0" anchor="ctr"/>
+          <a:lstStyle/>
+          <a:p>
+            <a:pPr algn="ctr"/>
+            <a:endParaRPr lang="en-AU"/>
+          </a:p>
+        </p:txBody>
+      </p:sp>
+      <p:sp>
+        <p:nvSpPr>
           <p:cNvPr id="7" name="Title 6" hidden="1">
             <a:extLst>
               <a:ext uri="{FF2B5EF4-FFF2-40B4-BE49-F238E27FC236}">
@@ -18189,8 +22264,8 @@
         </p:nvSpPr>
         <p:spPr>
           <a:xfrm>
-            <a:off x="4124888" y="3425025"/>
-            <a:ext cx="1371600" cy="492443"/>
+            <a:off x="4124888" y="3548136"/>
+            <a:ext cx="1371600" cy="246221"/>
           </a:xfrm>
           <a:prstGeom prst="rect">
             <a:avLst/>
@@ -18209,7 +22284,7 @@
                   <a:schemeClr val="bg1"/>
                 </a:solidFill>
               </a:rPr>
-              <a:t>Mashed Database</a:t>
+              <a:t>Merged Data</a:t>
             </a:r>
           </a:p>
         </p:txBody>
@@ -19062,7 +23137,7 @@
           <p:cNvPr id="7" name="Title 6" hidden="1">
             <a:extLst>
               <a:ext uri="{FF2B5EF4-FFF2-40B4-BE49-F238E27FC236}">
-                <a16:creationId xmlns:a16="http://schemas.microsoft.com/office/drawing/2014/main" id="{7C70995F-D8C5-410A-AA8B-1EE172A29454}"/>
+                <a16:creationId xmlns:a16="http://schemas.microsoft.com/office/drawing/2014/main" id="{ED2F5393-91A3-4102-A584-E902285C507A}"/>
               </a:ext>
             </a:extLst>
           </p:cNvPr>
@@ -19085,7 +23160,7 @@
           <a:p>
             <a:r>
               <a:rPr lang="en-US" dirty="0"/>
-              <a:t>Project analysis slide 10</a:t>
+              <a:t>Project analysis slide 4</a:t>
             </a:r>
           </a:p>
         </p:txBody>
@@ -19109,8 +23184,8 @@
         </p:nvCxnSpPr>
         <p:spPr>
           <a:xfrm>
-            <a:off x="8791575" y="522898"/>
-            <a:ext cx="3400425" cy="0"/>
+            <a:off x="8105775" y="522898"/>
+            <a:ext cx="4086225" cy="0"/>
           </a:xfrm>
           <a:prstGeom prst="line">
             <a:avLst/>
@@ -19156,7 +23231,7 @@
         <p:spPr>
           <a:xfrm>
             <a:off x="228600" y="190500"/>
-            <a:ext cx="11734800" cy="664797"/>
+            <a:ext cx="11734800" cy="775597"/>
           </a:xfrm>
           <a:prstGeom prst="rect">
             <a:avLst/>
@@ -19196,7 +23271,7 @@
                   </a:schemeClr>
                 </a:solidFill>
               </a:rPr>
-              <a:t>What makes a Triple J Winner?</a:t>
+              <a:t>Data Framework</a:t>
             </a:r>
             <a:br>
               <a:rPr lang="en-US" sz="2800" dirty="0">
@@ -19208,17 +23283,6 @@
                 </a:solidFill>
               </a:rPr>
             </a:br>
-            <a:r>
-              <a:rPr lang="en-US" sz="2000" dirty="0">
-                <a:solidFill>
-                  <a:schemeClr val="tx1">
-                    <a:lumMod val="75000"/>
-                    <a:lumOff val="25000"/>
-                  </a:schemeClr>
-                </a:solidFill>
-              </a:rPr>
-              <a:t> </a:t>
-            </a:r>
             <a:endParaRPr lang="en-US" sz="2800" dirty="0">
               <a:solidFill>
                 <a:schemeClr val="tx1">
@@ -19250,7 +23314,7 @@
         <p:spPr>
           <a:xfrm>
             <a:off x="0" y="522898"/>
-            <a:ext cx="3276600" cy="0"/>
+            <a:ext cx="4086225" cy="0"/>
           </a:xfrm>
           <a:prstGeom prst="line">
             <a:avLst/>
@@ -19279,133 +23343,140 @@
           </a:fontRef>
         </p:style>
       </p:cxnSp>
-      <p:sp>
-        <p:nvSpPr>
-          <p:cNvPr id="12" name="Rectangle 11">
-            <a:extLst>
-              <a:ext uri="{FF2B5EF4-FFF2-40B4-BE49-F238E27FC236}">
-                <a16:creationId xmlns:a16="http://schemas.microsoft.com/office/drawing/2014/main" id="{690C1A7A-78BB-48B4-B5CE-2B9C34E5E67B}"/>
-              </a:ext>
-            </a:extLst>
-          </p:cNvPr>
-          <p:cNvSpPr/>
+      <p:pic>
+        <p:nvPicPr>
+          <p:cNvPr id="9" name="Picture 8">
+            <a:extLst>
+              <a:ext uri="{FF2B5EF4-FFF2-40B4-BE49-F238E27FC236}">
+                <a16:creationId xmlns:a16="http://schemas.microsoft.com/office/drawing/2014/main" id="{F38D23E0-90B3-43E4-82DA-493418211304}"/>
+              </a:ext>
+            </a:extLst>
+          </p:cNvPr>
+          <p:cNvPicPr>
+            <a:picLocks noChangeAspect="1"/>
+          </p:cNvPicPr>
           <p:nvPr/>
-        </p:nvSpPr>
+        </p:nvPicPr>
+        <p:blipFill rotWithShape="1">
+          <a:blip r:embed="rId3"/>
+          <a:srcRect b="20462"/>
+          <a:stretch/>
+        </p:blipFill>
         <p:spPr>
           <a:xfrm>
-            <a:off x="4452257" y="1222065"/>
-            <a:ext cx="3853543" cy="954364"/>
+            <a:off x="3211586" y="2167424"/>
+            <a:ext cx="1584725" cy="2779473"/>
           </a:xfrm>
           <a:prstGeom prst="rect">
             <a:avLst/>
           </a:prstGeom>
         </p:spPr>
+      </p:pic>
+      <p:sp>
+        <p:nvSpPr>
+          <p:cNvPr id="16" name="TextBox 15">
+            <a:extLst>
+              <a:ext uri="{FF2B5EF4-FFF2-40B4-BE49-F238E27FC236}">
+                <a16:creationId xmlns:a16="http://schemas.microsoft.com/office/drawing/2014/main" id="{C0D7C618-C0D0-4E1D-B20E-A44FE87C2D5B}"/>
+              </a:ext>
+            </a:extLst>
+          </p:cNvPr>
+          <p:cNvSpPr txBox="1"/>
+          <p:nvPr/>
+        </p:nvSpPr>
+        <p:spPr>
+          <a:xfrm>
+            <a:off x="3211586" y="1694317"/>
+            <a:ext cx="1595309" cy="369332"/>
+          </a:xfrm>
+          <a:prstGeom prst="rect">
+            <a:avLst/>
+          </a:prstGeom>
+          <a:noFill/>
+        </p:spPr>
         <p:txBody>
-          <a:bodyPr wrap="square" lIns="0" tIns="0" rIns="0" bIns="0" anchor="t">
+          <a:bodyPr wrap="none" rtlCol="0">
             <a:spAutoFit/>
           </a:bodyPr>
           <a:lstStyle/>
           <a:p>
-            <a:pPr algn="ctr">
-              <a:lnSpc>
-                <a:spcPts val="1900"/>
-              </a:lnSpc>
-            </a:pPr>
-            <a:r>
-              <a:rPr lang="en-US" sz="1400" dirty="0">
-                <a:cs typeface="Segoe UI" panose="020B0502040204020203" pitchFamily="34" charset="0"/>
-              </a:rPr>
-              <a:t>Compared danceability and valence for each years winner against the runner ups. A single sample t-test will show whether danceability or valence is correlated with a song being a winner</a:t>
-            </a:r>
-            <a:r>
-              <a:rPr lang="en-US" sz="1400" dirty="0">
-                <a:solidFill>
-                  <a:srgbClr val="FF0000"/>
-                </a:solidFill>
-                <a:cs typeface="Segoe UI" panose="020B0502040204020203" pitchFamily="34" charset="0"/>
-              </a:rPr>
-              <a:t>.</a:t>
+            <a:r>
+              <a:rPr lang="en-AU" dirty="0"/>
+              <a:t>Triple J dataset</a:t>
             </a:r>
           </a:p>
         </p:txBody>
       </p:sp>
-      <p:sp>
-        <p:nvSpPr>
-          <p:cNvPr id="13" name="Rectangle 12">
-            <a:extLst>
-              <a:ext uri="{FF2B5EF4-FFF2-40B4-BE49-F238E27FC236}">
-                <a16:creationId xmlns:a16="http://schemas.microsoft.com/office/drawing/2014/main" id="{53CF038C-66AF-4E81-9068-703EC0088620}"/>
-              </a:ext>
-            </a:extLst>
-          </p:cNvPr>
-          <p:cNvSpPr/>
+      <p:pic>
+        <p:nvPicPr>
+          <p:cNvPr id="18" name="Picture 17">
+            <a:extLst>
+              <a:ext uri="{FF2B5EF4-FFF2-40B4-BE49-F238E27FC236}">
+                <a16:creationId xmlns:a16="http://schemas.microsoft.com/office/drawing/2014/main" id="{3BE80708-2F4F-4340-9C3D-5A183C1F8FF5}"/>
+              </a:ext>
+            </a:extLst>
+          </p:cNvPr>
+          <p:cNvPicPr>
+            <a:picLocks noChangeAspect="1"/>
+          </p:cNvPicPr>
           <p:nvPr/>
-        </p:nvSpPr>
+        </p:nvPicPr>
+        <p:blipFill rotWithShape="1">
+          <a:blip r:embed="rId4"/>
+          <a:srcRect b="19158"/>
+          <a:stretch/>
+        </p:blipFill>
         <p:spPr>
           <a:xfrm>
-            <a:off x="8203039" y="1197674"/>
-            <a:ext cx="3528332" cy="710707"/>
+            <a:off x="6576060" y="2109895"/>
+            <a:ext cx="1405519" cy="3123313"/>
           </a:xfrm>
           <a:prstGeom prst="rect">
             <a:avLst/>
           </a:prstGeom>
         </p:spPr>
+      </p:pic>
+      <p:sp>
+        <p:nvSpPr>
+          <p:cNvPr id="47" name="TextBox 46">
+            <a:extLst>
+              <a:ext uri="{FF2B5EF4-FFF2-40B4-BE49-F238E27FC236}">
+                <a16:creationId xmlns:a16="http://schemas.microsoft.com/office/drawing/2014/main" id="{64E8D467-41BB-4A36-AD97-ACB5FA65067F}"/>
+              </a:ext>
+            </a:extLst>
+          </p:cNvPr>
+          <p:cNvSpPr txBox="1"/>
+          <p:nvPr/>
+        </p:nvSpPr>
+        <p:spPr>
+          <a:xfrm>
+            <a:off x="6366329" y="1624792"/>
+            <a:ext cx="1615250" cy="369332"/>
+          </a:xfrm>
+          <a:prstGeom prst="rect">
+            <a:avLst/>
+          </a:prstGeom>
+          <a:noFill/>
+        </p:spPr>
         <p:txBody>
-          <a:bodyPr wrap="square" lIns="0" tIns="0" rIns="0" bIns="0" anchor="t">
+          <a:bodyPr wrap="none" rtlCol="0">
             <a:spAutoFit/>
           </a:bodyPr>
           <a:lstStyle/>
           <a:p>
-            <a:pPr algn="ctr">
-              <a:lnSpc>
-                <a:spcPts val="1900"/>
-              </a:lnSpc>
-            </a:pPr>
-            <a:r>
-              <a:rPr lang="en-US" sz="1400" dirty="0">
-                <a:solidFill>
-                  <a:schemeClr val="tx1">
-                    <a:lumMod val="75000"/>
-                    <a:lumOff val="25000"/>
-                  </a:schemeClr>
-                </a:solidFill>
-                <a:cs typeface="Segoe UI" panose="020B0502040204020203" pitchFamily="34" charset="0"/>
-              </a:rPr>
-              <a:t>Neither valence or danceability have shown to be related to a song being a winner within the </a:t>
-            </a:r>
-            <a:r>
-              <a:rPr lang="en-US" sz="1400" dirty="0" err="1">
-                <a:solidFill>
-                  <a:schemeClr val="tx1">
-                    <a:lumMod val="75000"/>
-                    <a:lumOff val="25000"/>
-                  </a:schemeClr>
-                </a:solidFill>
-                <a:cs typeface="Segoe UI" panose="020B0502040204020203" pitchFamily="34" charset="0"/>
-              </a:rPr>
-              <a:t>analysed</a:t>
-            </a:r>
-            <a:r>
-              <a:rPr lang="en-US" sz="1400" dirty="0">
-                <a:solidFill>
-                  <a:schemeClr val="tx1">
-                    <a:lumMod val="75000"/>
-                    <a:lumOff val="25000"/>
-                  </a:schemeClr>
-                </a:solidFill>
-                <a:cs typeface="Segoe UI" panose="020B0502040204020203" pitchFamily="34" charset="0"/>
-              </a:rPr>
-              <a:t> timeframe.</a:t>
+            <a:r>
+              <a:rPr lang="en-AU" dirty="0"/>
+              <a:t>Spotify dataset</a:t>
             </a:r>
           </a:p>
         </p:txBody>
       </p:sp>
       <p:sp>
         <p:nvSpPr>
-          <p:cNvPr id="27" name="Rectangle 26">
-            <a:extLst>
-              <a:ext uri="{FF2B5EF4-FFF2-40B4-BE49-F238E27FC236}">
-                <a16:creationId xmlns:a16="http://schemas.microsoft.com/office/drawing/2014/main" id="{8B9D6654-5A8B-4A3E-B65B-E6BEC7BC3E92}"/>
+          <p:cNvPr id="51" name="Rectangle: Rounded Corners 50">
+            <a:extLst>
+              <a:ext uri="{FF2B5EF4-FFF2-40B4-BE49-F238E27FC236}">
+                <a16:creationId xmlns:a16="http://schemas.microsoft.com/office/drawing/2014/main" id="{17C643BC-AA59-4B95-ACF7-8E297A26AF5F}"/>
               </a:ext>
             </a:extLst>
           </p:cNvPr>
@@ -19414,82 +23485,522 @@
         </p:nvSpPr>
         <p:spPr>
           <a:xfrm>
-            <a:off x="8311713" y="939924"/>
-            <a:ext cx="4162870" cy="246221"/>
-          </a:xfrm>
-          <a:prstGeom prst="rect">
+            <a:off x="2972257" y="3557161"/>
+            <a:ext cx="2073965" cy="369332"/>
+          </a:xfrm>
+          <a:prstGeom prst="roundRect">
+            <a:avLst>
+              <a:gd name="adj" fmla="val 50000"/>
+            </a:avLst>
+          </a:prstGeom>
+          <a:solidFill>
+            <a:schemeClr val="accent5">
+              <a:lumMod val="60000"/>
+              <a:lumOff val="40000"/>
+              <a:alpha val="20000"/>
+            </a:schemeClr>
+          </a:solidFill>
+        </p:spPr>
+        <p:style>
+          <a:lnRef idx="2">
+            <a:schemeClr val="accent1">
+              <a:shade val="50000"/>
+            </a:schemeClr>
+          </a:lnRef>
+          <a:fillRef idx="1">
+            <a:schemeClr val="accent1"/>
+          </a:fillRef>
+          <a:effectRef idx="0">
+            <a:schemeClr val="accent1"/>
+          </a:effectRef>
+          <a:fontRef idx="minor">
+            <a:schemeClr val="lt1"/>
+          </a:fontRef>
+        </p:style>
+        <p:txBody>
+          <a:bodyPr rtlCol="0" anchor="ctr"/>
+          <a:lstStyle/>
+          <a:p>
+            <a:pPr algn="ctr"/>
+            <a:endParaRPr lang="en-AU"/>
+          </a:p>
+        </p:txBody>
+      </p:sp>
+      <p:sp>
+        <p:nvSpPr>
+          <p:cNvPr id="52" name="Rectangle: Rounded Corners 51">
+            <a:extLst>
+              <a:ext uri="{FF2B5EF4-FFF2-40B4-BE49-F238E27FC236}">
+                <a16:creationId xmlns:a16="http://schemas.microsoft.com/office/drawing/2014/main" id="{537C6AAC-C6BD-48D4-B46D-BA998DC26B8E}"/>
+              </a:ext>
+            </a:extLst>
+          </p:cNvPr>
+          <p:cNvSpPr/>
+          <p:nvPr/>
+        </p:nvSpPr>
+        <p:spPr>
+          <a:xfrm>
+            <a:off x="6241835" y="3121021"/>
+            <a:ext cx="2073965" cy="369332"/>
+          </a:xfrm>
+          <a:prstGeom prst="roundRect">
+            <a:avLst>
+              <a:gd name="adj" fmla="val 50000"/>
+            </a:avLst>
+          </a:prstGeom>
+          <a:solidFill>
+            <a:schemeClr val="accent5">
+              <a:lumMod val="60000"/>
+              <a:lumOff val="40000"/>
+              <a:alpha val="20000"/>
+            </a:schemeClr>
+          </a:solidFill>
+        </p:spPr>
+        <p:style>
+          <a:lnRef idx="2">
+            <a:schemeClr val="accent1">
+              <a:shade val="50000"/>
+            </a:schemeClr>
+          </a:lnRef>
+          <a:fillRef idx="1">
+            <a:schemeClr val="accent1"/>
+          </a:fillRef>
+          <a:effectRef idx="0">
+            <a:schemeClr val="accent1"/>
+          </a:effectRef>
+          <a:fontRef idx="minor">
+            <a:schemeClr val="lt1"/>
+          </a:fontRef>
+        </p:style>
+        <p:txBody>
+          <a:bodyPr rtlCol="0" anchor="ctr"/>
+          <a:lstStyle/>
+          <a:p>
+            <a:pPr algn="ctr"/>
+            <a:endParaRPr lang="en-AU"/>
+          </a:p>
+        </p:txBody>
+      </p:sp>
+      <p:sp>
+        <p:nvSpPr>
+          <p:cNvPr id="55" name="Rectangle: Rounded Corners 54">
+            <a:extLst>
+              <a:ext uri="{FF2B5EF4-FFF2-40B4-BE49-F238E27FC236}">
+                <a16:creationId xmlns:a16="http://schemas.microsoft.com/office/drawing/2014/main" id="{095B1B90-6B3E-4959-96D7-70AD8547E67E}"/>
+              </a:ext>
+            </a:extLst>
+          </p:cNvPr>
+          <p:cNvSpPr/>
+          <p:nvPr/>
+        </p:nvSpPr>
+        <p:spPr>
+          <a:xfrm>
+            <a:off x="2978246" y="3167200"/>
+            <a:ext cx="2073965" cy="369332"/>
+          </a:xfrm>
+          <a:prstGeom prst="roundRect">
+            <a:avLst>
+              <a:gd name="adj" fmla="val 50000"/>
+            </a:avLst>
+          </a:prstGeom>
+          <a:solidFill>
+            <a:srgbClr val="92D050">
+              <a:alpha val="20000"/>
+            </a:srgbClr>
+          </a:solidFill>
+        </p:spPr>
+        <p:style>
+          <a:lnRef idx="2">
+            <a:schemeClr val="accent1">
+              <a:shade val="50000"/>
+            </a:schemeClr>
+          </a:lnRef>
+          <a:fillRef idx="1">
+            <a:schemeClr val="accent1"/>
+          </a:fillRef>
+          <a:effectRef idx="0">
+            <a:schemeClr val="accent1"/>
+          </a:effectRef>
+          <a:fontRef idx="minor">
+            <a:schemeClr val="lt1"/>
+          </a:fontRef>
+        </p:style>
+        <p:txBody>
+          <a:bodyPr rtlCol="0" anchor="ctr"/>
+          <a:lstStyle/>
+          <a:p>
+            <a:pPr algn="ctr"/>
+            <a:r>
+              <a:rPr lang="en-AU" dirty="0"/>
+              <a:t>`</a:t>
+            </a:r>
+          </a:p>
+        </p:txBody>
+      </p:sp>
+      <p:sp>
+        <p:nvSpPr>
+          <p:cNvPr id="56" name="Rectangle: Rounded Corners 55">
+            <a:extLst>
+              <a:ext uri="{FF2B5EF4-FFF2-40B4-BE49-F238E27FC236}">
+                <a16:creationId xmlns:a16="http://schemas.microsoft.com/office/drawing/2014/main" id="{A7C7130C-3A06-45DA-B8CD-FF452BD08DF1}"/>
+              </a:ext>
+            </a:extLst>
+          </p:cNvPr>
+          <p:cNvSpPr/>
+          <p:nvPr/>
+        </p:nvSpPr>
+        <p:spPr>
+          <a:xfrm>
+            <a:off x="6241835" y="2732133"/>
+            <a:ext cx="2073965" cy="369332"/>
+          </a:xfrm>
+          <a:prstGeom prst="roundRect">
+            <a:avLst>
+              <a:gd name="adj" fmla="val 50000"/>
+            </a:avLst>
+          </a:prstGeom>
+          <a:solidFill>
+            <a:srgbClr val="92D050">
+              <a:alpha val="20000"/>
+            </a:srgbClr>
+          </a:solidFill>
+        </p:spPr>
+        <p:style>
+          <a:lnRef idx="2">
+            <a:schemeClr val="accent1">
+              <a:shade val="50000"/>
+            </a:schemeClr>
+          </a:lnRef>
+          <a:fillRef idx="1">
+            <a:schemeClr val="accent1"/>
+          </a:fillRef>
+          <a:effectRef idx="0">
+            <a:schemeClr val="accent1"/>
+          </a:effectRef>
+          <a:fontRef idx="minor">
+            <a:schemeClr val="lt1"/>
+          </a:fontRef>
+        </p:style>
+        <p:txBody>
+          <a:bodyPr rtlCol="0" anchor="ctr"/>
+          <a:lstStyle/>
+          <a:p>
+            <a:pPr algn="ctr"/>
+            <a:endParaRPr lang="en-AU"/>
+          </a:p>
+        </p:txBody>
+      </p:sp>
+      <p:graphicFrame>
+        <p:nvGraphicFramePr>
+          <p:cNvPr id="44" name="Object 43">
+            <a:extLst>
+              <a:ext uri="{FF2B5EF4-FFF2-40B4-BE49-F238E27FC236}">
+                <a16:creationId xmlns:a16="http://schemas.microsoft.com/office/drawing/2014/main" id="{5DE7A60D-40D0-4587-86D4-7CCAF1D84512}"/>
+              </a:ext>
+            </a:extLst>
+          </p:cNvPr>
+          <p:cNvGraphicFramePr>
+            <a:graphicFrameLocks noChangeAspect="1"/>
+          </p:cNvGraphicFramePr>
+          <p:nvPr/>
+        </p:nvGraphicFramePr>
+        <p:xfrm>
+          <a:off x="399921" y="3825382"/>
+          <a:ext cx="1817089" cy="1638133"/>
+        </p:xfrm>
+        <a:graphic>
+          <a:graphicData uri="http://schemas.openxmlformats.org/presentationml/2006/ole">
+            <mc:AlternateContent xmlns:mc="http://schemas.openxmlformats.org/markup-compatibility/2006">
+              <mc:Choice xmlns:v="urn:schemas-microsoft-com:vml" Requires="v">
+                <p:oleObj name="Image" r:id="rId5" imgW="1676160" imgH="1510920" progId="Photoshop.Image.13">
+                  <p:embed/>
+                </p:oleObj>
+              </mc:Choice>
+              <mc:Fallback>
+                <p:oleObj name="Image" r:id="rId5" imgW="1676160" imgH="1510920" progId="Photoshop.Image.13">
+                  <p:embed/>
+                  <p:pic>
+                    <p:nvPicPr>
+                      <p:cNvPr id="44" name="Object 43">
+                        <a:extLst>
+                          <a:ext uri="{FF2B5EF4-FFF2-40B4-BE49-F238E27FC236}">
+                            <a16:creationId xmlns:a16="http://schemas.microsoft.com/office/drawing/2014/main" id="{5DE7A60D-40D0-4587-86D4-7CCAF1D84512}"/>
+                          </a:ext>
+                        </a:extLst>
+                      </p:cNvPr>
+                      <p:cNvPicPr/>
+                      <p:nvPr/>
+                    </p:nvPicPr>
+                    <p:blipFill>
+                      <a:blip r:embed="rId6"/>
+                      <a:stretch>
+                        <a:fillRect/>
+                      </a:stretch>
+                    </p:blipFill>
+                    <p:spPr>
+                      <a:xfrm>
+                        <a:off x="399921" y="3825382"/>
+                        <a:ext cx="1817089" cy="1638133"/>
+                      </a:xfrm>
+                      <a:prstGeom prst="rect">
+                        <a:avLst/>
+                      </a:prstGeom>
+                      <a:ln>
+                        <a:solidFill>
+                          <a:schemeClr val="accent1"/>
+                        </a:solidFill>
+                      </a:ln>
+                    </p:spPr>
+                  </p:pic>
+                </p:oleObj>
+              </mc:Fallback>
+            </mc:AlternateContent>
+          </a:graphicData>
+        </a:graphic>
+      </p:graphicFrame>
+      <p:graphicFrame>
+        <p:nvGraphicFramePr>
+          <p:cNvPr id="45" name="Object 44">
+            <a:extLst>
+              <a:ext uri="{FF2B5EF4-FFF2-40B4-BE49-F238E27FC236}">
+                <a16:creationId xmlns:a16="http://schemas.microsoft.com/office/drawing/2014/main" id="{4EA11B65-32B4-4A48-9F34-F9D32F061EB2}"/>
+              </a:ext>
+            </a:extLst>
+          </p:cNvPr>
+          <p:cNvGraphicFramePr>
+            <a:graphicFrameLocks noChangeAspect="1"/>
+          </p:cNvGraphicFramePr>
+          <p:nvPr/>
+        </p:nvGraphicFramePr>
+        <p:xfrm>
+          <a:off x="345737" y="1282259"/>
+          <a:ext cx="1925459" cy="1522600"/>
+        </p:xfrm>
+        <a:graphic>
+          <a:graphicData uri="http://schemas.openxmlformats.org/presentationml/2006/ole">
+            <mc:AlternateContent xmlns:mc="http://schemas.openxmlformats.org/markup-compatibility/2006">
+              <mc:Choice xmlns:v="urn:schemas-microsoft-com:vml" Requires="v">
+                <p:oleObj name="Image" r:id="rId7" imgW="2247480" imgH="1777680" progId="Photoshop.Image.13">
+                  <p:embed/>
+                </p:oleObj>
+              </mc:Choice>
+              <mc:Fallback>
+                <p:oleObj name="Image" r:id="rId7" imgW="2247480" imgH="1777680" progId="Photoshop.Image.13">
+                  <p:embed/>
+                  <p:pic>
+                    <p:nvPicPr>
+                      <p:cNvPr id="45" name="Object 44">
+                        <a:extLst>
+                          <a:ext uri="{FF2B5EF4-FFF2-40B4-BE49-F238E27FC236}">
+                            <a16:creationId xmlns:a16="http://schemas.microsoft.com/office/drawing/2014/main" id="{4EA11B65-32B4-4A48-9F34-F9D32F061EB2}"/>
+                          </a:ext>
+                        </a:extLst>
+                      </p:cNvPr>
+                      <p:cNvPicPr/>
+                      <p:nvPr/>
+                    </p:nvPicPr>
+                    <p:blipFill>
+                      <a:blip r:embed="rId8"/>
+                      <a:stretch>
+                        <a:fillRect/>
+                      </a:stretch>
+                    </p:blipFill>
+                    <p:spPr>
+                      <a:xfrm>
+                        <a:off x="345737" y="1282259"/>
+                        <a:ext cx="1925459" cy="1522600"/>
+                      </a:xfrm>
+                      <a:prstGeom prst="rect">
+                        <a:avLst/>
+                      </a:prstGeom>
+                      <a:ln>
+                        <a:solidFill>
+                          <a:schemeClr val="accent1"/>
+                        </a:solidFill>
+                      </a:ln>
+                    </p:spPr>
+                  </p:pic>
+                </p:oleObj>
+              </mc:Fallback>
+            </mc:AlternateContent>
+          </a:graphicData>
+        </a:graphic>
+      </p:graphicFrame>
+      <p:cxnSp>
+        <p:nvCxnSpPr>
+          <p:cNvPr id="3" name="Straight Arrow Connector 2">
+            <a:extLst>
+              <a:ext uri="{FF2B5EF4-FFF2-40B4-BE49-F238E27FC236}">
+                <a16:creationId xmlns:a16="http://schemas.microsoft.com/office/drawing/2014/main" id="{9011A9C2-17F3-44C0-9F8A-799B5CA707D5}"/>
+              </a:ext>
+            </a:extLst>
+          </p:cNvPr>
+          <p:cNvCxnSpPr>
+            <a:stCxn id="55" idx="1"/>
+          </p:cNvCxnSpPr>
+          <p:nvPr/>
+        </p:nvCxnSpPr>
+        <p:spPr>
+          <a:xfrm flipH="1" flipV="1">
+            <a:off x="2271196" y="2043559"/>
+            <a:ext cx="707050" cy="1308307"/>
+          </a:xfrm>
+          <a:prstGeom prst="straightConnector1">
             <a:avLst/>
           </a:prstGeom>
-        </p:spPr>
-        <p:txBody>
-          <a:bodyPr wrap="square" lIns="0" tIns="0" rIns="0" bIns="0" anchor="t">
-            <a:spAutoFit/>
-          </a:bodyPr>
-          <a:lstStyle/>
-          <a:p>
-            <a:r>
-              <a:rPr lang="en-US" sz="1600" b="1" dirty="0">
-                <a:solidFill>
-                  <a:schemeClr val="tx1">
-                    <a:lumMod val="75000"/>
-                    <a:lumOff val="25000"/>
-                  </a:schemeClr>
-                </a:solidFill>
-                <a:cs typeface="Segoe UI" panose="020B0502040204020203" pitchFamily="34" charset="0"/>
-              </a:rPr>
-              <a:t>Conclusion</a:t>
-            </a:r>
-          </a:p>
-        </p:txBody>
-      </p:sp>
-      <p:sp>
-        <p:nvSpPr>
-          <p:cNvPr id="28" name="Rectangle 27">
-            <a:extLst>
-              <a:ext uri="{FF2B5EF4-FFF2-40B4-BE49-F238E27FC236}">
-                <a16:creationId xmlns:a16="http://schemas.microsoft.com/office/drawing/2014/main" id="{A4EE4EF6-1BD1-4EE8-8C26-1356267F05F1}"/>
-              </a:ext>
-            </a:extLst>
-          </p:cNvPr>
-          <p:cNvSpPr/>
+          <a:ln>
+            <a:tailEnd type="triangle"/>
+          </a:ln>
+        </p:spPr>
+        <p:style>
+          <a:lnRef idx="1">
+            <a:schemeClr val="accent1"/>
+          </a:lnRef>
+          <a:fillRef idx="0">
+            <a:schemeClr val="accent1"/>
+          </a:fillRef>
+          <a:effectRef idx="0">
+            <a:schemeClr val="accent1"/>
+          </a:effectRef>
+          <a:fontRef idx="minor">
+            <a:schemeClr val="tx1"/>
+          </a:fontRef>
+        </p:style>
+      </p:cxnSp>
+      <p:cxnSp>
+        <p:nvCxnSpPr>
+          <p:cNvPr id="5" name="Straight Arrow Connector 4">
+            <a:extLst>
+              <a:ext uri="{FF2B5EF4-FFF2-40B4-BE49-F238E27FC236}">
+                <a16:creationId xmlns:a16="http://schemas.microsoft.com/office/drawing/2014/main" id="{254C7616-1507-4812-9987-1EDF2F0B1086}"/>
+              </a:ext>
+            </a:extLst>
+          </p:cNvPr>
+          <p:cNvCxnSpPr>
+            <a:stCxn id="51" idx="1"/>
+            <a:endCxn id="44" idx="3"/>
+          </p:cNvCxnSpPr>
           <p:nvPr/>
-        </p:nvSpPr>
+        </p:nvCxnSpPr>
+        <p:spPr>
+          <a:xfrm flipH="1">
+            <a:off x="2217010" y="3741827"/>
+            <a:ext cx="755247" cy="902621"/>
+          </a:xfrm>
+          <a:prstGeom prst="straightConnector1">
+            <a:avLst/>
+          </a:prstGeom>
+          <a:ln>
+            <a:tailEnd type="triangle"/>
+          </a:ln>
+        </p:spPr>
+        <p:style>
+          <a:lnRef idx="1">
+            <a:schemeClr val="accent1"/>
+          </a:lnRef>
+          <a:fillRef idx="0">
+            <a:schemeClr val="accent1"/>
+          </a:fillRef>
+          <a:effectRef idx="0">
+            <a:schemeClr val="accent1"/>
+          </a:effectRef>
+          <a:fontRef idx="minor">
+            <a:schemeClr val="tx1"/>
+          </a:fontRef>
+        </p:style>
+      </p:cxnSp>
+      <p:cxnSp>
+        <p:nvCxnSpPr>
+          <p:cNvPr id="10" name="Straight Arrow Connector 9">
+            <a:extLst>
+              <a:ext uri="{FF2B5EF4-FFF2-40B4-BE49-F238E27FC236}">
+                <a16:creationId xmlns:a16="http://schemas.microsoft.com/office/drawing/2014/main" id="{3B37F577-1CC6-464F-B833-593EAC424153}"/>
+              </a:ext>
+            </a:extLst>
+          </p:cNvPr>
+          <p:cNvCxnSpPr>
+            <a:cxnSpLocks/>
+            <a:stCxn id="56" idx="3"/>
+            <a:endCxn id="22" idx="1"/>
+          </p:cNvCxnSpPr>
+          <p:nvPr/>
+        </p:nvCxnSpPr>
+        <p:spPr>
+          <a:xfrm flipV="1">
+            <a:off x="8315800" y="1878983"/>
+            <a:ext cx="707050" cy="1037816"/>
+          </a:xfrm>
+          <a:prstGeom prst="straightConnector1">
+            <a:avLst/>
+          </a:prstGeom>
+          <a:ln>
+            <a:tailEnd type="triangle"/>
+          </a:ln>
+        </p:spPr>
+        <p:style>
+          <a:lnRef idx="1">
+            <a:schemeClr val="accent1"/>
+          </a:lnRef>
+          <a:fillRef idx="0">
+            <a:schemeClr val="accent1"/>
+          </a:fillRef>
+          <a:effectRef idx="0">
+            <a:schemeClr val="accent1"/>
+          </a:effectRef>
+          <a:fontRef idx="minor">
+            <a:schemeClr val="tx1"/>
+          </a:fontRef>
+        </p:style>
+      </p:cxnSp>
+      <p:cxnSp>
+        <p:nvCxnSpPr>
+          <p:cNvPr id="15" name="Straight Arrow Connector 14">
+            <a:extLst>
+              <a:ext uri="{FF2B5EF4-FFF2-40B4-BE49-F238E27FC236}">
+                <a16:creationId xmlns:a16="http://schemas.microsoft.com/office/drawing/2014/main" id="{061D5069-1954-4F4B-B097-987B7E6BB3FC}"/>
+              </a:ext>
+            </a:extLst>
+          </p:cNvPr>
+          <p:cNvCxnSpPr>
+            <a:cxnSpLocks/>
+            <a:stCxn id="52" idx="3"/>
+            <a:endCxn id="28" idx="1"/>
+          </p:cNvCxnSpPr>
+          <p:nvPr/>
+        </p:nvCxnSpPr>
         <p:spPr>
           <a:xfrm>
-            <a:off x="4628705" y="937718"/>
-            <a:ext cx="4162870" cy="246221"/>
-          </a:xfrm>
-          <a:prstGeom prst="rect">
+            <a:off x="8315800" y="3305687"/>
+            <a:ext cx="707050" cy="1419059"/>
+          </a:xfrm>
+          <a:prstGeom prst="straightConnector1">
             <a:avLst/>
           </a:prstGeom>
-        </p:spPr>
-        <p:txBody>
-          <a:bodyPr wrap="square" lIns="0" tIns="0" rIns="0" bIns="0" anchor="t">
-            <a:spAutoFit/>
-          </a:bodyPr>
-          <a:lstStyle/>
-          <a:p>
-            <a:r>
-              <a:rPr lang="en-US" sz="1600" b="1" dirty="0">
-                <a:solidFill>
-                  <a:schemeClr val="tx1">
-                    <a:lumMod val="75000"/>
-                    <a:lumOff val="25000"/>
-                  </a:schemeClr>
-                </a:solidFill>
-                <a:cs typeface="Segoe UI" panose="020B0502040204020203" pitchFamily="34" charset="0"/>
-              </a:rPr>
-              <a:t>Testing</a:t>
-            </a:r>
-          </a:p>
-        </p:txBody>
-      </p:sp>
+          <a:ln>
+            <a:tailEnd type="triangle"/>
+          </a:ln>
+        </p:spPr>
+        <p:style>
+          <a:lnRef idx="1">
+            <a:schemeClr val="accent1"/>
+          </a:lnRef>
+          <a:fillRef idx="0">
+            <a:schemeClr val="accent1"/>
+          </a:fillRef>
+          <a:effectRef idx="0">
+            <a:schemeClr val="accent1"/>
+          </a:effectRef>
+          <a:fontRef idx="minor">
+            <a:schemeClr val="tx1"/>
+          </a:fontRef>
+        </p:style>
+      </p:cxnSp>
       <p:pic>
         <p:nvPicPr>
-          <p:cNvPr id="3" name="Picture 2">
-            <a:extLst>
-              <a:ext uri="{FF2B5EF4-FFF2-40B4-BE49-F238E27FC236}">
-                <a16:creationId xmlns:a16="http://schemas.microsoft.com/office/drawing/2014/main" id="{A83ECEA6-83B7-4970-A3E9-E1E34950486E}"/>
+          <p:cNvPr id="22" name="Picture 21">
+            <a:extLst>
+              <a:ext uri="{FF2B5EF4-FFF2-40B4-BE49-F238E27FC236}">
+                <a16:creationId xmlns:a16="http://schemas.microsoft.com/office/drawing/2014/main" id="{69CB025E-A746-492E-A75A-39888F2A54E8}"/>
               </a:ext>
             </a:extLst>
           </p:cNvPr>
@@ -19499,116 +24010,32 @@
           <p:nvPr/>
         </p:nvPicPr>
         <p:blipFill>
-          <a:blip r:embed="rId3"/>
+          <a:blip r:embed="rId9"/>
           <a:stretch>
             <a:fillRect/>
           </a:stretch>
         </p:blipFill>
         <p:spPr>
           <a:xfrm>
-            <a:off x="1351634" y="2337950"/>
-            <a:ext cx="9136559" cy="1680287"/>
+            <a:off x="9022850" y="727610"/>
+            <a:ext cx="2941693" cy="2302745"/>
           </a:xfrm>
           <a:prstGeom prst="rect">
             <a:avLst/>
           </a:prstGeom>
+          <a:ln>
+            <a:solidFill>
+              <a:schemeClr val="accent1"/>
+            </a:solidFill>
+          </a:ln>
         </p:spPr>
       </p:pic>
-      <p:sp>
-        <p:nvSpPr>
-          <p:cNvPr id="15" name="Rectangle 14">
-            <a:extLst>
-              <a:ext uri="{FF2B5EF4-FFF2-40B4-BE49-F238E27FC236}">
-                <a16:creationId xmlns:a16="http://schemas.microsoft.com/office/drawing/2014/main" id="{4BD1C603-69DF-4FBA-B00C-9D8CD5E7BE82}"/>
-              </a:ext>
-            </a:extLst>
-          </p:cNvPr>
-          <p:cNvSpPr/>
-          <p:nvPr/>
-        </p:nvSpPr>
-        <p:spPr>
-          <a:xfrm>
-            <a:off x="328640" y="1305880"/>
-            <a:ext cx="4014760" cy="954364"/>
-          </a:xfrm>
-          <a:prstGeom prst="rect">
-            <a:avLst/>
-          </a:prstGeom>
-        </p:spPr>
-        <p:txBody>
-          <a:bodyPr wrap="square" lIns="0" tIns="0" rIns="0" bIns="0" anchor="t">
-            <a:spAutoFit/>
-          </a:bodyPr>
-          <a:lstStyle/>
-          <a:p>
-            <a:pPr algn="ctr">
-              <a:lnSpc>
-                <a:spcPts val="1900"/>
-              </a:lnSpc>
-            </a:pPr>
-            <a:r>
-              <a:rPr lang="en-US" sz="1400" dirty="0">
-                <a:solidFill>
-                  <a:schemeClr val="tx1">
-                    <a:lumMod val="75000"/>
-                    <a:lumOff val="25000"/>
-                  </a:schemeClr>
-                </a:solidFill>
-                <a:cs typeface="Segoe UI" panose="020B0502040204020203" pitchFamily="34" charset="0"/>
-              </a:rPr>
-              <a:t>Triple J Hottest 100 winners are expected to show high positive energy (expressed as high valence) and low danceability (representing more elaborate songs) compared to other tracks.</a:t>
-            </a:r>
-          </a:p>
-        </p:txBody>
-      </p:sp>
-      <p:sp>
-        <p:nvSpPr>
-          <p:cNvPr id="16" name="Rectangle 15">
-            <a:extLst>
-              <a:ext uri="{FF2B5EF4-FFF2-40B4-BE49-F238E27FC236}">
-                <a16:creationId xmlns:a16="http://schemas.microsoft.com/office/drawing/2014/main" id="{29D1DD35-E802-4A6B-8EEB-50CAAB73D1CF}"/>
-              </a:ext>
-            </a:extLst>
-          </p:cNvPr>
-          <p:cNvSpPr/>
-          <p:nvPr/>
-        </p:nvSpPr>
-        <p:spPr>
-          <a:xfrm>
-            <a:off x="434068" y="941474"/>
-            <a:ext cx="4162870" cy="246221"/>
-          </a:xfrm>
-          <a:prstGeom prst="rect">
-            <a:avLst/>
-          </a:prstGeom>
-        </p:spPr>
-        <p:txBody>
-          <a:bodyPr wrap="square" lIns="0" tIns="0" rIns="0" bIns="0" anchor="t">
-            <a:spAutoFit/>
-          </a:bodyPr>
-          <a:lstStyle/>
-          <a:p>
-            <a:r>
-              <a:rPr lang="en-US" sz="1600" b="1" dirty="0">
-                <a:solidFill>
-                  <a:schemeClr val="tx1">
-                    <a:lumMod val="75000"/>
-                    <a:lumOff val="25000"/>
-                  </a:schemeClr>
-                </a:solidFill>
-                <a:cs typeface="Segoe UI" panose="020B0502040204020203" pitchFamily="34" charset="0"/>
-              </a:rPr>
-              <a:t>Hypothesis</a:t>
-            </a:r>
-          </a:p>
-        </p:txBody>
-      </p:sp>
       <p:pic>
         <p:nvPicPr>
-          <p:cNvPr id="6" name="Picture 5">
-            <a:extLst>
-              <a:ext uri="{FF2B5EF4-FFF2-40B4-BE49-F238E27FC236}">
-                <a16:creationId xmlns:a16="http://schemas.microsoft.com/office/drawing/2014/main" id="{83827C48-F09F-473D-8D1B-43CA9C32D88E}"/>
+          <p:cNvPr id="28" name="Picture 27">
+            <a:extLst>
+              <a:ext uri="{FF2B5EF4-FFF2-40B4-BE49-F238E27FC236}">
+                <a16:creationId xmlns:a16="http://schemas.microsoft.com/office/drawing/2014/main" id="{79F21A3B-3E32-4D7B-8431-F74A13CCA45A}"/>
               </a:ext>
             </a:extLst>
           </p:cNvPr>
@@ -19618,171 +24045,123 @@
           <p:nvPr/>
         </p:nvPicPr>
         <p:blipFill>
-          <a:blip r:embed="rId4"/>
+          <a:blip r:embed="rId10"/>
           <a:stretch>
             <a:fillRect/>
           </a:stretch>
         </p:blipFill>
         <p:spPr>
           <a:xfrm>
-            <a:off x="1351634" y="4382881"/>
-            <a:ext cx="9136558" cy="1683050"/>
+            <a:off x="9022850" y="3671550"/>
+            <a:ext cx="2943330" cy="2106391"/>
           </a:xfrm>
           <a:prstGeom prst="rect">
             <a:avLst/>
           </a:prstGeom>
+          <a:ln>
+            <a:solidFill>
+              <a:schemeClr val="accent1"/>
+            </a:solidFill>
+          </a:ln>
+          <a:effectLst>
+            <a:softEdge rad="0"/>
+          </a:effectLst>
         </p:spPr>
       </p:pic>
-      <p:sp>
-        <p:nvSpPr>
-          <p:cNvPr id="18" name="Rectangle 3">
-            <a:extLst>
-              <a:ext uri="{FF2B5EF4-FFF2-40B4-BE49-F238E27FC236}">
-                <a16:creationId xmlns:a16="http://schemas.microsoft.com/office/drawing/2014/main" id="{A2014008-1443-4942-9CCB-B08C493450D0}"/>
-              </a:ext>
-            </a:extLst>
-          </p:cNvPr>
-          <p:cNvSpPr>
-            <a:spLocks noChangeArrowheads="1"/>
-          </p:cNvSpPr>
+      <p:cxnSp>
+        <p:nvCxnSpPr>
+          <p:cNvPr id="4" name="Connector: Elbow 3">
+            <a:extLst>
+              <a:ext uri="{FF2B5EF4-FFF2-40B4-BE49-F238E27FC236}">
+                <a16:creationId xmlns:a16="http://schemas.microsoft.com/office/drawing/2014/main" id="{FAB15FF6-DDAE-433C-B630-DE7C939989F3}"/>
+              </a:ext>
+            </a:extLst>
+          </p:cNvPr>
+          <p:cNvCxnSpPr>
+            <a:stCxn id="55" idx="3"/>
+            <a:endCxn id="56" idx="1"/>
+          </p:cNvCxnSpPr>
           <p:nvPr/>
-        </p:nvSpPr>
-        <p:spPr bwMode="auto">
-          <a:xfrm>
-            <a:off x="172903" y="6163074"/>
-            <a:ext cx="11846193" cy="223394"/>
-          </a:xfrm>
-          <a:prstGeom prst="rect">
-            <a:avLst/>
+        </p:nvCxnSpPr>
+        <p:spPr>
+          <a:xfrm flipV="1">
+            <a:off x="5052211" y="2916799"/>
+            <a:ext cx="1189624" cy="435067"/>
+          </a:xfrm>
+          <a:prstGeom prst="bentConnector3">
+            <a:avLst>
+              <a:gd name="adj1" fmla="val 43873"/>
+            </a:avLst>
           </a:prstGeom>
-        </p:spPr>
-        <p:txBody>
-          <a:bodyPr wrap="square" lIns="0" tIns="0" rIns="0" bIns="0" anchor="t">
-            <a:spAutoFit/>
-          </a:bodyPr>
-          <a:lstStyle/>
-          <a:p>
-            <a:pPr algn="ctr">
-              <a:lnSpc>
-                <a:spcPts val="1900"/>
-              </a:lnSpc>
-            </a:pPr>
-            <a:r>
-              <a:rPr lang="en-US" altLang="en-US" sz="1400" dirty="0">
-                <a:solidFill>
-                  <a:schemeClr val="tx1">
-                    <a:lumMod val="75000"/>
-                    <a:lumOff val="25000"/>
-                  </a:schemeClr>
-                </a:solidFill>
-                <a:cs typeface="Segoe UI" panose="020B0502040204020203" pitchFamily="34" charset="0"/>
-              </a:rPr>
-              <a:t> Ttest_1sampResult(statistic=0.321418279106471, </a:t>
-            </a:r>
-            <a:r>
-              <a:rPr lang="en-US" altLang="en-US" sz="1400" dirty="0" err="1">
-                <a:solidFill>
-                  <a:schemeClr val="tx1">
-                    <a:lumMod val="75000"/>
-                    <a:lumOff val="25000"/>
-                  </a:schemeClr>
-                </a:solidFill>
-                <a:cs typeface="Segoe UI" panose="020B0502040204020203" pitchFamily="34" charset="0"/>
-              </a:rPr>
-              <a:t>pvalue</a:t>
-            </a:r>
-            <a:r>
-              <a:rPr lang="en-US" altLang="en-US" sz="1400" dirty="0">
-                <a:solidFill>
-                  <a:schemeClr val="tx1">
-                    <a:lumMod val="75000"/>
-                    <a:lumOff val="25000"/>
-                  </a:schemeClr>
-                </a:solidFill>
-                <a:cs typeface="Segoe UI" panose="020B0502040204020203" pitchFamily="34" charset="0"/>
-              </a:rPr>
-              <a:t>=0.7506759443702175) </a:t>
-            </a:r>
-          </a:p>
-        </p:txBody>
-      </p:sp>
-      <p:sp>
-        <p:nvSpPr>
-          <p:cNvPr id="23" name="Rectangle 3">
-            <a:extLst>
-              <a:ext uri="{FF2B5EF4-FFF2-40B4-BE49-F238E27FC236}">
-                <a16:creationId xmlns:a16="http://schemas.microsoft.com/office/drawing/2014/main" id="{679768E4-1F95-460B-8E45-9C6CFE2FA1C4}"/>
-              </a:ext>
-            </a:extLst>
-          </p:cNvPr>
-          <p:cNvSpPr>
-            <a:spLocks noChangeArrowheads="1"/>
-          </p:cNvSpPr>
+          <a:ln>
+            <a:headEnd type="triangle"/>
+            <a:tailEnd type="triangle"/>
+          </a:ln>
+        </p:spPr>
+        <p:style>
+          <a:lnRef idx="1">
+            <a:schemeClr val="accent1"/>
+          </a:lnRef>
+          <a:fillRef idx="0">
+            <a:schemeClr val="accent1"/>
+          </a:fillRef>
+          <a:effectRef idx="0">
+            <a:schemeClr val="accent1"/>
+          </a:effectRef>
+          <a:fontRef idx="minor">
+            <a:schemeClr val="tx1"/>
+          </a:fontRef>
+        </p:style>
+      </p:cxnSp>
+      <p:cxnSp>
+        <p:nvCxnSpPr>
+          <p:cNvPr id="12" name="Connector: Elbow 11">
+            <a:extLst>
+              <a:ext uri="{FF2B5EF4-FFF2-40B4-BE49-F238E27FC236}">
+                <a16:creationId xmlns:a16="http://schemas.microsoft.com/office/drawing/2014/main" id="{7EC1AF9F-0C87-4F7B-984C-C5187DEE2F56}"/>
+              </a:ext>
+            </a:extLst>
+          </p:cNvPr>
+          <p:cNvCxnSpPr>
+            <a:stCxn id="51" idx="3"/>
+            <a:endCxn id="52" idx="1"/>
+          </p:cNvCxnSpPr>
           <p:nvPr/>
-        </p:nvSpPr>
-        <p:spPr bwMode="auto">
-          <a:xfrm>
-            <a:off x="455931" y="3996406"/>
-            <a:ext cx="11846193" cy="223394"/>
-          </a:xfrm>
-          <a:prstGeom prst="rect">
-            <a:avLst/>
+        </p:nvCxnSpPr>
+        <p:spPr>
+          <a:xfrm flipV="1">
+            <a:off x="5046222" y="3305687"/>
+            <a:ext cx="1195613" cy="436140"/>
+          </a:xfrm>
+          <a:prstGeom prst="bentConnector3">
+            <a:avLst>
+              <a:gd name="adj1" fmla="val 58867"/>
+            </a:avLst>
           </a:prstGeom>
-        </p:spPr>
-        <p:txBody>
-          <a:bodyPr wrap="square" lIns="0" tIns="0" rIns="0" bIns="0" anchor="t">
-            <a:spAutoFit/>
-          </a:bodyPr>
-          <a:lstStyle/>
-          <a:p>
-            <a:pPr algn="ctr">
-              <a:lnSpc>
-                <a:spcPts val="1900"/>
-              </a:lnSpc>
-            </a:pPr>
-            <a:r>
-              <a:rPr lang="en-US" altLang="en-US" sz="1400" dirty="0">
-                <a:solidFill>
-                  <a:schemeClr val="tx1">
-                    <a:lumMod val="75000"/>
-                    <a:lumOff val="25000"/>
-                  </a:schemeClr>
-                </a:solidFill>
-                <a:cs typeface="Segoe UI" panose="020B0502040204020203" pitchFamily="34" charset="0"/>
-              </a:rPr>
-              <a:t>Ttest_1sampResult(statistic=-0.3738255644108187, </a:t>
-            </a:r>
-            <a:r>
-              <a:rPr lang="en-US" altLang="en-US" sz="1400" dirty="0" err="1">
-                <a:solidFill>
-                  <a:schemeClr val="tx1">
-                    <a:lumMod val="75000"/>
-                    <a:lumOff val="25000"/>
-                  </a:schemeClr>
-                </a:solidFill>
-                <a:cs typeface="Segoe UI" panose="020B0502040204020203" pitchFamily="34" charset="0"/>
-              </a:rPr>
-              <a:t>pvalue</a:t>
-            </a:r>
-            <a:r>
-              <a:rPr lang="en-US" altLang="en-US" sz="1400" dirty="0">
-                <a:solidFill>
-                  <a:schemeClr val="tx1">
-                    <a:lumMod val="75000"/>
-                    <a:lumOff val="25000"/>
-                  </a:schemeClr>
-                </a:solidFill>
-                <a:cs typeface="Segoe UI" panose="020B0502040204020203" pitchFamily="34" charset="0"/>
-              </a:rPr>
-              <a:t>=0.7118162360398623)</a:t>
-            </a:r>
-          </a:p>
-        </p:txBody>
-      </p:sp>
+          <a:ln>
+            <a:headEnd type="triangle"/>
+            <a:tailEnd type="triangle"/>
+          </a:ln>
+        </p:spPr>
+        <p:style>
+          <a:lnRef idx="1">
+            <a:schemeClr val="accent1"/>
+          </a:lnRef>
+          <a:fillRef idx="0">
+            <a:schemeClr val="accent1"/>
+          </a:fillRef>
+          <a:effectRef idx="0">
+            <a:schemeClr val="accent1"/>
+          </a:effectRef>
+          <a:fontRef idx="minor">
+            <a:schemeClr val="tx1"/>
+          </a:fontRef>
+        </p:style>
+      </p:cxnSp>
     </p:spTree>
     <p:extLst>
       <p:ext uri="{BB962C8B-B14F-4D97-AF65-F5344CB8AC3E}">
-        <p14:creationId xmlns:p14="http://schemas.microsoft.com/office/powerpoint/2010/main" val="1061713674"/>
+        <p14:creationId xmlns:p14="http://schemas.microsoft.com/office/powerpoint/2010/main" val="981729827"/>
       </p:ext>
     </p:extLst>
   </p:cSld>
@@ -19811,92 +24190,184 @@
       </p:grpSpPr>
       <p:sp>
         <p:nvSpPr>
-          <p:cNvPr id="7" name="Title 6" hidden="1">
-            <a:extLst>
-              <a:ext uri="{FF2B5EF4-FFF2-40B4-BE49-F238E27FC236}">
-                <a16:creationId xmlns:a16="http://schemas.microsoft.com/office/drawing/2014/main" id="{7C70995F-D8C5-410A-AA8B-1EE172A29454}"/>
-              </a:ext>
-            </a:extLst>
-          </p:cNvPr>
-          <p:cNvSpPr>
-            <a:spLocks noGrp="1"/>
-          </p:cNvSpPr>
-          <p:nvPr>
-            <p:ph type="title" idx="4294967295"/>
-          </p:nvPr>
+          <p:cNvPr id="4" name="TextBox 3">
+            <a:extLst>
+              <a:ext uri="{FF2B5EF4-FFF2-40B4-BE49-F238E27FC236}">
+                <a16:creationId xmlns:a16="http://schemas.microsoft.com/office/drawing/2014/main" id="{2E9E3D99-D23E-410C-8F4B-9CBF1D2E9A35}"/>
+              </a:ext>
+            </a:extLst>
+          </p:cNvPr>
+          <p:cNvSpPr txBox="1"/>
+          <p:nvPr/>
         </p:nvSpPr>
         <p:spPr>
           <a:xfrm>
-            <a:off x="0" y="365125"/>
-            <a:ext cx="10515600" cy="1325563"/>
-          </a:xfrm>
+            <a:off x="474319" y="2408806"/>
+            <a:ext cx="6679539" cy="2677656"/>
+          </a:xfrm>
+          <a:prstGeom prst="rect">
+            <a:avLst/>
+          </a:prstGeom>
+          <a:noFill/>
+          <a:ln>
+            <a:noFill/>
+          </a:ln>
         </p:spPr>
         <p:txBody>
-          <a:bodyPr/>
+          <a:bodyPr wrap="square">
+            <a:spAutoFit/>
+          </a:bodyPr>
           <a:lstStyle/>
           <a:p>
-            <a:r>
-              <a:rPr lang="en-US" dirty="0"/>
-              <a:t>Project analysis slide 10</a:t>
-            </a:r>
+            <a:pPr marL="514350" indent="-514350">
+              <a:buAutoNum type="arabicPeriod"/>
+            </a:pPr>
+            <a:r>
+              <a:rPr lang="en-AU" sz="2800" dirty="0">
+                <a:latin typeface="Arial" panose="020B0604020202020204" pitchFamily="34" charset="0"/>
+                <a:cs typeface="Arial" panose="020B0604020202020204" pitchFamily="34" charset="0"/>
+              </a:rPr>
+              <a:t>How to match columns when special characters and symbols appear</a:t>
+            </a:r>
+            <a:r>
+              <a:rPr lang="en-AU" altLang="zh-CN" sz="2800" dirty="0">
+                <a:latin typeface="Arial" panose="020B0604020202020204" pitchFamily="34" charset="0"/>
+                <a:cs typeface="Arial" panose="020B0604020202020204" pitchFamily="34" charset="0"/>
+              </a:rPr>
+              <a:t>?</a:t>
+            </a:r>
+          </a:p>
+          <a:p>
+            <a:pPr marL="514350" indent="-514350">
+              <a:buAutoNum type="arabicPeriod"/>
+            </a:pPr>
+            <a:r>
+              <a:rPr lang="en-AU" sz="2800" dirty="0">
+                <a:latin typeface="Arial" panose="020B0604020202020204" pitchFamily="34" charset="0"/>
+                <a:cs typeface="Arial" panose="020B0604020202020204" pitchFamily="34" charset="0"/>
+              </a:rPr>
+              <a:t>How to make sure the matching can be done quickly in such a big data set?</a:t>
+            </a:r>
+          </a:p>
+          <a:p>
+            <a:r>
+              <a:rPr lang="en-AU" sz="2800" dirty="0">
+                <a:latin typeface="Arial" panose="020B0604020202020204" pitchFamily="34" charset="0"/>
+                <a:cs typeface="Arial" panose="020B0604020202020204" pitchFamily="34" charset="0"/>
+              </a:rPr>
+              <a:t>	2,501 x</a:t>
+            </a:r>
+            <a:r>
+              <a:rPr lang="zh-CN" altLang="en-US" sz="2800" dirty="0">
+                <a:latin typeface="Arial" panose="020B0604020202020204" pitchFamily="34" charset="0"/>
+                <a:cs typeface="Arial" panose="020B0604020202020204" pitchFamily="34" charset="0"/>
+              </a:rPr>
+              <a:t> </a:t>
+            </a:r>
+            <a:r>
+              <a:rPr lang="en-AU" altLang="zh-CN" sz="2800" dirty="0">
+                <a:latin typeface="Arial" panose="020B0604020202020204" pitchFamily="34" charset="0"/>
+                <a:cs typeface="Arial" panose="020B0604020202020204" pitchFamily="34" charset="0"/>
+              </a:rPr>
+              <a:t>170,665</a:t>
+            </a:r>
+            <a:r>
+              <a:rPr lang="zh-CN" altLang="en-US" sz="2800" dirty="0">
+                <a:latin typeface="Arial" panose="020B0604020202020204" pitchFamily="34" charset="0"/>
+                <a:cs typeface="Arial" panose="020B0604020202020204" pitchFamily="34" charset="0"/>
+              </a:rPr>
+              <a:t> </a:t>
+            </a:r>
+            <a:r>
+              <a:rPr lang="en-AU" altLang="zh-CN" sz="2800" dirty="0">
+                <a:latin typeface="Arial" panose="020B0604020202020204" pitchFamily="34" charset="0"/>
+                <a:cs typeface="Arial" panose="020B0604020202020204" pitchFamily="34" charset="0"/>
+              </a:rPr>
+              <a:t>= 426,833,165 !</a:t>
+            </a:r>
+            <a:endParaRPr lang="en-AU" sz="2800" dirty="0">
+              <a:latin typeface="Arial" panose="020B0604020202020204" pitchFamily="34" charset="0"/>
+              <a:cs typeface="Arial" panose="020B0604020202020204" pitchFamily="34" charset="0"/>
+            </a:endParaRPr>
           </a:p>
         </p:txBody>
       </p:sp>
-      <p:cxnSp>
-        <p:nvCxnSpPr>
-          <p:cNvPr id="8" name="Straight Connector 7">
-            <a:extLst>
-              <a:ext uri="{FF2B5EF4-FFF2-40B4-BE49-F238E27FC236}">
-                <a16:creationId xmlns:a16="http://schemas.microsoft.com/office/drawing/2014/main" id="{D0986099-F5F2-4E8B-BE17-81194861A00C}"/>
-              </a:ext>
-              <a:ext uri="{C183D7F6-B498-43B3-948B-1728B52AA6E4}">
-                <adec:decorative xmlns:adec="http://schemas.microsoft.com/office/drawing/2017/decorative" val="1"/>
-              </a:ext>
-            </a:extLst>
-          </p:cNvPr>
-          <p:cNvCxnSpPr>
-            <a:cxnSpLocks/>
-          </p:cNvCxnSpPr>
+      <p:pic>
+        <p:nvPicPr>
+          <p:cNvPr id="9" name="Picture 8">
+            <a:extLst>
+              <a:ext uri="{FF2B5EF4-FFF2-40B4-BE49-F238E27FC236}">
+                <a16:creationId xmlns:a16="http://schemas.microsoft.com/office/drawing/2014/main" id="{60FEDD37-7DFD-4214-98E8-5743634C47B0}"/>
+              </a:ext>
+            </a:extLst>
+          </p:cNvPr>
+          <p:cNvPicPr>
+            <a:picLocks noChangeAspect="1"/>
+          </p:cNvPicPr>
           <p:nvPr/>
-        </p:nvCxnSpPr>
+        </p:nvPicPr>
+        <p:blipFill>
+          <a:blip r:embed="rId3"/>
+          <a:stretch>
+            <a:fillRect/>
+          </a:stretch>
+        </p:blipFill>
         <p:spPr>
           <a:xfrm>
-            <a:off x="8791575" y="522898"/>
-            <a:ext cx="3400425" cy="0"/>
-          </a:xfrm>
-          <a:prstGeom prst="line">
+            <a:off x="7014710" y="1045678"/>
+            <a:ext cx="2122664" cy="5286380"/>
+          </a:xfrm>
+          <a:prstGeom prst="rect">
             <a:avLst/>
           </a:prstGeom>
           <a:ln>
             <a:solidFill>
-              <a:schemeClr val="accent3">
-                <a:lumMod val="50000"/>
-              </a:schemeClr>
+              <a:schemeClr val="accent1"/>
             </a:solidFill>
-            <a:headEnd type="oval"/>
           </a:ln>
         </p:spPr>
-        <p:style>
-          <a:lnRef idx="1">
-            <a:schemeClr val="accent1"/>
-          </a:lnRef>
-          <a:fillRef idx="0">
-            <a:schemeClr val="accent1"/>
-          </a:fillRef>
-          <a:effectRef idx="0">
-            <a:schemeClr val="accent1"/>
-          </a:effectRef>
-          <a:fontRef idx="minor">
-            <a:schemeClr val="tx1"/>
-          </a:fontRef>
-        </p:style>
-      </p:cxnSp>
-      <p:sp>
-        <p:nvSpPr>
-          <p:cNvPr id="11" name="Title 1">
-            <a:extLst>
-              <a:ext uri="{FF2B5EF4-FFF2-40B4-BE49-F238E27FC236}">
-                <a16:creationId xmlns:a16="http://schemas.microsoft.com/office/drawing/2014/main" id="{4E3F5479-058B-4FA8-92E9-18CAB8CDC5C5}"/>
+      </p:pic>
+      <p:pic>
+        <p:nvPicPr>
+          <p:cNvPr id="11" name="Picture 10">
+            <a:extLst>
+              <a:ext uri="{FF2B5EF4-FFF2-40B4-BE49-F238E27FC236}">
+                <a16:creationId xmlns:a16="http://schemas.microsoft.com/office/drawing/2014/main" id="{AFF6055D-361F-4C75-AE2B-8B3EA9A75DB9}"/>
+              </a:ext>
+            </a:extLst>
+          </p:cNvPr>
+          <p:cNvPicPr>
+            <a:picLocks noChangeAspect="1"/>
+          </p:cNvPicPr>
+          <p:nvPr/>
+        </p:nvPicPr>
+        <p:blipFill>
+          <a:blip r:embed="rId4"/>
+          <a:stretch>
+            <a:fillRect/>
+          </a:stretch>
+        </p:blipFill>
+        <p:spPr>
+          <a:xfrm>
+            <a:off x="9499809" y="1067269"/>
+            <a:ext cx="2347811" cy="5264788"/>
+          </a:xfrm>
+          <a:prstGeom prst="rect">
+            <a:avLst/>
+          </a:prstGeom>
+          <a:ln>
+            <a:solidFill>
+              <a:schemeClr val="accent1"/>
+            </a:solidFill>
+          </a:ln>
+        </p:spPr>
+      </p:pic>
+      <p:sp>
+        <p:nvSpPr>
+          <p:cNvPr id="6" name="Title 1">
+            <a:extLst>
+              <a:ext uri="{FF2B5EF4-FFF2-40B4-BE49-F238E27FC236}">
+                <a16:creationId xmlns:a16="http://schemas.microsoft.com/office/drawing/2014/main" id="{C64A4D71-E88F-4A83-B774-190EB2F8122C}"/>
               </a:ext>
             </a:extLst>
           </p:cNvPr>
@@ -19908,7 +24379,7 @@
         <p:spPr>
           <a:xfrm>
             <a:off x="228600" y="190500"/>
-            <a:ext cx="11734800" cy="664797"/>
+            <a:ext cx="11734800" cy="775597"/>
           </a:xfrm>
           <a:prstGeom prst="rect">
             <a:avLst/>
@@ -19948,7 +24419,7 @@
                   </a:schemeClr>
                 </a:solidFill>
               </a:rPr>
-              <a:t>When are hits released?</a:t>
+              <a:t>Data Framework</a:t>
             </a:r>
             <a:br>
               <a:rPr lang="en-US" sz="2800" dirty="0">
@@ -19960,17 +24431,6 @@
                 </a:solidFill>
               </a:rPr>
             </a:br>
-            <a:r>
-              <a:rPr lang="en-US" sz="2000" dirty="0">
-                <a:solidFill>
-                  <a:schemeClr val="tx1">
-                    <a:lumMod val="75000"/>
-                    <a:lumOff val="25000"/>
-                  </a:schemeClr>
-                </a:solidFill>
-              </a:rPr>
-              <a:t> </a:t>
-            </a:r>
             <a:endParaRPr lang="en-US" sz="2800" dirty="0">
               <a:solidFill>
                 <a:schemeClr val="tx1">
@@ -19984,10 +24444,10 @@
       </p:sp>
       <p:cxnSp>
         <p:nvCxnSpPr>
-          <p:cNvPr id="14" name="Straight Connector 13">
-            <a:extLst>
-              <a:ext uri="{FF2B5EF4-FFF2-40B4-BE49-F238E27FC236}">
-                <a16:creationId xmlns:a16="http://schemas.microsoft.com/office/drawing/2014/main" id="{83E690F4-843A-47A5-8620-4FB01C0D8E68}"/>
+          <p:cNvPr id="7" name="Straight Connector 6">
+            <a:extLst>
+              <a:ext uri="{FF2B5EF4-FFF2-40B4-BE49-F238E27FC236}">
+                <a16:creationId xmlns:a16="http://schemas.microsoft.com/office/drawing/2014/main" id="{6FEC0059-95B1-4893-B276-79A772C3AA0E}"/>
               </a:ext>
               <a:ext uri="{C183D7F6-B498-43B3-948B-1728B52AA6E4}">
                 <adec:decorative xmlns:adec="http://schemas.microsoft.com/office/drawing/2017/decorative" val="1"/>
@@ -20002,7 +24462,7 @@
         <p:spPr>
           <a:xfrm>
             <a:off x="0" y="522898"/>
-            <a:ext cx="3276600" cy="0"/>
+            <a:ext cx="4086225" cy="0"/>
           </a:xfrm>
           <a:prstGeom prst="line">
             <a:avLst/>
@@ -20031,12 +24491,61 @@
           </a:fontRef>
         </p:style>
       </p:cxnSp>
-      <p:sp>
-        <p:nvSpPr>
-          <p:cNvPr id="10" name="Rectangle 9">
-            <a:extLst>
-              <a:ext uri="{FF2B5EF4-FFF2-40B4-BE49-F238E27FC236}">
-                <a16:creationId xmlns:a16="http://schemas.microsoft.com/office/drawing/2014/main" id="{1A997C66-4ED4-4017-9439-1D07ED31D783}"/>
+      <p:cxnSp>
+        <p:nvCxnSpPr>
+          <p:cNvPr id="8" name="Straight Connector 7">
+            <a:extLst>
+              <a:ext uri="{FF2B5EF4-FFF2-40B4-BE49-F238E27FC236}">
+                <a16:creationId xmlns:a16="http://schemas.microsoft.com/office/drawing/2014/main" id="{4C79AF58-911D-42D9-A496-70A8C71D1D80}"/>
+              </a:ext>
+              <a:ext uri="{C183D7F6-B498-43B3-948B-1728B52AA6E4}">
+                <adec:decorative xmlns:adec="http://schemas.microsoft.com/office/drawing/2017/decorative" val="1"/>
+              </a:ext>
+            </a:extLst>
+          </p:cNvPr>
+          <p:cNvCxnSpPr>
+            <a:cxnSpLocks/>
+          </p:cNvCxnSpPr>
+          <p:nvPr/>
+        </p:nvCxnSpPr>
+        <p:spPr>
+          <a:xfrm>
+            <a:off x="8105775" y="522898"/>
+            <a:ext cx="4086225" cy="0"/>
+          </a:xfrm>
+          <a:prstGeom prst="line">
+            <a:avLst/>
+          </a:prstGeom>
+          <a:ln>
+            <a:solidFill>
+              <a:schemeClr val="accent3">
+                <a:lumMod val="50000"/>
+              </a:schemeClr>
+            </a:solidFill>
+            <a:headEnd type="oval"/>
+          </a:ln>
+        </p:spPr>
+        <p:style>
+          <a:lnRef idx="1">
+            <a:schemeClr val="accent1"/>
+          </a:lnRef>
+          <a:fillRef idx="0">
+            <a:schemeClr val="accent1"/>
+          </a:fillRef>
+          <a:effectRef idx="0">
+            <a:schemeClr val="accent1"/>
+          </a:effectRef>
+          <a:fontRef idx="minor">
+            <a:schemeClr val="tx1"/>
+          </a:fontRef>
+        </p:style>
+      </p:cxnSp>
+      <p:sp>
+        <p:nvSpPr>
+          <p:cNvPr id="3" name="Oval 2">
+            <a:extLst>
+              <a:ext uri="{FF2B5EF4-FFF2-40B4-BE49-F238E27FC236}">
+                <a16:creationId xmlns:a16="http://schemas.microsoft.com/office/drawing/2014/main" id="{1240ABC3-52BF-416B-86BF-65E75BDBF57D}"/>
               </a:ext>
             </a:extLst>
           </p:cNvPr>
@@ -20045,716 +24554,35 @@
         </p:nvSpPr>
         <p:spPr>
           <a:xfrm>
-            <a:off x="7400925" y="2026444"/>
-            <a:ext cx="4268298" cy="710707"/>
-          </a:xfrm>
-          <a:prstGeom prst="rect">
+            <a:off x="1351722" y="742654"/>
+            <a:ext cx="4320208" cy="1446397"/>
+          </a:xfrm>
+          <a:prstGeom prst="ellipse">
             <a:avLst/>
           </a:prstGeom>
         </p:spPr>
+        <p:style>
+          <a:lnRef idx="1">
+            <a:schemeClr val="accent4"/>
+          </a:lnRef>
+          <a:fillRef idx="2">
+            <a:schemeClr val="accent4"/>
+          </a:fillRef>
+          <a:effectRef idx="1">
+            <a:schemeClr val="accent4"/>
+          </a:effectRef>
+          <a:fontRef idx="minor">
+            <a:schemeClr val="dk1"/>
+          </a:fontRef>
+        </p:style>
         <p:txBody>
-          <a:bodyPr wrap="square" lIns="0" tIns="0" rIns="0" bIns="0" anchor="t">
-            <a:spAutoFit/>
-          </a:bodyPr>
+          <a:bodyPr rtlCol="0" anchor="ctr"/>
           <a:lstStyle/>
           <a:p>
-            <a:pPr algn="ctr">
-              <a:lnSpc>
-                <a:spcPts val="1900"/>
-              </a:lnSpc>
-            </a:pPr>
-            <a:r>
-              <a:rPr lang="en-US" sz="1400" dirty="0">
-                <a:solidFill>
-                  <a:schemeClr val="tx1">
-                    <a:lumMod val="75000"/>
-                    <a:lumOff val="25000"/>
-                  </a:schemeClr>
-                </a:solidFill>
-                <a:cs typeface="Segoe UI" panose="020B0502040204020203" pitchFamily="34" charset="0"/>
-              </a:rPr>
-              <a:t>We believe ideal time to release a Hottest 100 winner is between Quarter 2 of a given year. Earlier and track is not “fresh”, later it’s still not as well known</a:t>
-            </a:r>
-          </a:p>
-        </p:txBody>
-      </p:sp>
-      <p:sp>
-        <p:nvSpPr>
-          <p:cNvPr id="12" name="Rectangle 11">
-            <a:extLst>
-              <a:ext uri="{FF2B5EF4-FFF2-40B4-BE49-F238E27FC236}">
-                <a16:creationId xmlns:a16="http://schemas.microsoft.com/office/drawing/2014/main" id="{690C1A7A-78BB-48B4-B5CE-2B9C34E5E67B}"/>
-              </a:ext>
-            </a:extLst>
-          </p:cNvPr>
-          <p:cNvSpPr/>
-          <p:nvPr/>
-        </p:nvSpPr>
-        <p:spPr>
-          <a:xfrm>
-            <a:off x="7400925" y="3546456"/>
-            <a:ext cx="4268298" cy="710707"/>
-          </a:xfrm>
-          <a:prstGeom prst="rect">
-            <a:avLst/>
-          </a:prstGeom>
-        </p:spPr>
-        <p:txBody>
-          <a:bodyPr wrap="square" lIns="0" tIns="0" rIns="0" bIns="0" anchor="t">
-            <a:spAutoFit/>
-          </a:bodyPr>
-          <a:lstStyle/>
-          <a:p>
-            <a:pPr algn="ctr">
-              <a:lnSpc>
-                <a:spcPts val="1900"/>
-              </a:lnSpc>
-            </a:pPr>
-            <a:r>
-              <a:rPr lang="en-US" sz="1400" dirty="0">
-                <a:solidFill>
-                  <a:srgbClr val="FF0000"/>
-                </a:solidFill>
-                <a:cs typeface="Segoe UI" panose="020B0502040204020203" pitchFamily="34" charset="0"/>
-              </a:rPr>
-              <a:t>Binning release dates by month, and using a chi analysis to determine if winners are released following normal distribution.</a:t>
-            </a:r>
-          </a:p>
-        </p:txBody>
-      </p:sp>
-      <p:sp>
-        <p:nvSpPr>
-          <p:cNvPr id="13" name="Rectangle 12">
-            <a:extLst>
-              <a:ext uri="{FF2B5EF4-FFF2-40B4-BE49-F238E27FC236}">
-                <a16:creationId xmlns:a16="http://schemas.microsoft.com/office/drawing/2014/main" id="{53CF038C-66AF-4E81-9068-703EC0088620}"/>
-              </a:ext>
-            </a:extLst>
-          </p:cNvPr>
-          <p:cNvSpPr/>
-          <p:nvPr/>
-        </p:nvSpPr>
-        <p:spPr>
-          <a:xfrm>
-            <a:off x="7400925" y="5066469"/>
-            <a:ext cx="4268298" cy="1198020"/>
-          </a:xfrm>
-          <a:prstGeom prst="rect">
-            <a:avLst/>
-          </a:prstGeom>
-        </p:spPr>
-        <p:txBody>
-          <a:bodyPr wrap="square" lIns="0" tIns="0" rIns="0" bIns="0" anchor="t">
-            <a:spAutoFit/>
-          </a:bodyPr>
-          <a:lstStyle/>
-          <a:p>
-            <a:pPr algn="ctr">
-              <a:lnSpc>
-                <a:spcPts val="1900"/>
-              </a:lnSpc>
-            </a:pPr>
-            <a:r>
-              <a:rPr lang="en-US" sz="1400" dirty="0">
-                <a:solidFill>
-                  <a:schemeClr val="tx1">
-                    <a:lumMod val="75000"/>
-                    <a:lumOff val="25000"/>
-                  </a:schemeClr>
-                </a:solidFill>
-                <a:cs typeface="Segoe UI" panose="020B0502040204020203" pitchFamily="34" charset="0"/>
-              </a:rPr>
-              <a:t>Chi test shows that a disproportionate number of winners  for the </a:t>
-            </a:r>
-            <a:r>
-              <a:rPr lang="en-US" sz="1400" dirty="0" err="1">
-                <a:solidFill>
-                  <a:schemeClr val="tx1">
-                    <a:lumMod val="75000"/>
-                    <a:lumOff val="25000"/>
-                  </a:schemeClr>
-                </a:solidFill>
-                <a:cs typeface="Segoe UI" panose="020B0502040204020203" pitchFamily="34" charset="0"/>
-              </a:rPr>
-              <a:t>analysed</a:t>
-            </a:r>
-            <a:r>
-              <a:rPr lang="en-US" sz="1400" dirty="0">
-                <a:solidFill>
-                  <a:schemeClr val="tx1">
-                    <a:lumMod val="75000"/>
-                    <a:lumOff val="25000"/>
-                  </a:schemeClr>
-                </a:solidFill>
-                <a:cs typeface="Segoe UI" panose="020B0502040204020203" pitchFamily="34" charset="0"/>
-              </a:rPr>
-              <a:t> period were released in Q3 and Q4. This is particularly noteworthy, as Q1 shows the highest amount of released tracks. It is worth mentioning that the sample is </a:t>
-            </a:r>
-            <a:r>
-              <a:rPr lang="en-US" sz="1400" b="1" dirty="0">
-                <a:solidFill>
-                  <a:srgbClr val="FF0000"/>
-                </a:solidFill>
-                <a:cs typeface="Segoe UI" panose="020B0502040204020203" pitchFamily="34" charset="0"/>
-              </a:rPr>
-              <a:t>23</a:t>
-            </a:r>
-            <a:r>
-              <a:rPr lang="en-US" sz="1400" dirty="0">
-                <a:solidFill>
-                  <a:schemeClr val="tx1">
-                    <a:lumMod val="75000"/>
-                    <a:lumOff val="25000"/>
-                  </a:schemeClr>
-                </a:solidFill>
-                <a:cs typeface="Segoe UI" panose="020B0502040204020203" pitchFamily="34" charset="0"/>
-              </a:rPr>
-              <a:t> winning songs, so it’s relatively small.</a:t>
-            </a:r>
-          </a:p>
-        </p:txBody>
-      </p:sp>
-      <p:sp>
-        <p:nvSpPr>
-          <p:cNvPr id="26" name="Rectangle 25">
-            <a:extLst>
-              <a:ext uri="{FF2B5EF4-FFF2-40B4-BE49-F238E27FC236}">
-                <a16:creationId xmlns:a16="http://schemas.microsoft.com/office/drawing/2014/main" id="{2D1EC9D4-76A8-4A26-A2A6-D7B18B7CF659}"/>
-              </a:ext>
-            </a:extLst>
-          </p:cNvPr>
-          <p:cNvSpPr/>
-          <p:nvPr/>
-        </p:nvSpPr>
-        <p:spPr>
-          <a:xfrm>
-            <a:off x="7506353" y="1662038"/>
-            <a:ext cx="4162870" cy="246221"/>
-          </a:xfrm>
-          <a:prstGeom prst="rect">
-            <a:avLst/>
-          </a:prstGeom>
-        </p:spPr>
-        <p:txBody>
-          <a:bodyPr wrap="square" lIns="0" tIns="0" rIns="0" bIns="0" anchor="t">
-            <a:spAutoFit/>
-          </a:bodyPr>
-          <a:lstStyle/>
-          <a:p>
-            <a:r>
-              <a:rPr lang="en-US" sz="1600" b="1" dirty="0">
-                <a:solidFill>
-                  <a:schemeClr val="tx1">
-                    <a:lumMod val="75000"/>
-                    <a:lumOff val="25000"/>
-                  </a:schemeClr>
-                </a:solidFill>
-                <a:cs typeface="Segoe UI" panose="020B0502040204020203" pitchFamily="34" charset="0"/>
-              </a:rPr>
-              <a:t>Hypothesis</a:t>
-            </a:r>
-          </a:p>
-        </p:txBody>
-      </p:sp>
-      <p:sp>
-        <p:nvSpPr>
-          <p:cNvPr id="27" name="Rectangle 26">
-            <a:extLst>
-              <a:ext uri="{FF2B5EF4-FFF2-40B4-BE49-F238E27FC236}">
-                <a16:creationId xmlns:a16="http://schemas.microsoft.com/office/drawing/2014/main" id="{8B9D6654-5A8B-4A3E-B65B-E6BEC7BC3E92}"/>
-              </a:ext>
-            </a:extLst>
-          </p:cNvPr>
-          <p:cNvSpPr/>
-          <p:nvPr/>
-        </p:nvSpPr>
-        <p:spPr>
-          <a:xfrm>
-            <a:off x="7506353" y="4699701"/>
-            <a:ext cx="4162870" cy="246221"/>
-          </a:xfrm>
-          <a:prstGeom prst="rect">
-            <a:avLst/>
-          </a:prstGeom>
-        </p:spPr>
-        <p:txBody>
-          <a:bodyPr wrap="square" lIns="0" tIns="0" rIns="0" bIns="0" anchor="t">
-            <a:spAutoFit/>
-          </a:bodyPr>
-          <a:lstStyle/>
-          <a:p>
-            <a:r>
-              <a:rPr lang="en-US" sz="1600" b="1" dirty="0">
-                <a:solidFill>
-                  <a:schemeClr val="tx1">
-                    <a:lumMod val="75000"/>
-                    <a:lumOff val="25000"/>
-                  </a:schemeClr>
-                </a:solidFill>
-                <a:cs typeface="Segoe UI" panose="020B0502040204020203" pitchFamily="34" charset="0"/>
-              </a:rPr>
-              <a:t>Conclusion</a:t>
-            </a:r>
-          </a:p>
-        </p:txBody>
-      </p:sp>
-      <p:sp>
-        <p:nvSpPr>
-          <p:cNvPr id="28" name="Rectangle 27">
-            <a:extLst>
-              <a:ext uri="{FF2B5EF4-FFF2-40B4-BE49-F238E27FC236}">
-                <a16:creationId xmlns:a16="http://schemas.microsoft.com/office/drawing/2014/main" id="{A4EE4EF6-1BD1-4EE8-8C26-1356267F05F1}"/>
-              </a:ext>
-            </a:extLst>
-          </p:cNvPr>
-          <p:cNvSpPr/>
-          <p:nvPr/>
-        </p:nvSpPr>
-        <p:spPr>
-          <a:xfrm>
-            <a:off x="7469171" y="3300235"/>
-            <a:ext cx="4162870" cy="246221"/>
-          </a:xfrm>
-          <a:prstGeom prst="rect">
-            <a:avLst/>
-          </a:prstGeom>
-        </p:spPr>
-        <p:txBody>
-          <a:bodyPr wrap="square" lIns="0" tIns="0" rIns="0" bIns="0" anchor="t">
-            <a:spAutoFit/>
-          </a:bodyPr>
-          <a:lstStyle/>
-          <a:p>
-            <a:r>
-              <a:rPr lang="en-US" sz="1600" b="1" dirty="0">
-                <a:solidFill>
-                  <a:schemeClr val="tx1">
-                    <a:lumMod val="75000"/>
-                    <a:lumOff val="25000"/>
-                  </a:schemeClr>
-                </a:solidFill>
-                <a:cs typeface="Segoe UI" panose="020B0502040204020203" pitchFamily="34" charset="0"/>
-              </a:rPr>
-              <a:t>Testing</a:t>
-            </a:r>
-          </a:p>
-        </p:txBody>
-      </p:sp>
-      <p:pic>
-        <p:nvPicPr>
-          <p:cNvPr id="5" name="Picture 4">
-            <a:extLst>
-              <a:ext uri="{FF2B5EF4-FFF2-40B4-BE49-F238E27FC236}">
-                <a16:creationId xmlns:a16="http://schemas.microsoft.com/office/drawing/2014/main" id="{112DAFE8-BCEC-4414-B5E7-EC009CEC544A}"/>
-              </a:ext>
-            </a:extLst>
-          </p:cNvPr>
-          <p:cNvPicPr>
-            <a:picLocks noChangeAspect="1"/>
-          </p:cNvPicPr>
-          <p:nvPr/>
-        </p:nvPicPr>
-        <p:blipFill>
-          <a:blip r:embed="rId3"/>
-          <a:stretch>
-            <a:fillRect/>
-          </a:stretch>
-        </p:blipFill>
-        <p:spPr>
-          <a:xfrm>
-            <a:off x="1288582" y="1077676"/>
-            <a:ext cx="4162870" cy="2973479"/>
-          </a:xfrm>
-          <a:prstGeom prst="rect">
-            <a:avLst/>
-          </a:prstGeom>
-        </p:spPr>
-      </p:pic>
-      <p:pic>
-        <p:nvPicPr>
-          <p:cNvPr id="17" name="Picture 16">
-            <a:extLst>
-              <a:ext uri="{FF2B5EF4-FFF2-40B4-BE49-F238E27FC236}">
-                <a16:creationId xmlns:a16="http://schemas.microsoft.com/office/drawing/2014/main" id="{CCC93AF1-CB37-4250-82DB-9A2B081C717B}"/>
-              </a:ext>
-            </a:extLst>
-          </p:cNvPr>
-          <p:cNvPicPr>
-            <a:picLocks noChangeAspect="1"/>
-          </p:cNvPicPr>
-          <p:nvPr/>
-        </p:nvPicPr>
-        <p:blipFill>
-          <a:blip r:embed="rId4"/>
-          <a:stretch>
-            <a:fillRect/>
-          </a:stretch>
-        </p:blipFill>
-        <p:spPr>
-          <a:xfrm>
-            <a:off x="4025980" y="4350486"/>
-            <a:ext cx="2962275" cy="2381250"/>
-          </a:xfrm>
-          <a:prstGeom prst="rect">
-            <a:avLst/>
-          </a:prstGeom>
-        </p:spPr>
-      </p:pic>
-      <p:sp>
-        <p:nvSpPr>
-          <p:cNvPr id="21" name="Rectangle 20">
-            <a:extLst>
-              <a:ext uri="{FF2B5EF4-FFF2-40B4-BE49-F238E27FC236}">
-                <a16:creationId xmlns:a16="http://schemas.microsoft.com/office/drawing/2014/main" id="{653708A9-D72C-40C3-8466-555B0E3E7297}"/>
-              </a:ext>
-            </a:extLst>
-          </p:cNvPr>
-          <p:cNvSpPr/>
-          <p:nvPr/>
-        </p:nvSpPr>
-        <p:spPr>
-          <a:xfrm>
-            <a:off x="603476" y="874062"/>
-            <a:ext cx="5903919" cy="246221"/>
-          </a:xfrm>
-          <a:prstGeom prst="rect">
-            <a:avLst/>
-          </a:prstGeom>
-        </p:spPr>
-        <p:txBody>
-          <a:bodyPr wrap="square" lIns="0" tIns="0" rIns="0" bIns="0" anchor="t">
-            <a:spAutoFit/>
-          </a:bodyPr>
-          <a:lstStyle/>
-          <a:p>
-            <a:r>
-              <a:rPr lang="en-US" sz="1600" b="1" dirty="0">
-                <a:solidFill>
-                  <a:schemeClr val="tx1">
-                    <a:lumMod val="75000"/>
-                    <a:lumOff val="25000"/>
-                  </a:schemeClr>
-                </a:solidFill>
-                <a:cs typeface="Segoe UI" panose="020B0502040204020203" pitchFamily="34" charset="0"/>
-              </a:rPr>
-              <a:t>% of Population vs Triple J List vs Triple J Winners by Release Quarter</a:t>
-            </a:r>
-          </a:p>
-        </p:txBody>
-      </p:sp>
-      <p:pic>
-        <p:nvPicPr>
-          <p:cNvPr id="19" name="Picture 18">
-            <a:extLst>
-              <a:ext uri="{FF2B5EF4-FFF2-40B4-BE49-F238E27FC236}">
-                <a16:creationId xmlns:a16="http://schemas.microsoft.com/office/drawing/2014/main" id="{01F2AE7A-9B11-4EFA-A1D2-F2DABC628DD0}"/>
-              </a:ext>
-            </a:extLst>
-          </p:cNvPr>
-          <p:cNvPicPr>
-            <a:picLocks noChangeAspect="1"/>
-          </p:cNvPicPr>
-          <p:nvPr/>
-        </p:nvPicPr>
-        <p:blipFill>
-          <a:blip r:embed="rId5"/>
-          <a:stretch>
-            <a:fillRect/>
-          </a:stretch>
-        </p:blipFill>
-        <p:spPr>
-          <a:xfrm>
-            <a:off x="683072" y="4496246"/>
-            <a:ext cx="1945142" cy="1461667"/>
-          </a:xfrm>
-          <a:prstGeom prst="rect">
-            <a:avLst/>
-          </a:prstGeom>
-        </p:spPr>
-      </p:pic>
-      <p:sp>
-        <p:nvSpPr>
-          <p:cNvPr id="24" name="Rectangle 23">
-            <a:extLst>
-              <a:ext uri="{FF2B5EF4-FFF2-40B4-BE49-F238E27FC236}">
-                <a16:creationId xmlns:a16="http://schemas.microsoft.com/office/drawing/2014/main" id="{93822AE8-E934-4C11-9EBC-17117210315E}"/>
-              </a:ext>
-            </a:extLst>
-          </p:cNvPr>
-          <p:cNvSpPr/>
-          <p:nvPr/>
-        </p:nvSpPr>
-        <p:spPr>
-          <a:xfrm>
-            <a:off x="139801" y="4027313"/>
-            <a:ext cx="3646381" cy="246221"/>
-          </a:xfrm>
-          <a:prstGeom prst="rect">
-            <a:avLst/>
-          </a:prstGeom>
-        </p:spPr>
-        <p:txBody>
-          <a:bodyPr wrap="square" lIns="0" tIns="0" rIns="0" bIns="0" anchor="t">
-            <a:spAutoFit/>
-          </a:bodyPr>
-          <a:lstStyle/>
-          <a:p>
-            <a:r>
-              <a:rPr lang="en-US" sz="1600" b="1" dirty="0">
-                <a:solidFill>
-                  <a:schemeClr val="tx1">
-                    <a:lumMod val="75000"/>
-                    <a:lumOff val="25000"/>
-                  </a:schemeClr>
-                </a:solidFill>
-                <a:cs typeface="Segoe UI" panose="020B0502040204020203" pitchFamily="34" charset="0"/>
-              </a:rPr>
-              <a:t>Chi test – Winners by Release Quarter</a:t>
-            </a:r>
-          </a:p>
-        </p:txBody>
-      </p:sp>
-      <p:sp>
-        <p:nvSpPr>
-          <p:cNvPr id="25" name="Rectangle 24">
-            <a:extLst>
-              <a:ext uri="{FF2B5EF4-FFF2-40B4-BE49-F238E27FC236}">
-                <a16:creationId xmlns:a16="http://schemas.microsoft.com/office/drawing/2014/main" id="{1C6B558E-2ED4-4510-BA6A-8D62E7097309}"/>
-              </a:ext>
-            </a:extLst>
-          </p:cNvPr>
-          <p:cNvSpPr/>
-          <p:nvPr/>
-        </p:nvSpPr>
-        <p:spPr>
-          <a:xfrm>
-            <a:off x="3555436" y="4008548"/>
-            <a:ext cx="3646381" cy="246221"/>
-          </a:xfrm>
-          <a:prstGeom prst="rect">
-            <a:avLst/>
-          </a:prstGeom>
-        </p:spPr>
-        <p:txBody>
-          <a:bodyPr wrap="square" lIns="0" tIns="0" rIns="0" bIns="0" anchor="t">
-            <a:spAutoFit/>
-          </a:bodyPr>
-          <a:lstStyle/>
-          <a:p>
-            <a:r>
-              <a:rPr lang="en-US" sz="1600" b="1" dirty="0">
-                <a:solidFill>
-                  <a:schemeClr val="tx1">
-                    <a:lumMod val="75000"/>
-                    <a:lumOff val="25000"/>
-                  </a:schemeClr>
-                </a:solidFill>
-                <a:cs typeface="Segoe UI" panose="020B0502040204020203" pitchFamily="34" charset="0"/>
-              </a:rPr>
-              <a:t>Distribution of Winners by Release Quarter</a:t>
-            </a:r>
-          </a:p>
-        </p:txBody>
-      </p:sp>
-      <p:sp>
-        <p:nvSpPr>
-          <p:cNvPr id="20" name="Rectangle 1">
-            <a:extLst>
-              <a:ext uri="{FF2B5EF4-FFF2-40B4-BE49-F238E27FC236}">
-                <a16:creationId xmlns:a16="http://schemas.microsoft.com/office/drawing/2014/main" id="{04EF9004-DD60-4BB2-B75F-0633E01EDD79}"/>
-              </a:ext>
-            </a:extLst>
-          </p:cNvPr>
-          <p:cNvSpPr>
-            <a:spLocks noChangeArrowheads="1"/>
-          </p:cNvSpPr>
-          <p:nvPr/>
-        </p:nvSpPr>
-        <p:spPr bwMode="auto">
-          <a:xfrm>
-            <a:off x="2610871" y="1456141"/>
-            <a:ext cx="65" cy="276999"/>
-          </a:xfrm>
-          <a:prstGeom prst="rect">
-            <a:avLst/>
-          </a:prstGeom>
-          <a:solidFill>
-            <a:srgbClr val="FFFFFF"/>
-          </a:solidFill>
-          <a:ln>
-            <a:noFill/>
-          </a:ln>
-          <a:effectLst/>
-          <a:extLst>
-            <a:ext uri="{91240B29-F687-4F45-9708-019B960494DF}">
-              <a14:hiddenLine xmlns:a14="http://schemas.microsoft.com/office/drawing/2010/main" w="9525">
-                <a:solidFill>
-                  <a:schemeClr val="tx1"/>
-                </a:solidFill>
-                <a:miter lim="800000"/>
-                <a:headEnd/>
-                <a:tailEnd/>
-              </a14:hiddenLine>
-            </a:ext>
-            <a:ext uri="{AF507438-7753-43E0-B8FC-AC1667EBCBE1}">
-              <a14:hiddenEffects xmlns:a14="http://schemas.microsoft.com/office/drawing/2010/main">
-                <a:effectLst>
-                  <a:outerShdw dist="35921" dir="2700000" algn="ctr" rotWithShape="0">
-                    <a:schemeClr val="bg2"/>
-                  </a:outerShdw>
-                </a:effectLst>
-              </a14:hiddenEffects>
-            </a:ext>
-          </a:extLst>
-        </p:spPr>
-        <p:txBody>
-          <a:bodyPr vert="horz" wrap="none" lIns="0" tIns="0" rIns="0" bIns="0" numCol="1" anchor="ctr" anchorCtr="0" compatLnSpc="1">
-            <a:prstTxWarp prst="textNoShape">
-              <a:avLst/>
-            </a:prstTxWarp>
-            <a:spAutoFit/>
-          </a:bodyPr>
-          <a:lstStyle/>
-          <a:p>
-            <a:pPr marL="0" marR="0" lvl="0" indent="0" algn="l" defTabSz="914400" rtl="0" eaLnBrk="0" fontAlgn="base" latinLnBrk="0" hangingPunct="0">
-              <a:lnSpc>
-                <a:spcPct val="100000"/>
-              </a:lnSpc>
-              <a:spcBef>
-                <a:spcPct val="0"/>
-              </a:spcBef>
-              <a:spcAft>
-                <a:spcPct val="0"/>
-              </a:spcAft>
-              <a:buClrTx/>
-              <a:buSzTx/>
-              <a:buFontTx/>
-              <a:buNone/>
-              <a:tabLst/>
-            </a:pPr>
-            <a:endParaRPr kumimoji="0" lang="en-US" altLang="en-US" sz="1800" b="0" i="0" u="none" strike="noStrike" cap="none" normalizeH="0" baseline="0" dirty="0">
-              <a:ln>
-                <a:noFill/>
-              </a:ln>
-              <a:solidFill>
-                <a:schemeClr val="tx1"/>
-              </a:solidFill>
-              <a:effectLst/>
-              <a:latin typeface="Arial" panose="020B0604020202020204" pitchFamily="34" charset="0"/>
-            </a:endParaRPr>
-          </a:p>
-        </p:txBody>
-      </p:sp>
-      <p:sp>
-        <p:nvSpPr>
-          <p:cNvPr id="29" name="Rectangle 28">
-            <a:extLst>
-              <a:ext uri="{FF2B5EF4-FFF2-40B4-BE49-F238E27FC236}">
-                <a16:creationId xmlns:a16="http://schemas.microsoft.com/office/drawing/2014/main" id="{EE237C4C-6870-4096-9B81-7EE4EA12594C}"/>
-              </a:ext>
-            </a:extLst>
-          </p:cNvPr>
-          <p:cNvSpPr/>
-          <p:nvPr/>
-        </p:nvSpPr>
-        <p:spPr>
-          <a:xfrm>
-            <a:off x="-128908" y="6021029"/>
-            <a:ext cx="4482414" cy="710707"/>
-          </a:xfrm>
-          <a:prstGeom prst="rect">
-            <a:avLst/>
-          </a:prstGeom>
-        </p:spPr>
-        <p:txBody>
-          <a:bodyPr wrap="square" lIns="0" tIns="0" rIns="0" bIns="0" anchor="t">
-            <a:spAutoFit/>
-          </a:bodyPr>
-          <a:lstStyle/>
-          <a:p>
-            <a:pPr algn="ctr">
-              <a:lnSpc>
-                <a:spcPts val="1900"/>
-              </a:lnSpc>
-            </a:pPr>
-            <a:r>
-              <a:rPr lang="en-US" sz="1400" dirty="0" err="1">
-                <a:solidFill>
-                  <a:schemeClr val="tx1">
-                    <a:lumMod val="75000"/>
-                    <a:lumOff val="25000"/>
-                  </a:schemeClr>
-                </a:solidFill>
-                <a:cs typeface="Segoe UI" panose="020B0502040204020203" pitchFamily="34" charset="0"/>
-              </a:rPr>
-              <a:t>W</a:t>
-            </a:r>
-            <a:r>
-              <a:rPr lang="en-US" altLang="en-US" sz="1400" dirty="0" err="1">
-                <a:solidFill>
-                  <a:schemeClr val="tx1">
-                    <a:lumMod val="75000"/>
-                    <a:lumOff val="25000"/>
-                  </a:schemeClr>
-                </a:solidFill>
-                <a:cs typeface="Segoe UI" panose="020B0502040204020203" pitchFamily="34" charset="0"/>
-              </a:rPr>
-              <a:t>Power_divergenceResult</a:t>
-            </a:r>
-            <a:r>
-              <a:rPr lang="en-US" altLang="en-US" sz="1400" dirty="0">
-                <a:solidFill>
-                  <a:schemeClr val="tx1">
-                    <a:lumMod val="75000"/>
-                    <a:lumOff val="25000"/>
-                  </a:schemeClr>
-                </a:solidFill>
-                <a:cs typeface="Segoe UI" panose="020B0502040204020203" pitchFamily="34" charset="0"/>
-              </a:rPr>
-              <a:t>(statistic=1.2400000000000002, </a:t>
-            </a:r>
-            <a:r>
-              <a:rPr lang="en-US" altLang="en-US" sz="1400" dirty="0" err="1">
-                <a:solidFill>
-                  <a:schemeClr val="tx1">
-                    <a:lumMod val="75000"/>
-                    <a:lumOff val="25000"/>
-                  </a:schemeClr>
-                </a:solidFill>
-                <a:cs typeface="Segoe UI" panose="020B0502040204020203" pitchFamily="34" charset="0"/>
-              </a:rPr>
-              <a:t>pvalue</a:t>
-            </a:r>
-            <a:r>
-              <a:rPr lang="en-US" altLang="en-US" sz="1400" dirty="0">
-                <a:solidFill>
-                  <a:schemeClr val="tx1">
-                    <a:lumMod val="75000"/>
-                    <a:lumOff val="25000"/>
-                  </a:schemeClr>
-                </a:solidFill>
-                <a:cs typeface="Segoe UI" panose="020B0502040204020203" pitchFamily="34" charset="0"/>
-              </a:rPr>
-              <a:t>=0.7434275021945493) </a:t>
-            </a:r>
-          </a:p>
-          <a:p>
-            <a:pPr algn="ctr">
-              <a:lnSpc>
-                <a:spcPts val="1900"/>
-              </a:lnSpc>
-            </a:pPr>
-            <a:r>
-              <a:rPr lang="en-US" sz="1400" dirty="0">
-                <a:solidFill>
-                  <a:schemeClr val="tx1">
-                    <a:lumMod val="75000"/>
-                    <a:lumOff val="25000"/>
-                  </a:schemeClr>
-                </a:solidFill>
-                <a:cs typeface="Segoe UI" panose="020B0502040204020203" pitchFamily="34" charset="0"/>
-              </a:rPr>
-              <a:t>e</a:t>
+            <a:pPr algn="ctr"/>
+            <a:r>
+              <a:rPr lang="en-AU" sz="5400" dirty="0"/>
+              <a:t>Challenge</a:t>
             </a:r>
           </a:p>
         </p:txBody>
@@ -20762,7 +24590,7 @@
     </p:spTree>
     <p:extLst>
       <p:ext uri="{BB962C8B-B14F-4D97-AF65-F5344CB8AC3E}">
-        <p14:creationId xmlns:p14="http://schemas.microsoft.com/office/powerpoint/2010/main" val="1334382941"/>
+        <p14:creationId xmlns:p14="http://schemas.microsoft.com/office/powerpoint/2010/main" val="2240998159"/>
       </p:ext>
     </p:extLst>
   </p:cSld>
@@ -20791,10 +24619,54 @@
       </p:grpSpPr>
       <p:sp>
         <p:nvSpPr>
+          <p:cNvPr id="6" name="Rectangle: Rounded Corners 5">
+            <a:extLst>
+              <a:ext uri="{FF2B5EF4-FFF2-40B4-BE49-F238E27FC236}">
+                <a16:creationId xmlns:a16="http://schemas.microsoft.com/office/drawing/2014/main" id="{96F4EF07-644D-4E42-8689-B2D83C72BD41}"/>
+              </a:ext>
+            </a:extLst>
+          </p:cNvPr>
+          <p:cNvSpPr/>
+          <p:nvPr/>
+        </p:nvSpPr>
+        <p:spPr>
+          <a:xfrm>
+            <a:off x="424070" y="663161"/>
+            <a:ext cx="10536652" cy="2002355"/>
+          </a:xfrm>
+          <a:prstGeom prst="roundRect">
+            <a:avLst/>
+          </a:prstGeom>
+        </p:spPr>
+        <p:style>
+          <a:lnRef idx="2">
+            <a:schemeClr val="accent6"/>
+          </a:lnRef>
+          <a:fillRef idx="1">
+            <a:schemeClr val="lt1"/>
+          </a:fillRef>
+          <a:effectRef idx="0">
+            <a:schemeClr val="accent6"/>
+          </a:effectRef>
+          <a:fontRef idx="minor">
+            <a:schemeClr val="dk1"/>
+          </a:fontRef>
+        </p:style>
+        <p:txBody>
+          <a:bodyPr rtlCol="0" anchor="ctr"/>
+          <a:lstStyle/>
+          <a:p>
+            <a:pPr algn="ctr"/>
+            <a:endParaRPr lang="en-AU"/>
+          </a:p>
+        </p:txBody>
+      </p:sp>
+      <p:sp>
+        <p:nvSpPr>
           <p:cNvPr id="7" name="Title 6" hidden="1">
             <a:extLst>
               <a:ext uri="{FF2B5EF4-FFF2-40B4-BE49-F238E27FC236}">
-                <a16:creationId xmlns:a16="http://schemas.microsoft.com/office/drawing/2014/main" id="{7C70995F-D8C5-410A-AA8B-1EE172A29454}"/>
+                <a16:creationId xmlns:a16="http://schemas.microsoft.com/office/drawing/2014/main" id="{ED2F5393-91A3-4102-A584-E902285C507A}"/>
               </a:ext>
             </a:extLst>
           </p:cNvPr>
@@ -20817,7 +24689,7 @@
           <a:p>
             <a:r>
               <a:rPr lang="en-US" dirty="0"/>
-              <a:t>Project analysis slide 10</a:t>
+              <a:t>Project analysis slide 4</a:t>
             </a:r>
           </a:p>
         </p:txBody>
@@ -20841,8 +24713,8 @@
         </p:nvCxnSpPr>
         <p:spPr>
           <a:xfrm>
-            <a:off x="9563100" y="522898"/>
-            <a:ext cx="2628900" cy="0"/>
+            <a:off x="8105775" y="522898"/>
+            <a:ext cx="4086225" cy="0"/>
           </a:xfrm>
           <a:prstGeom prst="line">
             <a:avLst/>
@@ -20888,7 +24760,7 @@
         <p:spPr>
           <a:xfrm>
             <a:off x="228600" y="190500"/>
-            <a:ext cx="11734800" cy="664797"/>
+            <a:ext cx="11734800" cy="775597"/>
           </a:xfrm>
           <a:prstGeom prst="rect">
             <a:avLst/>
@@ -20928,7 +24800,7 @@
                   </a:schemeClr>
                 </a:solidFill>
               </a:rPr>
-              <a:t>What Australian songs do Aussies vote?</a:t>
+              <a:t>Data Framework</a:t>
             </a:r>
             <a:br>
               <a:rPr lang="en-US" sz="2800" dirty="0">
@@ -20940,17 +24812,6 @@
                 </a:solidFill>
               </a:rPr>
             </a:br>
-            <a:r>
-              <a:rPr lang="en-US" sz="2000" dirty="0">
-                <a:solidFill>
-                  <a:schemeClr val="tx1">
-                    <a:lumMod val="75000"/>
-                    <a:lumOff val="25000"/>
-                  </a:schemeClr>
-                </a:solidFill>
-              </a:rPr>
-              <a:t> </a:t>
-            </a:r>
             <a:endParaRPr lang="en-US" sz="2800" dirty="0">
               <a:solidFill>
                 <a:schemeClr val="tx1">
@@ -20982,7 +24843,7 @@
         <p:spPr>
           <a:xfrm>
             <a:off x="0" y="522898"/>
-            <a:ext cx="2600325" cy="0"/>
+            <a:ext cx="4086225" cy="0"/>
           </a:xfrm>
           <a:prstGeom prst="line">
             <a:avLst/>
@@ -21011,342 +24872,12 @@
           </a:fontRef>
         </p:style>
       </p:cxnSp>
-      <p:sp>
-        <p:nvSpPr>
-          <p:cNvPr id="10" name="Rectangle 9">
-            <a:extLst>
-              <a:ext uri="{FF2B5EF4-FFF2-40B4-BE49-F238E27FC236}">
-                <a16:creationId xmlns:a16="http://schemas.microsoft.com/office/drawing/2014/main" id="{1A997C66-4ED4-4017-9439-1D07ED31D783}"/>
-              </a:ext>
-            </a:extLst>
-          </p:cNvPr>
-          <p:cNvSpPr/>
-          <p:nvPr/>
-        </p:nvSpPr>
-        <p:spPr>
-          <a:xfrm>
-            <a:off x="228600" y="1428990"/>
-            <a:ext cx="3863898" cy="467051"/>
-          </a:xfrm>
-          <a:prstGeom prst="rect">
-            <a:avLst/>
-          </a:prstGeom>
-        </p:spPr>
-        <p:txBody>
-          <a:bodyPr wrap="square" lIns="0" tIns="0" rIns="0" bIns="0" anchor="t">
-            <a:spAutoFit/>
-          </a:bodyPr>
-          <a:lstStyle/>
-          <a:p>
-            <a:pPr algn="ctr">
-              <a:lnSpc>
-                <a:spcPts val="1900"/>
-              </a:lnSpc>
-            </a:pPr>
-            <a:r>
-              <a:rPr lang="en-US" sz="1400" dirty="0">
-                <a:solidFill>
-                  <a:schemeClr val="tx1">
-                    <a:lumMod val="75000"/>
-                    <a:lumOff val="25000"/>
-                  </a:schemeClr>
-                </a:solidFill>
-                <a:cs typeface="Segoe UI" panose="020B0502040204020203" pitchFamily="34" charset="0"/>
-              </a:rPr>
-              <a:t>Australians prefer songs with higher </a:t>
-            </a:r>
-            <a:r>
-              <a:rPr lang="en-US" sz="1400" dirty="0" err="1">
-                <a:solidFill>
-                  <a:schemeClr val="tx1">
-                    <a:lumMod val="75000"/>
-                    <a:lumOff val="25000"/>
-                  </a:schemeClr>
-                </a:solidFill>
-                <a:cs typeface="Segoe UI" panose="020B0502040204020203" pitchFamily="34" charset="0"/>
-              </a:rPr>
-              <a:t>speechiness</a:t>
-            </a:r>
-            <a:r>
-              <a:rPr lang="en-US" sz="1400" dirty="0">
-                <a:solidFill>
-                  <a:schemeClr val="tx1">
-                    <a:lumMod val="75000"/>
-                    <a:lumOff val="25000"/>
-                  </a:schemeClr>
-                </a:solidFill>
-                <a:cs typeface="Segoe UI" panose="020B0502040204020203" pitchFamily="34" charset="0"/>
-              </a:rPr>
-              <a:t>, as they gravitate towards familiar accents.</a:t>
-            </a:r>
-          </a:p>
-        </p:txBody>
-      </p:sp>
-      <p:sp>
-        <p:nvSpPr>
-          <p:cNvPr id="12" name="Rectangle 11">
-            <a:extLst>
-              <a:ext uri="{FF2B5EF4-FFF2-40B4-BE49-F238E27FC236}">
-                <a16:creationId xmlns:a16="http://schemas.microsoft.com/office/drawing/2014/main" id="{690C1A7A-78BB-48B4-B5CE-2B9C34E5E67B}"/>
-              </a:ext>
-            </a:extLst>
-          </p:cNvPr>
-          <p:cNvSpPr/>
-          <p:nvPr/>
-        </p:nvSpPr>
-        <p:spPr>
-          <a:xfrm>
-            <a:off x="4292758" y="1324481"/>
-            <a:ext cx="3669213" cy="710707"/>
-          </a:xfrm>
-          <a:prstGeom prst="rect">
-            <a:avLst/>
-          </a:prstGeom>
-        </p:spPr>
-        <p:txBody>
-          <a:bodyPr wrap="square" lIns="0" tIns="0" rIns="0" bIns="0" anchor="t">
-            <a:spAutoFit/>
-          </a:bodyPr>
-          <a:lstStyle/>
-          <a:p>
-            <a:pPr algn="ctr">
-              <a:lnSpc>
-                <a:spcPts val="1900"/>
-              </a:lnSpc>
-            </a:pPr>
-            <a:r>
-              <a:rPr lang="en-US" sz="1400" dirty="0">
-                <a:solidFill>
-                  <a:srgbClr val="FF0000"/>
-                </a:solidFill>
-                <a:cs typeface="Segoe UI" panose="020B0502040204020203" pitchFamily="34" charset="0"/>
-              </a:rPr>
-              <a:t>Compare, for each year, </a:t>
-            </a:r>
-            <a:r>
-              <a:rPr lang="en-US" sz="1400" dirty="0" err="1">
-                <a:solidFill>
-                  <a:srgbClr val="FF0000"/>
-                </a:solidFill>
-                <a:cs typeface="Segoe UI" panose="020B0502040204020203" pitchFamily="34" charset="0"/>
-              </a:rPr>
-              <a:t>speechiness</a:t>
-            </a:r>
-            <a:r>
-              <a:rPr lang="en-US" sz="1400" dirty="0">
-                <a:solidFill>
-                  <a:srgbClr val="FF0000"/>
-                </a:solidFill>
-                <a:cs typeface="Segoe UI" panose="020B0502040204020203" pitchFamily="34" charset="0"/>
-              </a:rPr>
-              <a:t> for Australian artists (as defined by Triple J) vs the all other artists.</a:t>
-            </a:r>
-          </a:p>
-        </p:txBody>
-      </p:sp>
-      <p:sp>
-        <p:nvSpPr>
-          <p:cNvPr id="13" name="Rectangle 12">
-            <a:extLst>
-              <a:ext uri="{FF2B5EF4-FFF2-40B4-BE49-F238E27FC236}">
-                <a16:creationId xmlns:a16="http://schemas.microsoft.com/office/drawing/2014/main" id="{53CF038C-66AF-4E81-9068-703EC0088620}"/>
-              </a:ext>
-            </a:extLst>
-          </p:cNvPr>
-          <p:cNvSpPr/>
-          <p:nvPr/>
-        </p:nvSpPr>
-        <p:spPr>
-          <a:xfrm>
-            <a:off x="7961971" y="1374331"/>
-            <a:ext cx="4268298" cy="710707"/>
-          </a:xfrm>
-          <a:prstGeom prst="rect">
-            <a:avLst/>
-          </a:prstGeom>
-        </p:spPr>
-        <p:txBody>
-          <a:bodyPr wrap="square" lIns="0" tIns="0" rIns="0" bIns="0" anchor="t">
-            <a:spAutoFit/>
-          </a:bodyPr>
-          <a:lstStyle/>
-          <a:p>
-            <a:pPr algn="ctr">
-              <a:lnSpc>
-                <a:spcPts val="1900"/>
-              </a:lnSpc>
-            </a:pPr>
-            <a:r>
-              <a:rPr lang="en-US" sz="1400" dirty="0">
-                <a:solidFill>
-                  <a:schemeClr val="tx1">
-                    <a:lumMod val="75000"/>
-                    <a:lumOff val="25000"/>
-                  </a:schemeClr>
-                </a:solidFill>
-                <a:cs typeface="Segoe UI" panose="020B0502040204020203" pitchFamily="34" charset="0"/>
-              </a:rPr>
-              <a:t>Data demonstrates that Australian Triple J voters prefer less </a:t>
-            </a:r>
-            <a:r>
-              <a:rPr lang="en-US" sz="1400" dirty="0" err="1">
-                <a:solidFill>
-                  <a:schemeClr val="tx1">
-                    <a:lumMod val="75000"/>
-                    <a:lumOff val="25000"/>
-                  </a:schemeClr>
-                </a:solidFill>
-                <a:cs typeface="Segoe UI" panose="020B0502040204020203" pitchFamily="34" charset="0"/>
-              </a:rPr>
-              <a:t>speechiness</a:t>
-            </a:r>
-            <a:r>
-              <a:rPr lang="en-US" sz="1400" dirty="0">
-                <a:solidFill>
-                  <a:schemeClr val="tx1">
-                    <a:lumMod val="75000"/>
-                    <a:lumOff val="25000"/>
-                  </a:schemeClr>
-                </a:solidFill>
-                <a:cs typeface="Segoe UI" panose="020B0502040204020203" pitchFamily="34" charset="0"/>
-              </a:rPr>
-              <a:t> in their Australian songs. The results are significant, but some exceptions were observed.</a:t>
-            </a:r>
-          </a:p>
-        </p:txBody>
-      </p:sp>
-      <p:sp>
-        <p:nvSpPr>
-          <p:cNvPr id="26" name="Rectangle 25">
-            <a:extLst>
-              <a:ext uri="{FF2B5EF4-FFF2-40B4-BE49-F238E27FC236}">
-                <a16:creationId xmlns:a16="http://schemas.microsoft.com/office/drawing/2014/main" id="{2D1EC9D4-76A8-4A26-A2A6-D7B18B7CF659}"/>
-              </a:ext>
-            </a:extLst>
-          </p:cNvPr>
-          <p:cNvSpPr/>
-          <p:nvPr/>
-        </p:nvSpPr>
-        <p:spPr>
-          <a:xfrm>
-            <a:off x="334028" y="1064584"/>
-            <a:ext cx="4162870" cy="246221"/>
-          </a:xfrm>
-          <a:prstGeom prst="rect">
-            <a:avLst/>
-          </a:prstGeom>
-        </p:spPr>
-        <p:txBody>
-          <a:bodyPr wrap="square" lIns="0" tIns="0" rIns="0" bIns="0" anchor="t">
-            <a:spAutoFit/>
-          </a:bodyPr>
-          <a:lstStyle/>
-          <a:p>
-            <a:r>
-              <a:rPr lang="en-US" sz="1600" b="1" dirty="0">
-                <a:solidFill>
-                  <a:schemeClr val="tx1">
-                    <a:lumMod val="75000"/>
-                    <a:lumOff val="25000"/>
-                  </a:schemeClr>
-                </a:solidFill>
-                <a:cs typeface="Segoe UI" panose="020B0502040204020203" pitchFamily="34" charset="0"/>
-              </a:rPr>
-              <a:t>Hypothesis</a:t>
-            </a:r>
-          </a:p>
-        </p:txBody>
-      </p:sp>
-      <p:sp>
-        <p:nvSpPr>
-          <p:cNvPr id="27" name="Rectangle 26">
-            <a:extLst>
-              <a:ext uri="{FF2B5EF4-FFF2-40B4-BE49-F238E27FC236}">
-                <a16:creationId xmlns:a16="http://schemas.microsoft.com/office/drawing/2014/main" id="{8B9D6654-5A8B-4A3E-B65B-E6BEC7BC3E92}"/>
-              </a:ext>
-            </a:extLst>
-          </p:cNvPr>
-          <p:cNvSpPr/>
-          <p:nvPr/>
-        </p:nvSpPr>
-        <p:spPr>
-          <a:xfrm>
-            <a:off x="8067399" y="1124343"/>
-            <a:ext cx="4162870" cy="246221"/>
-          </a:xfrm>
-          <a:prstGeom prst="rect">
-            <a:avLst/>
-          </a:prstGeom>
-        </p:spPr>
-        <p:txBody>
-          <a:bodyPr wrap="square" lIns="0" tIns="0" rIns="0" bIns="0" anchor="t">
-            <a:spAutoFit/>
-          </a:bodyPr>
-          <a:lstStyle/>
-          <a:p>
-            <a:r>
-              <a:rPr lang="en-US" sz="1600" b="1" dirty="0">
-                <a:solidFill>
-                  <a:schemeClr val="tx1">
-                    <a:lumMod val="75000"/>
-                    <a:lumOff val="25000"/>
-                  </a:schemeClr>
-                </a:solidFill>
-                <a:cs typeface="Segoe UI" panose="020B0502040204020203" pitchFamily="34" charset="0"/>
-              </a:rPr>
-              <a:t>Conclusion</a:t>
-            </a:r>
-          </a:p>
-        </p:txBody>
-      </p:sp>
-      <p:sp>
-        <p:nvSpPr>
-          <p:cNvPr id="28" name="Rectangle 27">
-            <a:extLst>
-              <a:ext uri="{FF2B5EF4-FFF2-40B4-BE49-F238E27FC236}">
-                <a16:creationId xmlns:a16="http://schemas.microsoft.com/office/drawing/2014/main" id="{A4EE4EF6-1BD1-4EE8-8C26-1356267F05F1}"/>
-              </a:ext>
-            </a:extLst>
-          </p:cNvPr>
-          <p:cNvSpPr/>
-          <p:nvPr/>
-        </p:nvSpPr>
-        <p:spPr>
-          <a:xfrm>
-            <a:off x="4398186" y="1078259"/>
-            <a:ext cx="4162870" cy="246221"/>
-          </a:xfrm>
-          <a:prstGeom prst="rect">
-            <a:avLst/>
-          </a:prstGeom>
-        </p:spPr>
-        <p:txBody>
-          <a:bodyPr wrap="square" lIns="0" tIns="0" rIns="0" bIns="0" anchor="t">
-            <a:spAutoFit/>
-          </a:bodyPr>
-          <a:lstStyle/>
-          <a:p>
-            <a:r>
-              <a:rPr lang="en-US" sz="1600" b="1" dirty="0">
-                <a:solidFill>
-                  <a:schemeClr val="tx1">
-                    <a:lumMod val="75000"/>
-                    <a:lumOff val="25000"/>
-                  </a:schemeClr>
-                </a:solidFill>
-                <a:cs typeface="Segoe UI" panose="020B0502040204020203" pitchFamily="34" charset="0"/>
-              </a:rPr>
-              <a:t>Testing</a:t>
-            </a:r>
-          </a:p>
-        </p:txBody>
-      </p:sp>
       <p:pic>
         <p:nvPicPr>
-          <p:cNvPr id="3" name="Picture 2">
-            <a:extLst>
-              <a:ext uri="{FF2B5EF4-FFF2-40B4-BE49-F238E27FC236}">
-                <a16:creationId xmlns:a16="http://schemas.microsoft.com/office/drawing/2014/main" id="{AE9D1F1C-5818-405E-88B1-174ECE9B1185}"/>
+          <p:cNvPr id="9" name="Picture 8">
+            <a:extLst>
+              <a:ext uri="{FF2B5EF4-FFF2-40B4-BE49-F238E27FC236}">
+                <a16:creationId xmlns:a16="http://schemas.microsoft.com/office/drawing/2014/main" id="{F38D23E0-90B3-43E4-82DA-493418211304}"/>
               </a:ext>
             </a:extLst>
           </p:cNvPr>
@@ -21363,20 +24894,55 @@
         </p:blipFill>
         <p:spPr>
           <a:xfrm>
-            <a:off x="228600" y="2548683"/>
-            <a:ext cx="2430058" cy="3595638"/>
+            <a:off x="770250" y="3171666"/>
+            <a:ext cx="1322514" cy="3171714"/>
           </a:xfrm>
           <a:prstGeom prst="rect">
             <a:avLst/>
           </a:prstGeom>
         </p:spPr>
       </p:pic>
+      <p:sp>
+        <p:nvSpPr>
+          <p:cNvPr id="16" name="TextBox 15">
+            <a:extLst>
+              <a:ext uri="{FF2B5EF4-FFF2-40B4-BE49-F238E27FC236}">
+                <a16:creationId xmlns:a16="http://schemas.microsoft.com/office/drawing/2014/main" id="{C0D7C618-C0D0-4E1D-B20E-A44FE87C2D5B}"/>
+              </a:ext>
+            </a:extLst>
+          </p:cNvPr>
+          <p:cNvSpPr txBox="1"/>
+          <p:nvPr/>
+        </p:nvSpPr>
+        <p:spPr>
+          <a:xfrm>
+            <a:off x="761418" y="2731544"/>
+            <a:ext cx="1331347" cy="335215"/>
+          </a:xfrm>
+          <a:prstGeom prst="rect">
+            <a:avLst/>
+          </a:prstGeom>
+          <a:noFill/>
+        </p:spPr>
+        <p:txBody>
+          <a:bodyPr wrap="none" rtlCol="0">
+            <a:spAutoFit/>
+          </a:bodyPr>
+          <a:lstStyle/>
+          <a:p>
+            <a:r>
+              <a:rPr lang="en-AU" dirty="0"/>
+              <a:t>Triple J dataset</a:t>
+            </a:r>
+          </a:p>
+        </p:txBody>
+      </p:sp>
       <p:pic>
         <p:nvPicPr>
-          <p:cNvPr id="6" name="Picture 5">
-            <a:extLst>
-              <a:ext uri="{FF2B5EF4-FFF2-40B4-BE49-F238E27FC236}">
-                <a16:creationId xmlns:a16="http://schemas.microsoft.com/office/drawing/2014/main" id="{D23B7375-B8E2-447B-A4BF-E80648120CE8}"/>
+          <p:cNvPr id="18" name="Picture 17">
+            <a:extLst>
+              <a:ext uri="{FF2B5EF4-FFF2-40B4-BE49-F238E27FC236}">
+                <a16:creationId xmlns:a16="http://schemas.microsoft.com/office/drawing/2014/main" id="{3BE80708-2F4F-4340-9C3D-5A183C1F8FF5}"/>
               </a:ext>
             </a:extLst>
           </p:cNvPr>
@@ -21393,8 +24959,8 @@
         </p:blipFill>
         <p:spPr>
           <a:xfrm>
-            <a:off x="2505936" y="2608881"/>
-            <a:ext cx="9003105" cy="3461824"/>
+            <a:off x="3569201" y="3108732"/>
+            <a:ext cx="1172960" cy="3506589"/>
           </a:xfrm>
           <a:prstGeom prst="rect">
             <a:avLst/>
@@ -21403,99 +24969,45 @@
       </p:pic>
       <p:sp>
         <p:nvSpPr>
-          <p:cNvPr id="9" name="Rectangle 1">
-            <a:extLst>
-              <a:ext uri="{FF2B5EF4-FFF2-40B4-BE49-F238E27FC236}">
-                <a16:creationId xmlns:a16="http://schemas.microsoft.com/office/drawing/2014/main" id="{2B893715-7FF7-4B86-8E78-DAC1DC4DCF39}"/>
-              </a:ext>
-            </a:extLst>
-          </p:cNvPr>
-          <p:cNvSpPr>
-            <a:spLocks noChangeArrowheads="1"/>
-          </p:cNvSpPr>
+          <p:cNvPr id="47" name="TextBox 46">
+            <a:extLst>
+              <a:ext uri="{FF2B5EF4-FFF2-40B4-BE49-F238E27FC236}">
+                <a16:creationId xmlns:a16="http://schemas.microsoft.com/office/drawing/2014/main" id="{64E8D467-41BB-4A36-AD97-ACB5FA65067F}"/>
+              </a:ext>
+            </a:extLst>
+          </p:cNvPr>
+          <p:cNvSpPr txBox="1"/>
           <p:nvPr/>
         </p:nvSpPr>
-        <p:spPr bwMode="auto">
+        <p:spPr>
           <a:xfrm>
-            <a:off x="-379142" y="6564458"/>
-            <a:ext cx="65" cy="276999"/>
+            <a:off x="3394172" y="2668441"/>
+            <a:ext cx="1347988" cy="335215"/>
           </a:xfrm>
           <a:prstGeom prst="rect">
             <a:avLst/>
           </a:prstGeom>
-          <a:solidFill>
-            <a:srgbClr val="FFFFFF"/>
-          </a:solidFill>
-          <a:ln>
-            <a:noFill/>
-          </a:ln>
-          <a:effectLst/>
-          <a:extLst>
-            <a:ext uri="{91240B29-F687-4F45-9708-019B960494DF}">
-              <a14:hiddenLine xmlns:a14="http://schemas.microsoft.com/office/drawing/2010/main" w="9525">
-                <a:solidFill>
-                  <a:schemeClr val="tx1"/>
-                </a:solidFill>
-                <a:miter lim="800000"/>
-                <a:headEnd/>
-                <a:tailEnd/>
-              </a14:hiddenLine>
-            </a:ext>
-            <a:ext uri="{AF507438-7753-43E0-B8FC-AC1667EBCBE1}">
-              <a14:hiddenEffects xmlns:a14="http://schemas.microsoft.com/office/drawing/2010/main">
-                <a:effectLst>
-                  <a:outerShdw dist="35921" dir="2700000" algn="ctr" rotWithShape="0">
-                    <a:schemeClr val="bg2"/>
-                  </a:outerShdw>
-                </a:effectLst>
-              </a14:hiddenEffects>
-            </a:ext>
-          </a:extLst>
+          <a:noFill/>
         </p:spPr>
         <p:txBody>
-          <a:bodyPr vert="horz" wrap="none" lIns="0" tIns="0" rIns="0" bIns="0" numCol="1" anchor="ctr" anchorCtr="0" compatLnSpc="1">
-            <a:prstTxWarp prst="textNoShape">
-              <a:avLst/>
-            </a:prstTxWarp>
+          <a:bodyPr wrap="none" rtlCol="0">
             <a:spAutoFit/>
           </a:bodyPr>
           <a:lstStyle/>
           <a:p>
-            <a:pPr marL="0" marR="0" lvl="0" indent="0" algn="l" defTabSz="914400" rtl="0" eaLnBrk="0" fontAlgn="base" latinLnBrk="0" hangingPunct="0">
-              <a:lnSpc>
-                <a:spcPct val="100000"/>
-              </a:lnSpc>
-              <a:spcBef>
-                <a:spcPct val="0"/>
-              </a:spcBef>
-              <a:spcAft>
-                <a:spcPct val="0"/>
-              </a:spcAft>
-              <a:buClrTx/>
-              <a:buSzTx/>
-              <a:buFontTx/>
-              <a:buNone/>
-              <a:tabLst/>
-            </a:pPr>
-            <a:endParaRPr kumimoji="0" lang="en-US" altLang="en-US" sz="1800" b="0" i="0" u="none" strike="noStrike" cap="none" normalizeH="0" baseline="0" dirty="0">
-              <a:ln>
-                <a:noFill/>
-              </a:ln>
-              <a:solidFill>
-                <a:schemeClr val="tx1"/>
-              </a:solidFill>
-              <a:effectLst/>
-              <a:latin typeface="Arial" panose="020B0604020202020204" pitchFamily="34" charset="0"/>
-            </a:endParaRPr>
+            <a:r>
+              <a:rPr lang="en-AU" dirty="0"/>
+              <a:t>Spotify dataset</a:t>
+            </a:r>
           </a:p>
         </p:txBody>
       </p:sp>
       <p:sp>
         <p:nvSpPr>
-          <p:cNvPr id="18" name="Rectangle 17">
-            <a:extLst>
-              <a:ext uri="{FF2B5EF4-FFF2-40B4-BE49-F238E27FC236}">
-                <a16:creationId xmlns:a16="http://schemas.microsoft.com/office/drawing/2014/main" id="{0AE286E7-C681-4F3C-96A5-79E08FA351B8}"/>
+          <p:cNvPr id="19" name="Rectangle: Rounded Corners 18">
+            <a:extLst>
+              <a:ext uri="{FF2B5EF4-FFF2-40B4-BE49-F238E27FC236}">
+                <a16:creationId xmlns:a16="http://schemas.microsoft.com/office/drawing/2014/main" id="{8EAF6AFD-6029-4006-AAFF-16184E098DCC}"/>
               </a:ext>
             </a:extLst>
           </p:cNvPr>
@@ -21504,67 +25016,884 @@
         </p:nvSpPr>
         <p:spPr>
           <a:xfrm>
-            <a:off x="2968081" y="6130903"/>
-            <a:ext cx="8462769" cy="223394"/>
+            <a:off x="561688" y="5677710"/>
+            <a:ext cx="1730804" cy="335215"/>
+          </a:xfrm>
+          <a:prstGeom prst="roundRect">
+            <a:avLst>
+              <a:gd name="adj" fmla="val 50000"/>
+            </a:avLst>
+          </a:prstGeom>
+          <a:solidFill>
+            <a:srgbClr val="E20613">
+              <a:alpha val="20000"/>
+            </a:srgbClr>
+          </a:solidFill>
+        </p:spPr>
+        <p:style>
+          <a:lnRef idx="2">
+            <a:schemeClr val="accent1">
+              <a:shade val="50000"/>
+            </a:schemeClr>
+          </a:lnRef>
+          <a:fillRef idx="1">
+            <a:schemeClr val="accent1"/>
+          </a:fillRef>
+          <a:effectRef idx="0">
+            <a:schemeClr val="accent1"/>
+          </a:effectRef>
+          <a:fontRef idx="minor">
+            <a:schemeClr val="lt1"/>
+          </a:fontRef>
+        </p:style>
+        <p:txBody>
+          <a:bodyPr rtlCol="0" anchor="ctr"/>
+          <a:lstStyle/>
+          <a:p>
+            <a:pPr algn="ctr"/>
+            <a:endParaRPr lang="en-AU"/>
+          </a:p>
+        </p:txBody>
+      </p:sp>
+      <p:sp>
+        <p:nvSpPr>
+          <p:cNvPr id="51" name="Rectangle: Rounded Corners 50">
+            <a:extLst>
+              <a:ext uri="{FF2B5EF4-FFF2-40B4-BE49-F238E27FC236}">
+                <a16:creationId xmlns:a16="http://schemas.microsoft.com/office/drawing/2014/main" id="{17C643BC-AA59-4B95-ACF7-8E297A26AF5F}"/>
+              </a:ext>
+            </a:extLst>
+          </p:cNvPr>
+          <p:cNvSpPr/>
+          <p:nvPr/>
+        </p:nvSpPr>
+        <p:spPr>
+          <a:xfrm>
+            <a:off x="561688" y="4422307"/>
+            <a:ext cx="1730804" cy="335215"/>
+          </a:xfrm>
+          <a:prstGeom prst="roundRect">
+            <a:avLst>
+              <a:gd name="adj" fmla="val 50000"/>
+            </a:avLst>
+          </a:prstGeom>
+          <a:solidFill>
+            <a:schemeClr val="accent5">
+              <a:lumMod val="60000"/>
+              <a:lumOff val="40000"/>
+              <a:alpha val="20000"/>
+            </a:schemeClr>
+          </a:solidFill>
+        </p:spPr>
+        <p:style>
+          <a:lnRef idx="2">
+            <a:schemeClr val="accent1">
+              <a:shade val="50000"/>
+            </a:schemeClr>
+          </a:lnRef>
+          <a:fillRef idx="1">
+            <a:schemeClr val="accent1"/>
+          </a:fillRef>
+          <a:effectRef idx="0">
+            <a:schemeClr val="accent1"/>
+          </a:effectRef>
+          <a:fontRef idx="minor">
+            <a:schemeClr val="lt1"/>
+          </a:fontRef>
+        </p:style>
+        <p:txBody>
+          <a:bodyPr rtlCol="0" anchor="ctr"/>
+          <a:lstStyle/>
+          <a:p>
+            <a:pPr algn="ctr"/>
+            <a:endParaRPr lang="en-AU"/>
+          </a:p>
+        </p:txBody>
+      </p:sp>
+      <p:sp>
+        <p:nvSpPr>
+          <p:cNvPr id="52" name="Rectangle: Rounded Corners 51">
+            <a:extLst>
+              <a:ext uri="{FF2B5EF4-FFF2-40B4-BE49-F238E27FC236}">
+                <a16:creationId xmlns:a16="http://schemas.microsoft.com/office/drawing/2014/main" id="{537C6AAC-C6BD-48D4-B46D-BA998DC26B8E}"/>
+              </a:ext>
+            </a:extLst>
+          </p:cNvPr>
+          <p:cNvSpPr/>
+          <p:nvPr/>
+        </p:nvSpPr>
+        <p:spPr>
+          <a:xfrm>
+            <a:off x="3290277" y="4026455"/>
+            <a:ext cx="1730804" cy="335215"/>
+          </a:xfrm>
+          <a:prstGeom prst="roundRect">
+            <a:avLst>
+              <a:gd name="adj" fmla="val 50000"/>
+            </a:avLst>
+          </a:prstGeom>
+          <a:solidFill>
+            <a:schemeClr val="accent5">
+              <a:lumMod val="60000"/>
+              <a:lumOff val="40000"/>
+              <a:alpha val="20000"/>
+            </a:schemeClr>
+          </a:solidFill>
+        </p:spPr>
+        <p:style>
+          <a:lnRef idx="2">
+            <a:schemeClr val="accent1">
+              <a:shade val="50000"/>
+            </a:schemeClr>
+          </a:lnRef>
+          <a:fillRef idx="1">
+            <a:schemeClr val="accent1"/>
+          </a:fillRef>
+          <a:effectRef idx="0">
+            <a:schemeClr val="accent1"/>
+          </a:effectRef>
+          <a:fontRef idx="minor">
+            <a:schemeClr val="lt1"/>
+          </a:fontRef>
+        </p:style>
+        <p:txBody>
+          <a:bodyPr rtlCol="0" anchor="ctr"/>
+          <a:lstStyle/>
+          <a:p>
+            <a:pPr algn="ctr"/>
+            <a:endParaRPr lang="en-AU"/>
+          </a:p>
+        </p:txBody>
+      </p:sp>
+      <p:sp>
+        <p:nvSpPr>
+          <p:cNvPr id="55" name="Rectangle: Rounded Corners 54">
+            <a:extLst>
+              <a:ext uri="{FF2B5EF4-FFF2-40B4-BE49-F238E27FC236}">
+                <a16:creationId xmlns:a16="http://schemas.microsoft.com/office/drawing/2014/main" id="{095B1B90-6B3E-4959-96D7-70AD8547E67E}"/>
+              </a:ext>
+            </a:extLst>
+          </p:cNvPr>
+          <p:cNvSpPr/>
+          <p:nvPr/>
+        </p:nvSpPr>
+        <p:spPr>
+          <a:xfrm>
+            <a:off x="566686" y="4068369"/>
+            <a:ext cx="1730804" cy="335215"/>
+          </a:xfrm>
+          <a:prstGeom prst="roundRect">
+            <a:avLst>
+              <a:gd name="adj" fmla="val 50000"/>
+            </a:avLst>
+          </a:prstGeom>
+          <a:solidFill>
+            <a:srgbClr val="92D050">
+              <a:alpha val="20000"/>
+            </a:srgbClr>
+          </a:solidFill>
+        </p:spPr>
+        <p:style>
+          <a:lnRef idx="2">
+            <a:schemeClr val="accent1">
+              <a:shade val="50000"/>
+            </a:schemeClr>
+          </a:lnRef>
+          <a:fillRef idx="1">
+            <a:schemeClr val="accent1"/>
+          </a:fillRef>
+          <a:effectRef idx="0">
+            <a:schemeClr val="accent1"/>
+          </a:effectRef>
+          <a:fontRef idx="minor">
+            <a:schemeClr val="lt1"/>
+          </a:fontRef>
+        </p:style>
+        <p:txBody>
+          <a:bodyPr rtlCol="0" anchor="ctr"/>
+          <a:lstStyle/>
+          <a:p>
+            <a:pPr algn="ctr"/>
+            <a:r>
+              <a:rPr lang="en-AU" dirty="0"/>
+              <a:t>`</a:t>
+            </a:r>
+          </a:p>
+        </p:txBody>
+      </p:sp>
+      <p:sp>
+        <p:nvSpPr>
+          <p:cNvPr id="56" name="Rectangle: Rounded Corners 55">
+            <a:extLst>
+              <a:ext uri="{FF2B5EF4-FFF2-40B4-BE49-F238E27FC236}">
+                <a16:creationId xmlns:a16="http://schemas.microsoft.com/office/drawing/2014/main" id="{A7C7130C-3A06-45DA-B8CD-FF452BD08DF1}"/>
+              </a:ext>
+            </a:extLst>
+          </p:cNvPr>
+          <p:cNvSpPr/>
+          <p:nvPr/>
+        </p:nvSpPr>
+        <p:spPr>
+          <a:xfrm>
+            <a:off x="3290277" y="3673491"/>
+            <a:ext cx="1730804" cy="335215"/>
+          </a:xfrm>
+          <a:prstGeom prst="roundRect">
+            <a:avLst>
+              <a:gd name="adj" fmla="val 50000"/>
+            </a:avLst>
+          </a:prstGeom>
+          <a:solidFill>
+            <a:srgbClr val="92D050">
+              <a:alpha val="20000"/>
+            </a:srgbClr>
+          </a:solidFill>
+        </p:spPr>
+        <p:style>
+          <a:lnRef idx="2">
+            <a:schemeClr val="accent1">
+              <a:shade val="50000"/>
+            </a:schemeClr>
+          </a:lnRef>
+          <a:fillRef idx="1">
+            <a:schemeClr val="accent1"/>
+          </a:fillRef>
+          <a:effectRef idx="0">
+            <a:schemeClr val="accent1"/>
+          </a:effectRef>
+          <a:fontRef idx="minor">
+            <a:schemeClr val="lt1"/>
+          </a:fontRef>
+        </p:style>
+        <p:txBody>
+          <a:bodyPr rtlCol="0" anchor="ctr"/>
+          <a:lstStyle/>
+          <a:p>
+            <a:pPr algn="ctr"/>
+            <a:endParaRPr lang="en-AU"/>
+          </a:p>
+        </p:txBody>
+      </p:sp>
+      <p:sp>
+        <p:nvSpPr>
+          <p:cNvPr id="133" name="Rectangle: Rounded Corners 132">
+            <a:extLst>
+              <a:ext uri="{FF2B5EF4-FFF2-40B4-BE49-F238E27FC236}">
+                <a16:creationId xmlns:a16="http://schemas.microsoft.com/office/drawing/2014/main" id="{85981671-C451-4319-8F09-17350DD46985}"/>
+              </a:ext>
+            </a:extLst>
+          </p:cNvPr>
+          <p:cNvSpPr/>
+          <p:nvPr/>
+        </p:nvSpPr>
+        <p:spPr>
+          <a:xfrm>
+            <a:off x="3290276" y="5929725"/>
+            <a:ext cx="1730804" cy="335215"/>
+          </a:xfrm>
+          <a:prstGeom prst="roundRect">
+            <a:avLst>
+              <a:gd name="adj" fmla="val 50000"/>
+            </a:avLst>
+          </a:prstGeom>
+          <a:solidFill>
+            <a:srgbClr val="E20613">
+              <a:alpha val="20000"/>
+            </a:srgbClr>
+          </a:solidFill>
+        </p:spPr>
+        <p:style>
+          <a:lnRef idx="2">
+            <a:schemeClr val="accent1">
+              <a:shade val="50000"/>
+            </a:schemeClr>
+          </a:lnRef>
+          <a:fillRef idx="1">
+            <a:schemeClr val="accent1"/>
+          </a:fillRef>
+          <a:effectRef idx="0">
+            <a:schemeClr val="accent1"/>
+          </a:effectRef>
+          <a:fontRef idx="minor">
+            <a:schemeClr val="lt1"/>
+          </a:fontRef>
+        </p:style>
+        <p:txBody>
+          <a:bodyPr rtlCol="0" anchor="ctr"/>
+          <a:lstStyle/>
+          <a:p>
+            <a:pPr algn="ctr"/>
+            <a:endParaRPr lang="en-AU"/>
+          </a:p>
+        </p:txBody>
+      </p:sp>
+      <p:sp>
+        <p:nvSpPr>
+          <p:cNvPr id="134" name="Rectangle: Rounded Corners 133">
+            <a:extLst>
+              <a:ext uri="{FF2B5EF4-FFF2-40B4-BE49-F238E27FC236}">
+                <a16:creationId xmlns:a16="http://schemas.microsoft.com/office/drawing/2014/main" id="{535C2677-11D7-43D7-B760-4B1BFB01D6AB}"/>
+              </a:ext>
+            </a:extLst>
+          </p:cNvPr>
+          <p:cNvSpPr/>
+          <p:nvPr/>
+        </p:nvSpPr>
+        <p:spPr>
+          <a:xfrm>
+            <a:off x="554609" y="6032799"/>
+            <a:ext cx="1730804" cy="335215"/>
+          </a:xfrm>
+          <a:prstGeom prst="roundRect">
+            <a:avLst>
+              <a:gd name="adj" fmla="val 50000"/>
+            </a:avLst>
+          </a:prstGeom>
+          <a:solidFill>
+            <a:srgbClr val="FFFF00">
+              <a:alpha val="20000"/>
+            </a:srgbClr>
+          </a:solidFill>
+        </p:spPr>
+        <p:style>
+          <a:lnRef idx="2">
+            <a:schemeClr val="accent1">
+              <a:shade val="50000"/>
+            </a:schemeClr>
+          </a:lnRef>
+          <a:fillRef idx="1">
+            <a:schemeClr val="accent1"/>
+          </a:fillRef>
+          <a:effectRef idx="0">
+            <a:schemeClr val="accent1"/>
+          </a:effectRef>
+          <a:fontRef idx="minor">
+            <a:schemeClr val="lt1"/>
+          </a:fontRef>
+        </p:style>
+        <p:txBody>
+          <a:bodyPr rtlCol="0" anchor="ctr"/>
+          <a:lstStyle/>
+          <a:p>
+            <a:pPr algn="ctr"/>
+            <a:endParaRPr lang="en-AU"/>
+          </a:p>
+        </p:txBody>
+      </p:sp>
+      <p:sp>
+        <p:nvSpPr>
+          <p:cNvPr id="135" name="Rectangle: Rounded Corners 134">
+            <a:extLst>
+              <a:ext uri="{FF2B5EF4-FFF2-40B4-BE49-F238E27FC236}">
+                <a16:creationId xmlns:a16="http://schemas.microsoft.com/office/drawing/2014/main" id="{798F5853-0BAE-406E-8ED2-42655172BC15}"/>
+              </a:ext>
+            </a:extLst>
+          </p:cNvPr>
+          <p:cNvSpPr/>
+          <p:nvPr/>
+        </p:nvSpPr>
+        <p:spPr>
+          <a:xfrm>
+            <a:off x="3290276" y="6297856"/>
+            <a:ext cx="1730804" cy="335215"/>
+          </a:xfrm>
+          <a:prstGeom prst="roundRect">
+            <a:avLst>
+              <a:gd name="adj" fmla="val 50000"/>
+            </a:avLst>
+          </a:prstGeom>
+          <a:solidFill>
+            <a:srgbClr val="FFFF00">
+              <a:alpha val="20000"/>
+            </a:srgbClr>
+          </a:solidFill>
+        </p:spPr>
+        <p:style>
+          <a:lnRef idx="2">
+            <a:schemeClr val="accent1">
+              <a:shade val="50000"/>
+            </a:schemeClr>
+          </a:lnRef>
+          <a:fillRef idx="1">
+            <a:schemeClr val="accent1"/>
+          </a:fillRef>
+          <a:effectRef idx="0">
+            <a:schemeClr val="accent1"/>
+          </a:effectRef>
+          <a:fontRef idx="minor">
+            <a:schemeClr val="lt1"/>
+          </a:fontRef>
+        </p:style>
+        <p:txBody>
+          <a:bodyPr rtlCol="0" anchor="ctr"/>
+          <a:lstStyle/>
+          <a:p>
+            <a:pPr algn="ctr"/>
+            <a:endParaRPr lang="en-AU"/>
+          </a:p>
+        </p:txBody>
+      </p:sp>
+      <p:cxnSp>
+        <p:nvCxnSpPr>
+          <p:cNvPr id="146" name="Connector: Elbow 145">
+            <a:extLst>
+              <a:ext uri="{FF2B5EF4-FFF2-40B4-BE49-F238E27FC236}">
+                <a16:creationId xmlns:a16="http://schemas.microsoft.com/office/drawing/2014/main" id="{2727B108-B937-493A-8170-F614A272B7AE}"/>
+              </a:ext>
+            </a:extLst>
+          </p:cNvPr>
+          <p:cNvCxnSpPr>
+            <a:stCxn id="55" idx="1"/>
+            <a:endCxn id="134" idx="1"/>
+          </p:cNvCxnSpPr>
+          <p:nvPr/>
+        </p:nvCxnSpPr>
+        <p:spPr>
+          <a:xfrm rot="10800000" flipV="1">
+            <a:off x="554609" y="4235976"/>
+            <a:ext cx="12077" cy="1964430"/>
+          </a:xfrm>
+          <a:prstGeom prst="bentConnector3">
+            <a:avLst>
+              <a:gd name="adj1" fmla="val 2000104"/>
+            </a:avLst>
+          </a:prstGeom>
+          <a:ln>
+            <a:tailEnd type="triangle"/>
+          </a:ln>
+        </p:spPr>
+        <p:style>
+          <a:lnRef idx="1">
+            <a:schemeClr val="accent1"/>
+          </a:lnRef>
+          <a:fillRef idx="0">
+            <a:schemeClr val="accent1"/>
+          </a:fillRef>
+          <a:effectRef idx="0">
+            <a:schemeClr val="accent1"/>
+          </a:effectRef>
+          <a:fontRef idx="minor">
+            <a:schemeClr val="tx1"/>
+          </a:fontRef>
+        </p:style>
+      </p:cxnSp>
+      <p:cxnSp>
+        <p:nvCxnSpPr>
+          <p:cNvPr id="149" name="Connector: Elbow 148">
+            <a:extLst>
+              <a:ext uri="{FF2B5EF4-FFF2-40B4-BE49-F238E27FC236}">
+                <a16:creationId xmlns:a16="http://schemas.microsoft.com/office/drawing/2014/main" id="{8F7F965B-8D38-46DA-8253-F25E4D42C410}"/>
+              </a:ext>
+            </a:extLst>
+          </p:cNvPr>
+          <p:cNvCxnSpPr>
+            <a:stCxn id="51" idx="1"/>
+            <a:endCxn id="19" idx="1"/>
+          </p:cNvCxnSpPr>
+          <p:nvPr/>
+        </p:nvCxnSpPr>
+        <p:spPr>
+          <a:xfrm rot="10800000" flipV="1">
+            <a:off x="561688" y="4589914"/>
+            <a:ext cx="10599" cy="1255403"/>
+          </a:xfrm>
+          <a:prstGeom prst="bentConnector3">
+            <a:avLst>
+              <a:gd name="adj1" fmla="val 1173913"/>
+            </a:avLst>
+          </a:prstGeom>
+          <a:ln>
+            <a:tailEnd type="triangle"/>
+          </a:ln>
+        </p:spPr>
+        <p:style>
+          <a:lnRef idx="1">
+            <a:schemeClr val="accent1"/>
+          </a:lnRef>
+          <a:fillRef idx="0">
+            <a:schemeClr val="accent1"/>
+          </a:fillRef>
+          <a:effectRef idx="0">
+            <a:schemeClr val="accent1"/>
+          </a:effectRef>
+          <a:fontRef idx="minor">
+            <a:schemeClr val="tx1"/>
+          </a:fontRef>
+        </p:style>
+      </p:cxnSp>
+      <p:cxnSp>
+        <p:nvCxnSpPr>
+          <p:cNvPr id="13" name="Straight Arrow Connector 12">
+            <a:extLst>
+              <a:ext uri="{FF2B5EF4-FFF2-40B4-BE49-F238E27FC236}">
+                <a16:creationId xmlns:a16="http://schemas.microsoft.com/office/drawing/2014/main" id="{AAE63EFD-E3FB-44AD-B215-87217E57DB05}"/>
+              </a:ext>
+            </a:extLst>
+          </p:cNvPr>
+          <p:cNvCxnSpPr>
+            <a:cxnSpLocks/>
+          </p:cNvCxnSpPr>
+          <p:nvPr/>
+        </p:nvCxnSpPr>
+        <p:spPr>
+          <a:xfrm flipH="1">
+            <a:off x="5021080" y="6465464"/>
+            <a:ext cx="300434" cy="0"/>
+          </a:xfrm>
+          <a:prstGeom prst="straightConnector1">
+            <a:avLst/>
+          </a:prstGeom>
+          <a:ln>
+            <a:tailEnd type="triangle"/>
+          </a:ln>
+        </p:spPr>
+        <p:style>
+          <a:lnRef idx="1">
+            <a:schemeClr val="accent1"/>
+          </a:lnRef>
+          <a:fillRef idx="0">
+            <a:schemeClr val="accent1"/>
+          </a:fillRef>
+          <a:effectRef idx="0">
+            <a:schemeClr val="accent1"/>
+          </a:effectRef>
+          <a:fontRef idx="minor">
+            <a:schemeClr val="tx1"/>
+          </a:fontRef>
+        </p:style>
+      </p:cxnSp>
+      <p:cxnSp>
+        <p:nvCxnSpPr>
+          <p:cNvPr id="21" name="Connector: Elbow 20">
+            <a:extLst>
+              <a:ext uri="{FF2B5EF4-FFF2-40B4-BE49-F238E27FC236}">
+                <a16:creationId xmlns:a16="http://schemas.microsoft.com/office/drawing/2014/main" id="{D9EA025A-5633-4307-9BC1-C7005997F6A9}"/>
+              </a:ext>
+            </a:extLst>
+          </p:cNvPr>
+          <p:cNvCxnSpPr>
+            <a:stCxn id="56" idx="3"/>
+          </p:cNvCxnSpPr>
+          <p:nvPr/>
+        </p:nvCxnSpPr>
+        <p:spPr>
+          <a:xfrm>
+            <a:off x="5021081" y="3841098"/>
+            <a:ext cx="300433" cy="2624365"/>
+          </a:xfrm>
+          <a:prstGeom prst="bentConnector2">
+            <a:avLst/>
+          </a:prstGeom>
+        </p:spPr>
+        <p:style>
+          <a:lnRef idx="1">
+            <a:schemeClr val="accent1"/>
+          </a:lnRef>
+          <a:fillRef idx="0">
+            <a:schemeClr val="accent1"/>
+          </a:fillRef>
+          <a:effectRef idx="0">
+            <a:schemeClr val="accent1"/>
+          </a:effectRef>
+          <a:fontRef idx="minor">
+            <a:schemeClr val="tx1"/>
+          </a:fontRef>
+        </p:style>
+      </p:cxnSp>
+      <p:cxnSp>
+        <p:nvCxnSpPr>
+          <p:cNvPr id="26" name="Straight Arrow Connector 25">
+            <a:extLst>
+              <a:ext uri="{FF2B5EF4-FFF2-40B4-BE49-F238E27FC236}">
+                <a16:creationId xmlns:a16="http://schemas.microsoft.com/office/drawing/2014/main" id="{5DBE78CE-C32E-4FEE-B33D-3C18EEA3CE1C}"/>
+              </a:ext>
+            </a:extLst>
+          </p:cNvPr>
+          <p:cNvCxnSpPr>
+            <a:cxnSpLocks/>
+          </p:cNvCxnSpPr>
+          <p:nvPr/>
+        </p:nvCxnSpPr>
+        <p:spPr>
+          <a:xfrm flipH="1">
+            <a:off x="5021081" y="6097333"/>
+            <a:ext cx="150217" cy="0"/>
+          </a:xfrm>
+          <a:prstGeom prst="straightConnector1">
+            <a:avLst/>
+          </a:prstGeom>
+          <a:ln>
+            <a:tailEnd type="triangle"/>
+          </a:ln>
+        </p:spPr>
+        <p:style>
+          <a:lnRef idx="1">
+            <a:schemeClr val="accent1"/>
+          </a:lnRef>
+          <a:fillRef idx="0">
+            <a:schemeClr val="accent1"/>
+          </a:fillRef>
+          <a:effectRef idx="0">
+            <a:schemeClr val="accent1"/>
+          </a:effectRef>
+          <a:fontRef idx="minor">
+            <a:schemeClr val="tx1"/>
+          </a:fontRef>
+        </p:style>
+      </p:cxnSp>
+      <p:cxnSp>
+        <p:nvCxnSpPr>
+          <p:cNvPr id="30" name="Connector: Elbow 29">
+            <a:extLst>
+              <a:ext uri="{FF2B5EF4-FFF2-40B4-BE49-F238E27FC236}">
+                <a16:creationId xmlns:a16="http://schemas.microsoft.com/office/drawing/2014/main" id="{314BDECE-3F4B-4238-B693-F3520082A72B}"/>
+              </a:ext>
+            </a:extLst>
+          </p:cNvPr>
+          <p:cNvCxnSpPr>
+            <a:stCxn id="52" idx="3"/>
+          </p:cNvCxnSpPr>
+          <p:nvPr/>
+        </p:nvCxnSpPr>
+        <p:spPr>
+          <a:xfrm>
+            <a:off x="5021081" y="4194063"/>
+            <a:ext cx="150216" cy="1903270"/>
+          </a:xfrm>
+          <a:prstGeom prst="bentConnector2">
+            <a:avLst/>
+          </a:prstGeom>
+        </p:spPr>
+        <p:style>
+          <a:lnRef idx="1">
+            <a:schemeClr val="accent1"/>
+          </a:lnRef>
+          <a:fillRef idx="0">
+            <a:schemeClr val="accent1"/>
+          </a:fillRef>
+          <a:effectRef idx="0">
+            <a:schemeClr val="accent1"/>
+          </a:effectRef>
+          <a:fontRef idx="minor">
+            <a:schemeClr val="tx1"/>
+          </a:fontRef>
+        </p:style>
+      </p:cxnSp>
+      <p:pic>
+        <p:nvPicPr>
+          <p:cNvPr id="54" name="Picture 53">
+            <a:extLst>
+              <a:ext uri="{FF2B5EF4-FFF2-40B4-BE49-F238E27FC236}">
+                <a16:creationId xmlns:a16="http://schemas.microsoft.com/office/drawing/2014/main" id="{0E41A3EA-53EF-42FB-AB84-82D81C010612}"/>
+              </a:ext>
+            </a:extLst>
+          </p:cNvPr>
+          <p:cNvPicPr>
+            <a:picLocks noChangeAspect="1"/>
+          </p:cNvPicPr>
+          <p:nvPr/>
+        </p:nvPicPr>
+        <p:blipFill>
+          <a:blip r:embed="rId5"/>
+          <a:stretch>
+            <a:fillRect/>
+          </a:stretch>
+        </p:blipFill>
+        <p:spPr>
+          <a:xfrm>
+            <a:off x="5548133" y="3108736"/>
+            <a:ext cx="6315876" cy="3506585"/>
           </a:xfrm>
           <a:prstGeom prst="rect">
             <a:avLst/>
           </a:prstGeom>
         </p:spPr>
+      </p:pic>
+      <p:sp>
+        <p:nvSpPr>
+          <p:cNvPr id="57" name="TextBox 56">
+            <a:extLst>
+              <a:ext uri="{FF2B5EF4-FFF2-40B4-BE49-F238E27FC236}">
+                <a16:creationId xmlns:a16="http://schemas.microsoft.com/office/drawing/2014/main" id="{1ECDC05D-816E-4730-B182-DD74228EEC8C}"/>
+              </a:ext>
+            </a:extLst>
+          </p:cNvPr>
+          <p:cNvSpPr txBox="1"/>
+          <p:nvPr/>
+        </p:nvSpPr>
+        <p:spPr>
+          <a:xfrm>
+            <a:off x="623298" y="824485"/>
+            <a:ext cx="10171772" cy="1754326"/>
+          </a:xfrm>
+          <a:prstGeom prst="rect">
+            <a:avLst/>
+          </a:prstGeom>
+          <a:noFill/>
+        </p:spPr>
         <p:txBody>
-          <a:bodyPr wrap="square" lIns="0" tIns="0" rIns="0" bIns="0" anchor="t">
+          <a:bodyPr wrap="square" rtlCol="0">
             <a:spAutoFit/>
           </a:bodyPr>
           <a:lstStyle/>
           <a:p>
-            <a:pPr algn="ctr">
-              <a:lnSpc>
-                <a:spcPts val="1900"/>
-              </a:lnSpc>
+            <a:r>
+              <a:rPr lang="en-US" altLang="zh-CN" dirty="0">
+                <a:latin typeface="Arial" panose="020B0604020202020204" pitchFamily="34" charset="0"/>
+                <a:cs typeface="Arial" panose="020B0604020202020204" pitchFamily="34" charset="0"/>
+              </a:rPr>
+              <a:t>Some other libraries we tried:</a:t>
+            </a:r>
+          </a:p>
+          <a:p>
+            <a:pPr marL="342900" indent="-342900">
+              <a:buAutoNum type="arabicPeriod"/>
             </a:pPr>
             <a:r>
-              <a:rPr lang="en-US" altLang="en-US" sz="1400" dirty="0">
-                <a:solidFill>
-                  <a:schemeClr val="tx1">
-                    <a:lumMod val="75000"/>
-                    <a:lumOff val="25000"/>
-                  </a:schemeClr>
-                </a:solidFill>
-                <a:cs typeface="Segoe UI" panose="020B0502040204020203" pitchFamily="34" charset="0"/>
+              <a:rPr lang="en-US" altLang="zh-CN" dirty="0" err="1">
+                <a:latin typeface="Arial" panose="020B0604020202020204" pitchFamily="34" charset="0"/>
+                <a:cs typeface="Arial" panose="020B0604020202020204" pitchFamily="34" charset="0"/>
               </a:rPr>
-              <a:t>Ttest_1sampResult(statistic=5.287851252325091, </a:t>
-            </a:r>
-            <a:r>
-              <a:rPr lang="en-US" altLang="en-US" sz="1400" dirty="0" err="1">
-                <a:solidFill>
-                  <a:schemeClr val="tx1">
-                    <a:lumMod val="75000"/>
-                    <a:lumOff val="25000"/>
-                  </a:schemeClr>
-                </a:solidFill>
-                <a:cs typeface="Segoe UI" panose="020B0502040204020203" pitchFamily="34" charset="0"/>
+              <a:t>FuzzyWuzzy</a:t>
+            </a:r>
+            <a:endParaRPr lang="en-US" altLang="zh-CN" dirty="0">
+              <a:latin typeface="Arial" panose="020B0604020202020204" pitchFamily="34" charset="0"/>
+              <a:cs typeface="Arial" panose="020B0604020202020204" pitchFamily="34" charset="0"/>
+            </a:endParaRPr>
+          </a:p>
+          <a:p>
+            <a:pPr marL="342900" indent="-342900">
+              <a:buAutoNum type="arabicPeriod"/>
+            </a:pPr>
+            <a:r>
+              <a:rPr lang="en-US" altLang="zh-CN" dirty="0">
+                <a:latin typeface="Arial" panose="020B0604020202020204" pitchFamily="34" charset="0"/>
+                <a:cs typeface="Arial" panose="020B0604020202020204" pitchFamily="34" charset="0"/>
               </a:rPr>
-              <a:t>pvalue</a:t>
-            </a:r>
-            <a:r>
-              <a:rPr lang="en-US" altLang="en-US" sz="1400" dirty="0">
-                <a:solidFill>
-                  <a:schemeClr val="tx1">
-                    <a:lumMod val="75000"/>
-                    <a:lumOff val="25000"/>
-                  </a:schemeClr>
-                </a:solidFill>
-                <a:cs typeface="Segoe UI" panose="020B0502040204020203" pitchFamily="34" charset="0"/>
+              <a:t>Jellyfish</a:t>
+            </a:r>
+          </a:p>
+          <a:p>
+            <a:pPr marL="342900" indent="-342900">
+              <a:buAutoNum type="arabicPeriod"/>
+            </a:pPr>
+            <a:endParaRPr lang="en-US" altLang="zh-CN" dirty="0">
+              <a:latin typeface="Arial" panose="020B0604020202020204" pitchFamily="34" charset="0"/>
+              <a:cs typeface="Arial" panose="020B0604020202020204" pitchFamily="34" charset="0"/>
+            </a:endParaRPr>
+          </a:p>
+          <a:p>
+            <a:r>
+              <a:rPr lang="en-US" altLang="zh-CN" dirty="0">
+                <a:latin typeface="Arial" panose="020B0604020202020204" pitchFamily="34" charset="0"/>
+                <a:cs typeface="Arial" panose="020B0604020202020204" pitchFamily="34" charset="0"/>
               </a:rPr>
-              <a:t>=1.4810478542864767e-07) </a:t>
-            </a:r>
+              <a:t>Problem: 2500 rows in Triple J dataset and 170k rows in Spotify dataset</a:t>
+            </a:r>
+            <a:r>
+              <a:rPr lang="en-AU" altLang="zh-CN" dirty="0">
+                <a:latin typeface="Arial" panose="020B0604020202020204" pitchFamily="34" charset="0"/>
+                <a:cs typeface="Arial" panose="020B0604020202020204" pitchFamily="34" charset="0"/>
+              </a:rPr>
+              <a:t>, using these libraries will do the full table scan which will be very slow.</a:t>
+            </a:r>
+            <a:endParaRPr lang="en-US" altLang="zh-CN" dirty="0">
+              <a:latin typeface="Arial" panose="020B0604020202020204" pitchFamily="34" charset="0"/>
+              <a:cs typeface="Arial" panose="020B0604020202020204" pitchFamily="34" charset="0"/>
+            </a:endParaRPr>
           </a:p>
         </p:txBody>
       </p:sp>
+      <p:cxnSp>
+        <p:nvCxnSpPr>
+          <p:cNvPr id="3" name="Connector: Elbow 2">
+            <a:extLst>
+              <a:ext uri="{FF2B5EF4-FFF2-40B4-BE49-F238E27FC236}">
+                <a16:creationId xmlns:a16="http://schemas.microsoft.com/office/drawing/2014/main" id="{CD46AA7E-7E64-438C-A402-729082DABC9F}"/>
+              </a:ext>
+            </a:extLst>
+          </p:cNvPr>
+          <p:cNvCxnSpPr>
+            <a:stCxn id="19" idx="3"/>
+            <a:endCxn id="133" idx="1"/>
+          </p:cNvCxnSpPr>
+          <p:nvPr/>
+        </p:nvCxnSpPr>
+        <p:spPr>
+          <a:xfrm>
+            <a:off x="2292492" y="5845318"/>
+            <a:ext cx="997784" cy="252015"/>
+          </a:xfrm>
+          <a:prstGeom prst="bentConnector3">
+            <a:avLst/>
+          </a:prstGeom>
+          <a:ln>
+            <a:headEnd type="triangle"/>
+            <a:tailEnd type="triangle"/>
+          </a:ln>
+        </p:spPr>
+        <p:style>
+          <a:lnRef idx="1">
+            <a:schemeClr val="accent1"/>
+          </a:lnRef>
+          <a:fillRef idx="0">
+            <a:schemeClr val="accent1"/>
+          </a:fillRef>
+          <a:effectRef idx="0">
+            <a:schemeClr val="accent1"/>
+          </a:effectRef>
+          <a:fontRef idx="minor">
+            <a:schemeClr val="tx1"/>
+          </a:fontRef>
+        </p:style>
+      </p:cxnSp>
+      <p:cxnSp>
+        <p:nvCxnSpPr>
+          <p:cNvPr id="5" name="Connector: Elbow 4">
+            <a:extLst>
+              <a:ext uri="{FF2B5EF4-FFF2-40B4-BE49-F238E27FC236}">
+                <a16:creationId xmlns:a16="http://schemas.microsoft.com/office/drawing/2014/main" id="{6F44D5A5-1FF9-4661-8CD0-BABED1A44F41}"/>
+              </a:ext>
+            </a:extLst>
+          </p:cNvPr>
+          <p:cNvCxnSpPr>
+            <a:stCxn id="134" idx="3"/>
+            <a:endCxn id="135" idx="1"/>
+          </p:cNvCxnSpPr>
+          <p:nvPr/>
+        </p:nvCxnSpPr>
+        <p:spPr>
+          <a:xfrm>
+            <a:off x="2285413" y="6200407"/>
+            <a:ext cx="1004863" cy="265057"/>
+          </a:xfrm>
+          <a:prstGeom prst="bentConnector3">
+            <a:avLst/>
+          </a:prstGeom>
+          <a:ln>
+            <a:headEnd type="triangle"/>
+            <a:tailEnd type="triangle"/>
+          </a:ln>
+        </p:spPr>
+        <p:style>
+          <a:lnRef idx="1">
+            <a:schemeClr val="accent1"/>
+          </a:lnRef>
+          <a:fillRef idx="0">
+            <a:schemeClr val="accent1"/>
+          </a:fillRef>
+          <a:effectRef idx="0">
+            <a:schemeClr val="accent1"/>
+          </a:effectRef>
+          <a:fontRef idx="minor">
+            <a:schemeClr val="tx1"/>
+          </a:fontRef>
+        </p:style>
+      </p:cxnSp>
     </p:spTree>
     <p:extLst>
       <p:ext uri="{BB962C8B-B14F-4D97-AF65-F5344CB8AC3E}">
-        <p14:creationId xmlns:p14="http://schemas.microsoft.com/office/powerpoint/2010/main" val="4163170397"/>
+        <p14:creationId xmlns:p14="http://schemas.microsoft.com/office/powerpoint/2010/main" val="1792375977"/>
       </p:ext>
     </p:extLst>
   </p:cSld>
@@ -21596,7 +25925,7 @@
           <p:cNvPr id="7" name="Title 6" hidden="1">
             <a:extLst>
               <a:ext uri="{FF2B5EF4-FFF2-40B4-BE49-F238E27FC236}">
-                <a16:creationId xmlns:a16="http://schemas.microsoft.com/office/drawing/2014/main" id="{7C70995F-D8C5-410A-AA8B-1EE172A29454}"/>
+                <a16:creationId xmlns:a16="http://schemas.microsoft.com/office/drawing/2014/main" id="{ED2F5393-91A3-4102-A584-E902285C507A}"/>
               </a:ext>
             </a:extLst>
           </p:cNvPr>
@@ -21619,7 +25948,7 @@
           <a:p>
             <a:r>
               <a:rPr lang="en-US" dirty="0"/>
-              <a:t>Project analysis slide 10</a:t>
+              <a:t>Project analysis slide 4</a:t>
             </a:r>
           </a:p>
         </p:txBody>
@@ -21643,8 +25972,8 @@
         </p:nvCxnSpPr>
         <p:spPr>
           <a:xfrm>
-            <a:off x="8976732" y="522898"/>
-            <a:ext cx="3215268" cy="0"/>
+            <a:off x="8105775" y="522898"/>
+            <a:ext cx="4086225" cy="0"/>
           </a:xfrm>
           <a:prstGeom prst="line">
             <a:avLst/>
@@ -21690,7 +26019,7 @@
         <p:spPr>
           <a:xfrm>
             <a:off x="228600" y="190500"/>
-            <a:ext cx="11734800" cy="664797"/>
+            <a:ext cx="11734800" cy="775597"/>
           </a:xfrm>
           <a:prstGeom prst="rect">
             <a:avLst/>
@@ -21730,7 +26059,7 @@
                   </a:schemeClr>
                 </a:solidFill>
               </a:rPr>
-              <a:t>Do Australians prefer long songs?</a:t>
+              <a:t>Data Framework</a:t>
             </a:r>
             <a:br>
               <a:rPr lang="en-US" sz="2800" dirty="0">
@@ -21742,17 +26071,6 @@
                 </a:solidFill>
               </a:rPr>
             </a:br>
-            <a:r>
-              <a:rPr lang="en-US" sz="2000" dirty="0">
-                <a:solidFill>
-                  <a:schemeClr val="tx1">
-                    <a:lumMod val="75000"/>
-                    <a:lumOff val="25000"/>
-                  </a:schemeClr>
-                </a:solidFill>
-              </a:rPr>
-              <a:t> </a:t>
-            </a:r>
             <a:endParaRPr lang="en-US" sz="2800" dirty="0">
               <a:solidFill>
                 <a:schemeClr val="tx1">
@@ -21784,7 +26102,7 @@
         <p:spPr>
           <a:xfrm>
             <a:off x="0" y="522898"/>
-            <a:ext cx="3155795" cy="0"/>
+            <a:ext cx="4086225" cy="0"/>
           </a:xfrm>
           <a:prstGeom prst="line">
             <a:avLst/>
@@ -21813,345 +26131,12 @@
           </a:fontRef>
         </p:style>
       </p:cxnSp>
-      <p:sp>
-        <p:nvSpPr>
-          <p:cNvPr id="10" name="Rectangle 9">
-            <a:extLst>
-              <a:ext uri="{FF2B5EF4-FFF2-40B4-BE49-F238E27FC236}">
-                <a16:creationId xmlns:a16="http://schemas.microsoft.com/office/drawing/2014/main" id="{1A997C66-4ED4-4017-9439-1D07ED31D783}"/>
-              </a:ext>
-            </a:extLst>
-          </p:cNvPr>
-          <p:cNvSpPr/>
-          <p:nvPr/>
-        </p:nvSpPr>
-        <p:spPr>
-          <a:xfrm>
-            <a:off x="0" y="1318097"/>
-            <a:ext cx="3635298" cy="710707"/>
-          </a:xfrm>
-          <a:prstGeom prst="rect">
-            <a:avLst/>
-          </a:prstGeom>
-        </p:spPr>
-        <p:txBody>
-          <a:bodyPr wrap="square" lIns="0" tIns="0" rIns="0" bIns="0" anchor="t">
-            <a:spAutoFit/>
-          </a:bodyPr>
-          <a:lstStyle/>
-          <a:p>
-            <a:pPr algn="ctr">
-              <a:lnSpc>
-                <a:spcPts val="1900"/>
-              </a:lnSpc>
-            </a:pPr>
-            <a:r>
-              <a:rPr lang="en-US" sz="1400" dirty="0">
-                <a:solidFill>
-                  <a:schemeClr val="tx1">
-                    <a:lumMod val="75000"/>
-                    <a:lumOff val="25000"/>
-                  </a:schemeClr>
-                </a:solidFill>
-                <a:cs typeface="Segoe UI" panose="020B0502040204020203" pitchFamily="34" charset="0"/>
-              </a:rPr>
-              <a:t>We expect shorter songs, friendlier to heavy airplay, to perform better than relatively longer songs.</a:t>
-            </a:r>
-          </a:p>
-        </p:txBody>
-      </p:sp>
-      <p:sp>
-        <p:nvSpPr>
-          <p:cNvPr id="12" name="Rectangle 11">
-            <a:extLst>
-              <a:ext uri="{FF2B5EF4-FFF2-40B4-BE49-F238E27FC236}">
-                <a16:creationId xmlns:a16="http://schemas.microsoft.com/office/drawing/2014/main" id="{690C1A7A-78BB-48B4-B5CE-2B9C34E5E67B}"/>
-              </a:ext>
-            </a:extLst>
-          </p:cNvPr>
-          <p:cNvSpPr/>
-          <p:nvPr/>
-        </p:nvSpPr>
-        <p:spPr>
-          <a:xfrm>
-            <a:off x="4034122" y="1286089"/>
-            <a:ext cx="3058054" cy="710707"/>
-          </a:xfrm>
-          <a:prstGeom prst="rect">
-            <a:avLst/>
-          </a:prstGeom>
-        </p:spPr>
-        <p:txBody>
-          <a:bodyPr wrap="square" lIns="0" tIns="0" rIns="0" bIns="0" anchor="t">
-            <a:spAutoFit/>
-          </a:bodyPr>
-          <a:lstStyle/>
-          <a:p>
-            <a:pPr algn="ctr">
-              <a:lnSpc>
-                <a:spcPts val="1900"/>
-              </a:lnSpc>
-            </a:pPr>
-            <a:r>
-              <a:rPr lang="en-US" sz="1400" dirty="0">
-                <a:cs typeface="Segoe UI" panose="020B0502040204020203" pitchFamily="34" charset="0"/>
-              </a:rPr>
-              <a:t>Compared each years top 100 duration mean vs  all songs released duration mean.</a:t>
-            </a:r>
-          </a:p>
-        </p:txBody>
-      </p:sp>
-      <p:sp>
-        <p:nvSpPr>
-          <p:cNvPr id="13" name="Rectangle 12">
-            <a:extLst>
-              <a:ext uri="{FF2B5EF4-FFF2-40B4-BE49-F238E27FC236}">
-                <a16:creationId xmlns:a16="http://schemas.microsoft.com/office/drawing/2014/main" id="{53CF038C-66AF-4E81-9068-703EC0088620}"/>
-              </a:ext>
-            </a:extLst>
-          </p:cNvPr>
-          <p:cNvSpPr/>
-          <p:nvPr/>
-        </p:nvSpPr>
-        <p:spPr>
-          <a:xfrm>
-            <a:off x="7385572" y="1364070"/>
-            <a:ext cx="4268298" cy="1198020"/>
-          </a:xfrm>
-          <a:prstGeom prst="rect">
-            <a:avLst/>
-          </a:prstGeom>
-        </p:spPr>
-        <p:txBody>
-          <a:bodyPr wrap="square" lIns="0" tIns="0" rIns="0" bIns="0" anchor="t">
-            <a:spAutoFit/>
-          </a:bodyPr>
-          <a:lstStyle/>
-          <a:p>
-            <a:pPr algn="ctr">
-              <a:lnSpc>
-                <a:spcPts val="1900"/>
-              </a:lnSpc>
-            </a:pPr>
-            <a:r>
-              <a:rPr lang="en-US" sz="1400" dirty="0">
-                <a:solidFill>
-                  <a:schemeClr val="tx1">
-                    <a:lumMod val="75000"/>
-                    <a:lumOff val="25000"/>
-                  </a:schemeClr>
-                </a:solidFill>
-                <a:cs typeface="Segoe UI" panose="020B0502040204020203" pitchFamily="34" charset="0"/>
-              </a:rPr>
-              <a:t>The analysis shows there is no significant difference in length (in </a:t>
-            </a:r>
-            <a:r>
-              <a:rPr lang="en-US" sz="1400" dirty="0" err="1">
-                <a:solidFill>
-                  <a:schemeClr val="tx1">
-                    <a:lumMod val="75000"/>
-                    <a:lumOff val="25000"/>
-                  </a:schemeClr>
-                </a:solidFill>
-                <a:cs typeface="Segoe UI" panose="020B0502040204020203" pitchFamily="34" charset="0"/>
-              </a:rPr>
-              <a:t>ms</a:t>
-            </a:r>
-            <a:r>
-              <a:rPr lang="en-US" sz="1400" dirty="0">
-                <a:solidFill>
-                  <a:schemeClr val="tx1">
-                    <a:lumMod val="75000"/>
-                    <a:lumOff val="25000"/>
-                  </a:schemeClr>
-                </a:solidFill>
-                <a:cs typeface="Segoe UI" panose="020B0502040204020203" pitchFamily="34" charset="0"/>
-              </a:rPr>
-              <a:t>) between winning songs and the mean of the population. Only 2016 showed a significant result. Given the number of years </a:t>
-            </a:r>
-            <a:r>
-              <a:rPr lang="en-US" sz="1400" dirty="0" err="1">
-                <a:solidFill>
-                  <a:schemeClr val="tx1">
-                    <a:lumMod val="75000"/>
-                    <a:lumOff val="25000"/>
-                  </a:schemeClr>
-                </a:solidFill>
-                <a:cs typeface="Segoe UI" panose="020B0502040204020203" pitchFamily="34" charset="0"/>
-              </a:rPr>
-              <a:t>analysed</a:t>
-            </a:r>
-            <a:r>
-              <a:rPr lang="en-US" sz="1400" dirty="0">
-                <a:solidFill>
-                  <a:schemeClr val="tx1">
-                    <a:lumMod val="75000"/>
-                    <a:lumOff val="25000"/>
-                  </a:schemeClr>
-                </a:solidFill>
-                <a:cs typeface="Segoe UI" panose="020B0502040204020203" pitchFamily="34" charset="0"/>
-              </a:rPr>
-              <a:t> and the </a:t>
-            </a:r>
-            <a:r>
-              <a:rPr lang="en-US" sz="1400" dirty="0" err="1">
-                <a:solidFill>
-                  <a:schemeClr val="tx1">
-                    <a:lumMod val="75000"/>
-                    <a:lumOff val="25000"/>
-                  </a:schemeClr>
-                </a:solidFill>
-                <a:cs typeface="Segoe UI" panose="020B0502040204020203" pitchFamily="34" charset="0"/>
-              </a:rPr>
-              <a:t>pvalue</a:t>
-            </a:r>
-            <a:r>
-              <a:rPr lang="en-US" sz="1400" dirty="0">
-                <a:solidFill>
-                  <a:schemeClr val="tx1">
-                    <a:lumMod val="75000"/>
-                    <a:lumOff val="25000"/>
-                  </a:schemeClr>
-                </a:solidFill>
-                <a:cs typeface="Segoe UI" panose="020B0502040204020203" pitchFamily="34" charset="0"/>
-              </a:rPr>
-              <a:t> of 0.0879 it is reasonable to assume it was by chance.</a:t>
-            </a:r>
-          </a:p>
-        </p:txBody>
-      </p:sp>
-      <p:sp>
-        <p:nvSpPr>
-          <p:cNvPr id="26" name="Rectangle 25">
-            <a:extLst>
-              <a:ext uri="{FF2B5EF4-FFF2-40B4-BE49-F238E27FC236}">
-                <a16:creationId xmlns:a16="http://schemas.microsoft.com/office/drawing/2014/main" id="{2D1EC9D4-76A8-4A26-A2A6-D7B18B7CF659}"/>
-              </a:ext>
-            </a:extLst>
-          </p:cNvPr>
-          <p:cNvSpPr/>
-          <p:nvPr/>
-        </p:nvSpPr>
-        <p:spPr>
-          <a:xfrm>
-            <a:off x="105428" y="953691"/>
-            <a:ext cx="4162870" cy="246221"/>
-          </a:xfrm>
-          <a:prstGeom prst="rect">
-            <a:avLst/>
-          </a:prstGeom>
-        </p:spPr>
-        <p:txBody>
-          <a:bodyPr wrap="square" lIns="0" tIns="0" rIns="0" bIns="0" anchor="t">
-            <a:spAutoFit/>
-          </a:bodyPr>
-          <a:lstStyle/>
-          <a:p>
-            <a:r>
-              <a:rPr lang="en-US" sz="1600" b="1" dirty="0">
-                <a:solidFill>
-                  <a:schemeClr val="tx1">
-                    <a:lumMod val="75000"/>
-                    <a:lumOff val="25000"/>
-                  </a:schemeClr>
-                </a:solidFill>
-                <a:cs typeface="Segoe UI" panose="020B0502040204020203" pitchFamily="34" charset="0"/>
-              </a:rPr>
-              <a:t>Hypothesis</a:t>
-            </a:r>
-          </a:p>
-        </p:txBody>
-      </p:sp>
-      <p:sp>
-        <p:nvSpPr>
-          <p:cNvPr id="27" name="Rectangle 26">
-            <a:extLst>
-              <a:ext uri="{FF2B5EF4-FFF2-40B4-BE49-F238E27FC236}">
-                <a16:creationId xmlns:a16="http://schemas.microsoft.com/office/drawing/2014/main" id="{8B9D6654-5A8B-4A3E-B65B-E6BEC7BC3E92}"/>
-              </a:ext>
-            </a:extLst>
-          </p:cNvPr>
-          <p:cNvSpPr/>
-          <p:nvPr/>
-        </p:nvSpPr>
-        <p:spPr>
-          <a:xfrm>
-            <a:off x="7491000" y="997302"/>
-            <a:ext cx="4162870" cy="246221"/>
-          </a:xfrm>
-          <a:prstGeom prst="rect">
-            <a:avLst/>
-          </a:prstGeom>
-        </p:spPr>
-        <p:txBody>
-          <a:bodyPr wrap="square" lIns="0" tIns="0" rIns="0" bIns="0" anchor="t">
-            <a:spAutoFit/>
-          </a:bodyPr>
-          <a:lstStyle/>
-          <a:p>
-            <a:r>
-              <a:rPr lang="en-US" sz="1600" b="1" dirty="0">
-                <a:solidFill>
-                  <a:schemeClr val="tx1">
-                    <a:lumMod val="75000"/>
-                    <a:lumOff val="25000"/>
-                  </a:schemeClr>
-                </a:solidFill>
-                <a:cs typeface="Segoe UI" panose="020B0502040204020203" pitchFamily="34" charset="0"/>
-              </a:rPr>
-              <a:t>Conclusion</a:t>
-            </a:r>
-          </a:p>
-        </p:txBody>
-      </p:sp>
-      <p:sp>
-        <p:nvSpPr>
-          <p:cNvPr id="28" name="Rectangle 27">
-            <a:extLst>
-              <a:ext uri="{FF2B5EF4-FFF2-40B4-BE49-F238E27FC236}">
-                <a16:creationId xmlns:a16="http://schemas.microsoft.com/office/drawing/2014/main" id="{A4EE4EF6-1BD1-4EE8-8C26-1356267F05F1}"/>
-              </a:ext>
-            </a:extLst>
-          </p:cNvPr>
-          <p:cNvSpPr/>
-          <p:nvPr/>
-        </p:nvSpPr>
-        <p:spPr>
-          <a:xfrm>
-            <a:off x="4034122" y="986573"/>
-            <a:ext cx="4162870" cy="246221"/>
-          </a:xfrm>
-          <a:prstGeom prst="rect">
-            <a:avLst/>
-          </a:prstGeom>
-        </p:spPr>
-        <p:txBody>
-          <a:bodyPr wrap="square" lIns="0" tIns="0" rIns="0" bIns="0" anchor="t">
-            <a:spAutoFit/>
-          </a:bodyPr>
-          <a:lstStyle/>
-          <a:p>
-            <a:r>
-              <a:rPr lang="en-US" sz="1600" b="1" dirty="0">
-                <a:solidFill>
-                  <a:schemeClr val="tx1">
-                    <a:lumMod val="75000"/>
-                    <a:lumOff val="25000"/>
-                  </a:schemeClr>
-                </a:solidFill>
-                <a:cs typeface="Segoe UI" panose="020B0502040204020203" pitchFamily="34" charset="0"/>
-              </a:rPr>
-              <a:t>Testing</a:t>
-            </a:r>
-          </a:p>
-        </p:txBody>
-      </p:sp>
       <p:pic>
         <p:nvPicPr>
           <p:cNvPr id="3" name="Picture 2">
             <a:extLst>
               <a:ext uri="{FF2B5EF4-FFF2-40B4-BE49-F238E27FC236}">
-                <a16:creationId xmlns:a16="http://schemas.microsoft.com/office/drawing/2014/main" id="{DC613B6D-B2E7-4648-B621-D68023E4B4C4}"/>
+                <a16:creationId xmlns:a16="http://schemas.microsoft.com/office/drawing/2014/main" id="{5A77DB38-1353-47B8-8A48-5C30F12EBDC3}"/>
               </a:ext>
             </a:extLst>
           </p:cNvPr>
@@ -22168,8 +26153,170 @@
         </p:blipFill>
         <p:spPr>
           <a:xfrm>
-            <a:off x="2044962" y="2824002"/>
-            <a:ext cx="8141190" cy="3085191"/>
+            <a:off x="549958" y="1704759"/>
+            <a:ext cx="10191750" cy="2771775"/>
+          </a:xfrm>
+          <a:prstGeom prst="rect">
+            <a:avLst/>
+          </a:prstGeom>
+        </p:spPr>
+      </p:pic>
+      <p:sp>
+        <p:nvSpPr>
+          <p:cNvPr id="4" name="TextBox 3">
+            <a:extLst>
+              <a:ext uri="{FF2B5EF4-FFF2-40B4-BE49-F238E27FC236}">
+                <a16:creationId xmlns:a16="http://schemas.microsoft.com/office/drawing/2014/main" id="{F411CE10-6F28-4B96-AB35-B39B1C6BB467}"/>
+              </a:ext>
+            </a:extLst>
+          </p:cNvPr>
+          <p:cNvSpPr txBox="1"/>
+          <p:nvPr/>
+        </p:nvSpPr>
+        <p:spPr>
+          <a:xfrm>
+            <a:off x="549958" y="929163"/>
+            <a:ext cx="9849171" cy="400110"/>
+          </a:xfrm>
+          <a:prstGeom prst="rect">
+            <a:avLst/>
+          </a:prstGeom>
+          <a:noFill/>
+        </p:spPr>
+        <p:txBody>
+          <a:bodyPr wrap="none" rtlCol="0">
+            <a:spAutoFit/>
+          </a:bodyPr>
+          <a:lstStyle/>
+          <a:p>
+            <a:r>
+              <a:rPr lang="en-AU" sz="2000" b="1" dirty="0">
+                <a:latin typeface="Arial" panose="020B0604020202020204" pitchFamily="34" charset="0"/>
+                <a:cs typeface="Arial" panose="020B0604020202020204" pitchFamily="34" charset="0"/>
+              </a:rPr>
+              <a:t>Problem found after merge</a:t>
+            </a:r>
+            <a:r>
+              <a:rPr lang="en-AU" sz="2000" dirty="0">
+                <a:latin typeface="Arial" panose="020B0604020202020204" pitchFamily="34" charset="0"/>
+                <a:cs typeface="Arial" panose="020B0604020202020204" pitchFamily="34" charset="0"/>
+              </a:rPr>
+              <a:t>: about half songs can not find a match in </a:t>
+            </a:r>
+            <a:r>
+              <a:rPr lang="en-AU" sz="2000" dirty="0" err="1">
+                <a:latin typeface="Arial" panose="020B0604020202020204" pitchFamily="34" charset="0"/>
+                <a:cs typeface="Arial" panose="020B0604020202020204" pitchFamily="34" charset="0"/>
+              </a:rPr>
+              <a:t>spotify</a:t>
+            </a:r>
+            <a:r>
+              <a:rPr lang="en-AU" sz="2000" dirty="0">
+                <a:latin typeface="Arial" panose="020B0604020202020204" pitchFamily="34" charset="0"/>
+                <a:cs typeface="Arial" panose="020B0604020202020204" pitchFamily="34" charset="0"/>
+              </a:rPr>
+              <a:t> dataset</a:t>
+            </a:r>
+          </a:p>
+        </p:txBody>
+      </p:sp>
+      <p:sp>
+        <p:nvSpPr>
+          <p:cNvPr id="32" name="TextBox 31">
+            <a:extLst>
+              <a:ext uri="{FF2B5EF4-FFF2-40B4-BE49-F238E27FC236}">
+                <a16:creationId xmlns:a16="http://schemas.microsoft.com/office/drawing/2014/main" id="{BD6EDF75-409D-444F-B4FE-42FFE3BA1C64}"/>
+              </a:ext>
+            </a:extLst>
+          </p:cNvPr>
+          <p:cNvSpPr txBox="1"/>
+          <p:nvPr/>
+        </p:nvSpPr>
+        <p:spPr>
+          <a:xfrm>
+            <a:off x="549958" y="4780731"/>
+            <a:ext cx="9698489" cy="461665"/>
+          </a:xfrm>
+          <a:prstGeom prst="rect">
+            <a:avLst/>
+          </a:prstGeom>
+          <a:noFill/>
+        </p:spPr>
+        <p:txBody>
+          <a:bodyPr wrap="none" rtlCol="0">
+            <a:spAutoFit/>
+          </a:bodyPr>
+          <a:lstStyle/>
+          <a:p>
+            <a:r>
+              <a:rPr lang="en-AU" sz="2400" b="1" dirty="0">
+                <a:latin typeface="Arial" panose="020B0604020202020204" pitchFamily="34" charset="0"/>
+                <a:cs typeface="Arial" panose="020B0604020202020204" pitchFamily="34" charset="0"/>
+              </a:rPr>
+              <a:t>Good point</a:t>
+            </a:r>
+            <a:r>
+              <a:rPr lang="en-AU" sz="2400" dirty="0">
+                <a:latin typeface="Arial" panose="020B0604020202020204" pitchFamily="34" charset="0"/>
+                <a:cs typeface="Arial" panose="020B0604020202020204" pitchFamily="34" charset="0"/>
+              </a:rPr>
+              <a:t>: all the 1</a:t>
+            </a:r>
+            <a:r>
+              <a:rPr lang="en-AU" sz="2400" baseline="30000" dirty="0">
+                <a:latin typeface="Arial" panose="020B0604020202020204" pitchFamily="34" charset="0"/>
+                <a:cs typeface="Arial" panose="020B0604020202020204" pitchFamily="34" charset="0"/>
+              </a:rPr>
+              <a:t>st</a:t>
+            </a:r>
+            <a:r>
+              <a:rPr lang="en-AU" sz="2400" dirty="0">
+                <a:latin typeface="Arial" panose="020B0604020202020204" pitchFamily="34" charset="0"/>
+                <a:cs typeface="Arial" panose="020B0604020202020204" pitchFamily="34" charset="0"/>
+              </a:rPr>
+              <a:t> place songs can find a match in </a:t>
+            </a:r>
+            <a:r>
+              <a:rPr lang="en-AU" sz="2400" dirty="0" err="1">
+                <a:latin typeface="Arial" panose="020B0604020202020204" pitchFamily="34" charset="0"/>
+                <a:cs typeface="Arial" panose="020B0604020202020204" pitchFamily="34" charset="0"/>
+              </a:rPr>
+              <a:t>spotify</a:t>
+            </a:r>
+            <a:r>
+              <a:rPr lang="en-AU" sz="2400" dirty="0">
+                <a:latin typeface="Arial" panose="020B0604020202020204" pitchFamily="34" charset="0"/>
+                <a:cs typeface="Arial" panose="020B0604020202020204" pitchFamily="34" charset="0"/>
+              </a:rPr>
+              <a:t> dataset</a:t>
+            </a:r>
+          </a:p>
+        </p:txBody>
+      </p:sp>
+      <p:pic>
+        <p:nvPicPr>
+          <p:cNvPr id="6" name="Picture 5">
+            <a:extLst>
+              <a:ext uri="{FF2B5EF4-FFF2-40B4-BE49-F238E27FC236}">
+                <a16:creationId xmlns:a16="http://schemas.microsoft.com/office/drawing/2014/main" id="{95ADFA27-ADF7-48E4-8DFD-E14B552B2076}"/>
+              </a:ext>
+            </a:extLst>
+          </p:cNvPr>
+          <p:cNvPicPr>
+            <a:picLocks noChangeAspect="1"/>
+          </p:cNvPicPr>
+          <p:nvPr/>
+        </p:nvPicPr>
+        <p:blipFill>
+          <a:blip r:embed="rId4"/>
+          <a:stretch>
+            <a:fillRect/>
+          </a:stretch>
+        </p:blipFill>
+        <p:spPr>
+          <a:xfrm>
+            <a:off x="893877" y="5334977"/>
+            <a:ext cx="9010650" cy="1000125"/>
           </a:xfrm>
           <a:prstGeom prst="rect">
             <a:avLst/>
@@ -22179,7 +26326,7 @@
     </p:spTree>
     <p:extLst>
       <p:ext uri="{BB962C8B-B14F-4D97-AF65-F5344CB8AC3E}">
-        <p14:creationId xmlns:p14="http://schemas.microsoft.com/office/powerpoint/2010/main" val="2238262228"/>
+        <p14:creationId xmlns:p14="http://schemas.microsoft.com/office/powerpoint/2010/main" val="458664723"/>
       </p:ext>
     </p:extLst>
   </p:cSld>
@@ -22981,6 +27128,23 @@
 </file>
 
 <file path=customXml/item1.xml><?xml version="1.0" encoding="utf-8"?>
+<p:properties xmlns:p="http://schemas.microsoft.com/office/2006/metadata/properties" xmlns:xsi="http://www.w3.org/2001/XMLSchema-instance" xmlns:pc="http://schemas.microsoft.com/office/infopath/2007/PartnerControls">
+  <documentManagement>
+    <MediaServiceKeyPoints xmlns="71af3243-3dd4-4a8d-8c0d-dd76da1f02a5" xsi:nil="true"/>
+  </documentManagement>
+</p:properties>
+</file>
+
+<file path=customXml/item2.xml><?xml version="1.0" encoding="utf-8"?>
+<?mso-contentType ?>
+<FormTemplates xmlns="http://schemas.microsoft.com/sharepoint/v3/contenttype/forms">
+  <Display>DocumentLibraryForm</Display>
+  <Edit>DocumentLibraryForm</Edit>
+  <New>DocumentLibraryForm</New>
+</FormTemplates>
+</file>
+
+<file path=customXml/item3.xml><?xml version="1.0" encoding="utf-8"?>
 <ct:contentTypeSchema xmlns:ct="http://schemas.microsoft.com/office/2006/metadata/contentType" xmlns:ma="http://schemas.microsoft.com/office/2006/metadata/properties/metaAttributes" ct:_="" ma:_="" ma:contentTypeName="Document" ma:contentTypeID="0x01010079F111ED35F8CC479449609E8A0923A6" ma:contentTypeVersion="11" ma:contentTypeDescription="Create a new document." ma:contentTypeScope="" ma:versionID="9677210f24a1be23c92c90fd886aa0aa">
   <xsd:schema xmlns:xsd="http://www.w3.org/2001/XMLSchema" xmlns:xs="http://www.w3.org/2001/XMLSchema" xmlns:p="http://schemas.microsoft.com/office/2006/metadata/properties" xmlns:ns2="71af3243-3dd4-4a8d-8c0d-dd76da1f02a5" xmlns:ns3="16c05727-aa75-4e4a-9b5f-8a80a1165891" targetNamespace="http://schemas.microsoft.com/office/2006/metadata/properties" ma:root="true" ma:fieldsID="60e05723c5c1908df1a1a4ebf11d344e" ns2:_="" ns3:_="">
     <xsd:import namespace="71af3243-3dd4-4a8d-8c0d-dd76da1f02a5"/>
@@ -23191,24 +27355,25 @@
 </ct:contentTypeSchema>
 </file>
 
-<file path=customXml/item2.xml><?xml version="1.0" encoding="utf-8"?>
-<?mso-contentType ?>
-<FormTemplates xmlns="http://schemas.microsoft.com/sharepoint/v3/contenttype/forms">
-  <Display>DocumentLibraryForm</Display>
-  <Edit>DocumentLibraryForm</Edit>
-  <New>DocumentLibraryForm</New>
-</FormTemplates>
+<file path=customXml/itemProps1.xml><?xml version="1.0" encoding="utf-8"?>
+<ds:datastoreItem xmlns:ds="http://schemas.openxmlformats.org/officeDocument/2006/customXml" ds:itemID="{EF609EDA-869E-4BE5-AE5D-B898C584B6FF}">
+  <ds:schemaRefs>
+    <ds:schemaRef ds:uri="http://schemas.microsoft.com/office/2006/metadata/properties"/>
+    <ds:schemaRef ds:uri="http://schemas.microsoft.com/office/infopath/2007/PartnerControls"/>
+    <ds:schemaRef ds:uri="71af3243-3dd4-4a8d-8c0d-dd76da1f02a5"/>
+  </ds:schemaRefs>
+</ds:datastoreItem>
 </file>
 
-<file path=customXml/item3.xml><?xml version="1.0" encoding="utf-8"?>
-<p:properties xmlns:p="http://schemas.microsoft.com/office/2006/metadata/properties" xmlns:xsi="http://www.w3.org/2001/XMLSchema-instance" xmlns:pc="http://schemas.microsoft.com/office/infopath/2007/PartnerControls">
-  <documentManagement>
-    <MediaServiceKeyPoints xmlns="71af3243-3dd4-4a8d-8c0d-dd76da1f02a5" xsi:nil="true"/>
-  </documentManagement>
-</p:properties>
+<file path=customXml/itemProps2.xml><?xml version="1.0" encoding="utf-8"?>
+<ds:datastoreItem xmlns:ds="http://schemas.openxmlformats.org/officeDocument/2006/customXml" ds:itemID="{2FD05317-60D6-4B3A-8545-888496D1A8EC}">
+  <ds:schemaRefs>
+    <ds:schemaRef ds:uri="http://schemas.microsoft.com/sharepoint/v3/contenttype/forms"/>
+  </ds:schemaRefs>
+</ds:datastoreItem>
 </file>
 
-<file path=customXml/itemProps1.xml><?xml version="1.0" encoding="utf-8"?>
+<file path=customXml/itemProps3.xml><?xml version="1.0" encoding="utf-8"?>
 <ds:datastoreItem xmlns:ds="http://schemas.openxmlformats.org/officeDocument/2006/customXml" ds:itemID="{61A00BBF-EEBB-4E18-B8CB-F926EAAC48F7}">
   <ds:schemaRefs>
     <ds:schemaRef ds:uri="http://schemas.microsoft.com/office/2006/metadata/contentType"/>
@@ -23225,22 +27390,4 @@
     <ds:schemaRef ds:uri="http://schemas.microsoft.com/internal/obd"/>
   </ds:schemaRefs>
 </ds:datastoreItem>
-</file>
-
-<file path=customXml/itemProps2.xml><?xml version="1.0" encoding="utf-8"?>
-<ds:datastoreItem xmlns:ds="http://schemas.openxmlformats.org/officeDocument/2006/customXml" ds:itemID="{2FD05317-60D6-4B3A-8545-888496D1A8EC}">
-  <ds:schemaRefs>
-    <ds:schemaRef ds:uri="http://schemas.microsoft.com/sharepoint/v3/contenttype/forms"/>
-  </ds:schemaRefs>
-</ds:datastoreItem>
-</file>
-
-<file path=customXml/itemProps3.xml><?xml version="1.0" encoding="utf-8"?>
-<ds:datastoreItem xmlns:ds="http://schemas.openxmlformats.org/officeDocument/2006/customXml" ds:itemID="{EF609EDA-869E-4BE5-AE5D-B898C584B6FF}">
-  <ds:schemaRefs>
-    <ds:schemaRef ds:uri="http://schemas.microsoft.com/office/2006/metadata/properties"/>
-    <ds:schemaRef ds:uri="http://schemas.microsoft.com/office/infopath/2007/PartnerControls"/>
-    <ds:schemaRef ds:uri="71af3243-3dd4-4a8d-8c0d-dd76da1f02a5"/>
-  </ds:schemaRefs>
-</ds:datastoreItem>
 </file>